--- a/ProjectDocumentationPresentation/Project Defense Presentation.pptx
+++ b/ProjectDocumentationPresentation/Project Defense Presentation.pptx
@@ -1,22 +1,22 @@
 
 <file path=ppt/presentation.xml><?xml version="1.0" encoding="utf-8"?>
-<p:presentation xmlns:a="http://schemas.openxmlformats.org/drawingml/2006/main" xmlns:r="http://schemas.openxmlformats.org/officeDocument/2006/relationships" xmlns:mc="http://schemas.openxmlformats.org/markup-compatibility/2006" xmlns:mv="urn:schemas-microsoft-com:mac:vml" xmlns:p="http://schemas.openxmlformats.org/presentationml/2006/main" xmlns:c="http://schemas.openxmlformats.org/drawingml/2006/chart" xmlns:dgm="http://schemas.openxmlformats.org/drawingml/2006/diagram" xmlns:o="urn:schemas-microsoft-com:office:office" xmlns:v="urn:schemas-microsoft-com:vml" xmlns:pvml="urn:schemas-microsoft-com:office:powerpoint" xmlns:com="http://schemas.openxmlformats.org/drawingml/2006/compatibility" xmlns:p14="http://schemas.microsoft.com/office/powerpoint/2010/main" saveSubsetFonts="1" autoCompressPictures="0" strictFirstAndLastChars="0">
+<p:presentation xmlns:a="http://schemas.openxmlformats.org/drawingml/2006/main" xmlns:r="http://schemas.openxmlformats.org/officeDocument/2006/relationships" xmlns:p="http://schemas.openxmlformats.org/presentationml/2006/main" strictFirstAndLastChars="0" saveSubsetFonts="1" autoCompressPictures="0">
   <p:sldMasterIdLst>
-    <p:sldMasterId id="2147483654" r:id="rId4"/>
+    <p:sldMasterId id="2147483654" r:id="rId1"/>
   </p:sldMasterIdLst>
   <p:notesMasterIdLst>
-    <p:notesMasterId r:id="rId5"/>
+    <p:notesMasterId r:id="rId6"/>
   </p:notesMasterIdLst>
   <p:sldIdLst>
-    <p:sldId id="256" r:id="rId6"/>
-    <p:sldId id="257" r:id="rId7"/>
-    <p:sldId id="258" r:id="rId8"/>
-    <p:sldId id="259" r:id="rId9"/>
+    <p:sldId id="256" r:id="rId2"/>
+    <p:sldId id="257" r:id="rId3"/>
+    <p:sldId id="258" r:id="rId4"/>
+    <p:sldId id="259" r:id="rId5"/>
   </p:sldIdLst>
-  <p:sldSz cy="5143500" cx="9144000"/>
-  <p:notesSz cy="9144000" cx="6858000"/>
+  <p:sldSz cx="9144000" cy="5143500" type="screen16x9"/>
+  <p:notesSz cx="6858000" cy="9144000"/>
   <p:defaultTextStyle>
-    <a:defPPr algn="l" rtl="0" marR="0">
+    <a:defPPr marR="0" algn="l" rtl="0">
       <a:lnSpc>
         <a:spcPct val="100000"/>
       </a:lnSpc>
@@ -27,7 +27,7 @@
         <a:spcPts val="0"/>
       </a:spcAft>
     </a:defPPr>
-    <a:lvl1pPr algn="l" rtl="0" marR="0">
+    <a:lvl1pPr marR="0" algn="l" rtl="0">
       <a:lnSpc>
         <a:spcPct val="100000"/>
       </a:lnSpc>
@@ -38,7 +38,7 @@
         <a:spcPts val="0"/>
       </a:spcAft>
       <a:buNone/>
-      <a:defRPr strike="noStrike" u="none" b="0" cap="none" baseline="0" sz="1400" i="0">
+      <a:defRPr sz="1400" b="0" i="0" u="none" strike="noStrike" cap="none" baseline="0">
         <a:solidFill>
           <a:srgbClr val="000000"/>
         </a:solidFill>
@@ -46,10 +46,9 @@
         <a:ea typeface="Arial"/>
         <a:cs typeface="Arial"/>
         <a:sym typeface="Arial"/>
-        <a:rtl val="0"/>
       </a:defRPr>
     </a:lvl1pPr>
-    <a:lvl2pPr algn="l" rtl="0" marR="0">
+    <a:lvl2pPr marR="0" algn="l" rtl="0">
       <a:lnSpc>
         <a:spcPct val="100000"/>
       </a:lnSpc>
@@ -60,7 +59,7 @@
         <a:spcPts val="0"/>
       </a:spcAft>
       <a:buNone/>
-      <a:defRPr strike="noStrike" u="none" b="0" cap="none" baseline="0" sz="1400" i="0">
+      <a:defRPr sz="1400" b="0" i="0" u="none" strike="noStrike" cap="none" baseline="0">
         <a:solidFill>
           <a:srgbClr val="000000"/>
         </a:solidFill>
@@ -68,10 +67,9 @@
         <a:ea typeface="Arial"/>
         <a:cs typeface="Arial"/>
         <a:sym typeface="Arial"/>
-        <a:rtl val="0"/>
       </a:defRPr>
     </a:lvl2pPr>
-    <a:lvl3pPr algn="l" rtl="0" marR="0">
+    <a:lvl3pPr marR="0" algn="l" rtl="0">
       <a:lnSpc>
         <a:spcPct val="100000"/>
       </a:lnSpc>
@@ -82,7 +80,7 @@
         <a:spcPts val="0"/>
       </a:spcAft>
       <a:buNone/>
-      <a:defRPr strike="noStrike" u="none" b="0" cap="none" baseline="0" sz="1400" i="0">
+      <a:defRPr sz="1400" b="0" i="0" u="none" strike="noStrike" cap="none" baseline="0">
         <a:solidFill>
           <a:srgbClr val="000000"/>
         </a:solidFill>
@@ -90,10 +88,9 @@
         <a:ea typeface="Arial"/>
         <a:cs typeface="Arial"/>
         <a:sym typeface="Arial"/>
-        <a:rtl val="0"/>
       </a:defRPr>
     </a:lvl3pPr>
-    <a:lvl4pPr algn="l" rtl="0" marR="0">
+    <a:lvl4pPr marR="0" algn="l" rtl="0">
       <a:lnSpc>
         <a:spcPct val="100000"/>
       </a:lnSpc>
@@ -104,7 +101,7 @@
         <a:spcPts val="0"/>
       </a:spcAft>
       <a:buNone/>
-      <a:defRPr strike="noStrike" u="none" b="0" cap="none" baseline="0" sz="1400" i="0">
+      <a:defRPr sz="1400" b="0" i="0" u="none" strike="noStrike" cap="none" baseline="0">
         <a:solidFill>
           <a:srgbClr val="000000"/>
         </a:solidFill>
@@ -112,10 +109,9 @@
         <a:ea typeface="Arial"/>
         <a:cs typeface="Arial"/>
         <a:sym typeface="Arial"/>
-        <a:rtl val="0"/>
       </a:defRPr>
     </a:lvl4pPr>
-    <a:lvl5pPr algn="l" rtl="0" marR="0">
+    <a:lvl5pPr marR="0" algn="l" rtl="0">
       <a:lnSpc>
         <a:spcPct val="100000"/>
       </a:lnSpc>
@@ -126,7 +122,7 @@
         <a:spcPts val="0"/>
       </a:spcAft>
       <a:buNone/>
-      <a:defRPr strike="noStrike" u="none" b="0" cap="none" baseline="0" sz="1400" i="0">
+      <a:defRPr sz="1400" b="0" i="0" u="none" strike="noStrike" cap="none" baseline="0">
         <a:solidFill>
           <a:srgbClr val="000000"/>
         </a:solidFill>
@@ -134,10 +130,9 @@
         <a:ea typeface="Arial"/>
         <a:cs typeface="Arial"/>
         <a:sym typeface="Arial"/>
-        <a:rtl val="0"/>
       </a:defRPr>
     </a:lvl5pPr>
-    <a:lvl6pPr algn="l" rtl="0" marR="0">
+    <a:lvl6pPr marR="0" algn="l" rtl="0">
       <a:lnSpc>
         <a:spcPct val="100000"/>
       </a:lnSpc>
@@ -148,7 +143,7 @@
         <a:spcPts val="0"/>
       </a:spcAft>
       <a:buNone/>
-      <a:defRPr strike="noStrike" u="none" b="0" cap="none" baseline="0" sz="1400" i="0">
+      <a:defRPr sz="1400" b="0" i="0" u="none" strike="noStrike" cap="none" baseline="0">
         <a:solidFill>
           <a:srgbClr val="000000"/>
         </a:solidFill>
@@ -156,10 +151,9 @@
         <a:ea typeface="Arial"/>
         <a:cs typeface="Arial"/>
         <a:sym typeface="Arial"/>
-        <a:rtl val="0"/>
       </a:defRPr>
     </a:lvl6pPr>
-    <a:lvl7pPr algn="l" rtl="0" marR="0">
+    <a:lvl7pPr marR="0" algn="l" rtl="0">
       <a:lnSpc>
         <a:spcPct val="100000"/>
       </a:lnSpc>
@@ -170,7 +164,7 @@
         <a:spcPts val="0"/>
       </a:spcAft>
       <a:buNone/>
-      <a:defRPr strike="noStrike" u="none" b="0" cap="none" baseline="0" sz="1400" i="0">
+      <a:defRPr sz="1400" b="0" i="0" u="none" strike="noStrike" cap="none" baseline="0">
         <a:solidFill>
           <a:srgbClr val="000000"/>
         </a:solidFill>
@@ -178,10 +172,9 @@
         <a:ea typeface="Arial"/>
         <a:cs typeface="Arial"/>
         <a:sym typeface="Arial"/>
-        <a:rtl val="0"/>
       </a:defRPr>
     </a:lvl7pPr>
-    <a:lvl8pPr algn="l" rtl="0" marR="0">
+    <a:lvl8pPr marR="0" algn="l" rtl="0">
       <a:lnSpc>
         <a:spcPct val="100000"/>
       </a:lnSpc>
@@ -192,7 +185,7 @@
         <a:spcPts val="0"/>
       </a:spcAft>
       <a:buNone/>
-      <a:defRPr strike="noStrike" u="none" b="0" cap="none" baseline="0" sz="1400" i="0">
+      <a:defRPr sz="1400" b="0" i="0" u="none" strike="noStrike" cap="none" baseline="0">
         <a:solidFill>
           <a:srgbClr val="000000"/>
         </a:solidFill>
@@ -200,10 +193,9 @@
         <a:ea typeface="Arial"/>
         <a:cs typeface="Arial"/>
         <a:sym typeface="Arial"/>
-        <a:rtl val="0"/>
       </a:defRPr>
     </a:lvl8pPr>
-    <a:lvl9pPr algn="l" rtl="0" marR="0">
+    <a:lvl9pPr marR="0" algn="l" rtl="0">
       <a:lnSpc>
         <a:spcPct val="100000"/>
       </a:lnSpc>
@@ -214,7 +206,7 @@
         <a:spcPts val="0"/>
       </a:spcAft>
       <a:buNone/>
-      <a:defRPr strike="noStrike" u="none" b="0" cap="none" baseline="0" sz="1400" i="0">
+      <a:defRPr sz="1400" b="0" i="0" u="none" strike="noStrike" cap="none" baseline="0">
         <a:solidFill>
           <a:srgbClr val="000000"/>
         </a:solidFill>
@@ -222,7 +214,6 @@
         <a:ea typeface="Arial"/>
         <a:cs typeface="Arial"/>
         <a:sym typeface="Arial"/>
-        <a:rtl val="0"/>
       </a:defRPr>
     </a:lvl9pPr>
   </p:defaultTextStyle>
@@ -230,8 +221,13 @@
 </file>
 
 <file path=ppt/notesMasters/notesMaster1.xml><?xml version="1.0" encoding="utf-8"?>
-<p:notesMaster xmlns:a="http://schemas.openxmlformats.org/drawingml/2006/main" xmlns:r="http://schemas.openxmlformats.org/officeDocument/2006/relationships" xmlns:mc="http://schemas.openxmlformats.org/markup-compatibility/2006" xmlns:mv="urn:schemas-microsoft-com:mac:vml" xmlns:p="http://schemas.openxmlformats.org/presentationml/2006/main" xmlns:c="http://schemas.openxmlformats.org/drawingml/2006/chart" xmlns:dgm="http://schemas.openxmlformats.org/drawingml/2006/diagram" xmlns:o="urn:schemas-microsoft-com:office:office" xmlns:v="urn:schemas-microsoft-com:vml" xmlns:pvml="urn:schemas-microsoft-com:office:powerpoint" xmlns:com="http://schemas.openxmlformats.org/drawingml/2006/compatibility" xmlns:p14="http://schemas.microsoft.com/office/powerpoint/2010/main">
+<p:notesMaster xmlns:a="http://schemas.openxmlformats.org/drawingml/2006/main" xmlns:r="http://schemas.openxmlformats.org/officeDocument/2006/relationships" xmlns:p="http://schemas.openxmlformats.org/presentationml/2006/main">
   <p:cSld>
+    <p:bg>
+      <p:bgRef idx="1001">
+        <a:schemeClr val="bg1"/>
+      </p:bgRef>
+    </p:bg>
     <p:spTree>
       <p:nvGrpSpPr>
         <p:cNvPr id="1" name="Shape 1"/>
@@ -240,39 +236,46 @@
       </p:nvGrpSpPr>
       <p:grpSpPr>
         <a:xfrm>
-          <a:off y="0" x="0"/>
-          <a:ext cy="0" cx="0"/>
-          <a:chOff y="0" x="0"/>
-          <a:chExt cy="0" cx="0"/>
+          <a:off x="0" y="0"/>
+          <a:ext cx="0" cy="0"/>
+          <a:chOff x="0" y="0"/>
+          <a:chExt cx="0" cy="0"/>
         </a:xfrm>
       </p:grpSpPr>
       <p:sp>
         <p:nvSpPr>
           <p:cNvPr id="2" name="Shape 2"/>
-          <p:cNvSpPr/>
+          <p:cNvSpPr>
+            <a:spLocks noGrp="1" noRot="1" noChangeAspect="1"/>
+          </p:cNvSpPr>
           <p:nvPr>
-            <p:ph idx="2" type="sldImg"/>
+            <p:ph type="sldImg" idx="2"/>
           </p:nvPr>
         </p:nvSpPr>
         <p:spPr>
           <a:xfrm>
-            <a:off y="685800" x="381187"/>
-            <a:ext cy="3429000" cx="6096299"/>
+            <a:off x="381187" y="685800"/>
+            <a:ext cx="6096299" cy="3429000"/>
           </a:xfrm>
           <a:custGeom>
+            <a:avLst/>
+            <a:gdLst/>
+            <a:ahLst/>
+            <a:cxnLst/>
+            <a:rect l="0" t="0" r="0" b="0"/>
             <a:pathLst>
-              <a:path w="120000" extrusionOk="0" h="120000">
+              <a:path w="120000" h="120000" extrusionOk="0">
                 <a:moveTo>
-                  <a:pt y="0" x="0"/>
+                  <a:pt x="0" y="0"/>
                 </a:moveTo>
                 <a:lnTo>
-                  <a:pt y="0" x="120000"/>
-                </a:lnTo>
-                <a:lnTo>
-                  <a:pt y="120000" x="120000"/>
-                </a:lnTo>
-                <a:lnTo>
-                  <a:pt y="120000" x="0"/>
+                  <a:pt x="120000" y="0"/>
+                </a:lnTo>
+                <a:lnTo>
+                  <a:pt x="120000" y="120000"/>
+                </a:lnTo>
+                <a:lnTo>
+                  <a:pt x="0" y="120000"/>
                 </a:lnTo>
                 <a:close/>
               </a:path>
@@ -285,23 +288,25 @@
             </a:solidFill>
             <a:prstDash val="solid"/>
             <a:round/>
-            <a:headEnd w="med" len="med" type="none"/>
-            <a:tailEnd w="med" len="med" type="none"/>
+            <a:headEnd type="none" w="med" len="med"/>
+            <a:tailEnd type="none" w="med" len="med"/>
           </a:ln>
         </p:spPr>
       </p:sp>
       <p:sp>
         <p:nvSpPr>
           <p:cNvPr id="3" name="Shape 3"/>
-          <p:cNvSpPr txBox="1"/>
+          <p:cNvSpPr txBox="1">
+            <a:spLocks noGrp="1"/>
+          </p:cNvSpPr>
           <p:nvPr>
-            <p:ph idx="1" type="body"/>
+            <p:ph type="body" idx="1"/>
           </p:nvPr>
         </p:nvSpPr>
         <p:spPr>
           <a:xfrm>
-            <a:off y="4343400" x="685800"/>
-            <a:ext cy="4114800" cx="5486399"/>
+            <a:off x="685800" y="4343400"/>
+            <a:ext cx="5486399" cy="4114800"/>
           </a:xfrm>
           <a:prstGeom prst="rect">
             <a:avLst/>
@@ -312,7 +317,7 @@
           </a:ln>
         </p:spPr>
         <p:txBody>
-          <a:bodyPr bIns="91425" rIns="91425" lIns="91425" tIns="91425" anchor="t" anchorCtr="0"/>
+          <a:bodyPr lIns="91425" tIns="91425" rIns="91425" bIns="91425" anchor="t" anchorCtr="0"/>
           <a:lstStyle>
             <a:lvl1pPr>
               <a:spcBef>
@@ -369,59 +374,160 @@
               <a:defRPr sz="1100"/>
             </a:lvl9pPr>
           </a:lstStyle>
-          <a:p/>
+          <a:p>
+            <a:endParaRPr/>
+          </a:p>
         </p:txBody>
       </p:sp>
     </p:spTree>
   </p:cSld>
-  <p:clrMap accent2="accent2" accent3="accent3" accent4="accent4" accent5="accent5" accent6="accent6" hlink="hlink" tx2="lt2" tx1="dk1" bg2="dk2" bg1="lt1" folHlink="folHlink" accent1="accent1"/>
+  <p:clrMap bg1="lt1" tx1="dk1" bg2="dk2" tx2="lt2" accent1="accent1" accent2="accent2" accent3="accent3" accent4="accent4" accent5="accent5" accent6="accent6" hlink="hlink" folHlink="folHlink"/>
+  <p:notesStyle>
+    <a:lvl1pPr marL="0" algn="l" defTabSz="914400" rtl="0" eaLnBrk="1" latinLnBrk="0" hangingPunct="1">
+      <a:defRPr sz="1200" kern="1200">
+        <a:solidFill>
+          <a:schemeClr val="tx1"/>
+        </a:solidFill>
+        <a:latin typeface="+mn-lt"/>
+        <a:ea typeface="+mn-ea"/>
+        <a:cs typeface="+mn-cs"/>
+      </a:defRPr>
+    </a:lvl1pPr>
+    <a:lvl2pPr marL="457200" algn="l" defTabSz="914400" rtl="0" eaLnBrk="1" latinLnBrk="0" hangingPunct="1">
+      <a:defRPr sz="1200" kern="1200">
+        <a:solidFill>
+          <a:schemeClr val="tx1"/>
+        </a:solidFill>
+        <a:latin typeface="+mn-lt"/>
+        <a:ea typeface="+mn-ea"/>
+        <a:cs typeface="+mn-cs"/>
+      </a:defRPr>
+    </a:lvl2pPr>
+    <a:lvl3pPr marL="914400" algn="l" defTabSz="914400" rtl="0" eaLnBrk="1" latinLnBrk="0" hangingPunct="1">
+      <a:defRPr sz="1200" kern="1200">
+        <a:solidFill>
+          <a:schemeClr val="tx1"/>
+        </a:solidFill>
+        <a:latin typeface="+mn-lt"/>
+        <a:ea typeface="+mn-ea"/>
+        <a:cs typeface="+mn-cs"/>
+      </a:defRPr>
+    </a:lvl3pPr>
+    <a:lvl4pPr marL="1371600" algn="l" defTabSz="914400" rtl="0" eaLnBrk="1" latinLnBrk="0" hangingPunct="1">
+      <a:defRPr sz="1200" kern="1200">
+        <a:solidFill>
+          <a:schemeClr val="tx1"/>
+        </a:solidFill>
+        <a:latin typeface="+mn-lt"/>
+        <a:ea typeface="+mn-ea"/>
+        <a:cs typeface="+mn-cs"/>
+      </a:defRPr>
+    </a:lvl4pPr>
+    <a:lvl5pPr marL="1828800" algn="l" defTabSz="914400" rtl="0" eaLnBrk="1" latinLnBrk="0" hangingPunct="1">
+      <a:defRPr sz="1200" kern="1200">
+        <a:solidFill>
+          <a:schemeClr val="tx1"/>
+        </a:solidFill>
+        <a:latin typeface="+mn-lt"/>
+        <a:ea typeface="+mn-ea"/>
+        <a:cs typeface="+mn-cs"/>
+      </a:defRPr>
+    </a:lvl5pPr>
+    <a:lvl6pPr marL="2286000" algn="l" defTabSz="914400" rtl="0" eaLnBrk="1" latinLnBrk="0" hangingPunct="1">
+      <a:defRPr sz="1200" kern="1200">
+        <a:solidFill>
+          <a:schemeClr val="tx1"/>
+        </a:solidFill>
+        <a:latin typeface="+mn-lt"/>
+        <a:ea typeface="+mn-ea"/>
+        <a:cs typeface="+mn-cs"/>
+      </a:defRPr>
+    </a:lvl6pPr>
+    <a:lvl7pPr marL="2743200" algn="l" defTabSz="914400" rtl="0" eaLnBrk="1" latinLnBrk="0" hangingPunct="1">
+      <a:defRPr sz="1200" kern="1200">
+        <a:solidFill>
+          <a:schemeClr val="tx1"/>
+        </a:solidFill>
+        <a:latin typeface="+mn-lt"/>
+        <a:ea typeface="+mn-ea"/>
+        <a:cs typeface="+mn-cs"/>
+      </a:defRPr>
+    </a:lvl7pPr>
+    <a:lvl8pPr marL="3200400" algn="l" defTabSz="914400" rtl="0" eaLnBrk="1" latinLnBrk="0" hangingPunct="1">
+      <a:defRPr sz="1200" kern="1200">
+        <a:solidFill>
+          <a:schemeClr val="tx1"/>
+        </a:solidFill>
+        <a:latin typeface="+mn-lt"/>
+        <a:ea typeface="+mn-ea"/>
+        <a:cs typeface="+mn-cs"/>
+      </a:defRPr>
+    </a:lvl8pPr>
+    <a:lvl9pPr marL="3657600" algn="l" defTabSz="914400" rtl="0" eaLnBrk="1" latinLnBrk="0" hangingPunct="1">
+      <a:defRPr sz="1200" kern="1200">
+        <a:solidFill>
+          <a:schemeClr val="tx1"/>
+        </a:solidFill>
+        <a:latin typeface="+mn-lt"/>
+        <a:ea typeface="+mn-ea"/>
+        <a:cs typeface="+mn-cs"/>
+      </a:defRPr>
+    </a:lvl9pPr>
+  </p:notesStyle>
 </p:notesMaster>
 </file>
 
 <file path=ppt/notesSlides/notesSlide1.xml><?xml version="1.0" encoding="utf-8"?>
-<p:notes xmlns:a="http://schemas.openxmlformats.org/drawingml/2006/main" xmlns:r="http://schemas.openxmlformats.org/officeDocument/2006/relationships" xmlns:mc="http://schemas.openxmlformats.org/markup-compatibility/2006" xmlns:mv="urn:schemas-microsoft-com:mac:vml" xmlns:p="http://schemas.openxmlformats.org/presentationml/2006/main" xmlns:c="http://schemas.openxmlformats.org/drawingml/2006/chart" xmlns:dgm="http://schemas.openxmlformats.org/drawingml/2006/diagram" xmlns:o="urn:schemas-microsoft-com:office:office" xmlns:v="urn:schemas-microsoft-com:vml" xmlns:pvml="urn:schemas-microsoft-com:office:powerpoint" xmlns:com="http://schemas.openxmlformats.org/drawingml/2006/compatibility" xmlns:p14="http://schemas.microsoft.com/office/powerpoint/2010/main" showMasterSp="0" showMasterPhAnim="0">
+<p:notes xmlns:a="http://schemas.openxmlformats.org/drawingml/2006/main" xmlns:r="http://schemas.openxmlformats.org/officeDocument/2006/relationships" xmlns:p="http://schemas.openxmlformats.org/presentationml/2006/main" showMasterSp="0" showMasterPhAnim="0">
   <p:cSld>
     <p:spTree>
       <p:nvGrpSpPr>
-        <p:cNvPr id="88" name="Shape 88"/>
+        <p:cNvPr id="1" name="Shape 88"/>
         <p:cNvGrpSpPr/>
         <p:nvPr/>
       </p:nvGrpSpPr>
       <p:grpSpPr>
         <a:xfrm>
-          <a:off y="0" x="0"/>
-          <a:ext cy="0" cx="0"/>
-          <a:chOff y="0" x="0"/>
-          <a:chExt cy="0" cx="0"/>
+          <a:off x="0" y="0"/>
+          <a:ext cx="0" cy="0"/>
+          <a:chOff x="0" y="0"/>
+          <a:chExt cx="0" cy="0"/>
         </a:xfrm>
       </p:grpSpPr>
       <p:sp>
         <p:nvSpPr>
           <p:cNvPr id="89" name="Shape 89"/>
-          <p:cNvSpPr/>
+          <p:cNvSpPr>
+            <a:spLocks noGrp="1" noRot="1" noChangeAspect="1"/>
+          </p:cNvSpPr>
           <p:nvPr>
-            <p:ph idx="2" type="sldImg"/>
+            <p:ph type="sldImg" idx="2"/>
           </p:nvPr>
         </p:nvSpPr>
         <p:spPr>
           <a:xfrm>
-            <a:off y="685800" x="381187"/>
-            <a:ext cy="3429000" cx="6096299"/>
+            <a:off x="381187" y="685800"/>
+            <a:ext cx="6096299" cy="3429000"/>
           </a:xfrm>
           <a:custGeom>
+            <a:avLst/>
+            <a:gdLst/>
+            <a:ahLst/>
+            <a:cxnLst/>
+            <a:rect l="0" t="0" r="0" b="0"/>
             <a:pathLst>
-              <a:path w="120000" extrusionOk="0" h="120000">
+              <a:path w="120000" h="120000" extrusionOk="0">
                 <a:moveTo>
-                  <a:pt y="0" x="0"/>
+                  <a:pt x="0" y="0"/>
                 </a:moveTo>
                 <a:lnTo>
-                  <a:pt y="0" x="120000"/>
-                </a:lnTo>
-                <a:lnTo>
-                  <a:pt y="120000" x="120000"/>
-                </a:lnTo>
-                <a:lnTo>
-                  <a:pt y="120000" x="0"/>
+                  <a:pt x="120000" y="0"/>
+                </a:lnTo>
+                <a:lnTo>
+                  <a:pt x="120000" y="120000"/>
+                </a:lnTo>
+                <a:lnTo>
+                  <a:pt x="0" y="120000"/>
                 </a:lnTo>
                 <a:close/>
               </a:path>
@@ -434,30 +540,32 @@
             </a:solidFill>
             <a:prstDash val="solid"/>
             <a:round/>
-            <a:headEnd w="med" len="med" type="none"/>
-            <a:tailEnd w="med" len="med" type="none"/>
+            <a:headEnd type="none" w="med" len="med"/>
+            <a:tailEnd type="none" w="med" len="med"/>
           </a:ln>
         </p:spPr>
       </p:sp>
       <p:sp>
         <p:nvSpPr>
           <p:cNvPr id="90" name="Shape 90"/>
-          <p:cNvSpPr txBox="1"/>
+          <p:cNvSpPr txBox="1">
+            <a:spLocks noGrp="1"/>
+          </p:cNvSpPr>
           <p:nvPr>
-            <p:ph idx="1" type="body"/>
+            <p:ph type="body" idx="1"/>
           </p:nvPr>
         </p:nvSpPr>
         <p:spPr>
           <a:xfrm>
-            <a:off y="4343400" x="685800"/>
-            <a:ext cy="4114800" cx="5486399"/>
+            <a:off x="685800" y="4343400"/>
+            <a:ext cx="5486399" cy="4114800"/>
           </a:xfrm>
           <a:prstGeom prst="rect">
             <a:avLst/>
           </a:prstGeom>
         </p:spPr>
         <p:txBody>
-          <a:bodyPr bIns="91425" rIns="91425" lIns="91425" tIns="91425" anchor="t" anchorCtr="0">
+          <a:bodyPr lIns="91425" tIns="91425" rIns="91425" bIns="91425" anchor="t" anchorCtr="0">
             <a:noAutofit/>
           </a:bodyPr>
           <a:lstStyle/>
@@ -468,9 +576,6 @@
               </a:spcBef>
               <a:buNone/>
             </a:pPr>
-            <a:r>
-              <a:t/>
-            </a:r>
             <a:endParaRPr/>
           </a:p>
         </p:txBody>
@@ -484,49 +589,56 @@
 </file>
 
 <file path=ppt/notesSlides/notesSlide2.xml><?xml version="1.0" encoding="utf-8"?>
-<p:notes xmlns:a="http://schemas.openxmlformats.org/drawingml/2006/main" xmlns:r="http://schemas.openxmlformats.org/officeDocument/2006/relationships" xmlns:mc="http://schemas.openxmlformats.org/markup-compatibility/2006" xmlns:mv="urn:schemas-microsoft-com:mac:vml" xmlns:p="http://schemas.openxmlformats.org/presentationml/2006/main" xmlns:c="http://schemas.openxmlformats.org/drawingml/2006/chart" xmlns:dgm="http://schemas.openxmlformats.org/drawingml/2006/diagram" xmlns:o="urn:schemas-microsoft-com:office:office" xmlns:v="urn:schemas-microsoft-com:vml" xmlns:pvml="urn:schemas-microsoft-com:office:powerpoint" xmlns:com="http://schemas.openxmlformats.org/drawingml/2006/compatibility" xmlns:p14="http://schemas.microsoft.com/office/powerpoint/2010/main" showMasterSp="0" showMasterPhAnim="0">
+<p:notes xmlns:a="http://schemas.openxmlformats.org/drawingml/2006/main" xmlns:r="http://schemas.openxmlformats.org/officeDocument/2006/relationships" xmlns:p="http://schemas.openxmlformats.org/presentationml/2006/main" showMasterSp="0" showMasterPhAnim="0">
   <p:cSld>
     <p:spTree>
       <p:nvGrpSpPr>
-        <p:cNvPr id="94" name="Shape 94"/>
+        <p:cNvPr id="1" name="Shape 94"/>
         <p:cNvGrpSpPr/>
         <p:nvPr/>
       </p:nvGrpSpPr>
       <p:grpSpPr>
         <a:xfrm>
-          <a:off y="0" x="0"/>
-          <a:ext cy="0" cx="0"/>
-          <a:chOff y="0" x="0"/>
-          <a:chExt cy="0" cx="0"/>
+          <a:off x="0" y="0"/>
+          <a:ext cx="0" cy="0"/>
+          <a:chOff x="0" y="0"/>
+          <a:chExt cx="0" cy="0"/>
         </a:xfrm>
       </p:grpSpPr>
       <p:sp>
         <p:nvSpPr>
           <p:cNvPr id="95" name="Shape 95"/>
-          <p:cNvSpPr/>
+          <p:cNvSpPr>
+            <a:spLocks noGrp="1" noRot="1" noChangeAspect="1"/>
+          </p:cNvSpPr>
           <p:nvPr>
-            <p:ph idx="2" type="sldImg"/>
+            <p:ph type="sldImg" idx="2"/>
           </p:nvPr>
         </p:nvSpPr>
         <p:spPr>
           <a:xfrm>
-            <a:off y="685800" x="381187"/>
-            <a:ext cy="3429000" cx="6096299"/>
+            <a:off x="381000" y="685800"/>
+            <a:ext cx="6096000" cy="3429000"/>
           </a:xfrm>
           <a:custGeom>
+            <a:avLst/>
+            <a:gdLst/>
+            <a:ahLst/>
+            <a:cxnLst/>
+            <a:rect l="0" t="0" r="0" b="0"/>
             <a:pathLst>
-              <a:path w="120000" extrusionOk="0" h="120000">
+              <a:path w="120000" h="120000" extrusionOk="0">
                 <a:moveTo>
-                  <a:pt y="0" x="0"/>
+                  <a:pt x="0" y="0"/>
                 </a:moveTo>
                 <a:lnTo>
-                  <a:pt y="0" x="120000"/>
-                </a:lnTo>
-                <a:lnTo>
-                  <a:pt y="120000" x="120000"/>
-                </a:lnTo>
-                <a:lnTo>
-                  <a:pt y="120000" x="0"/>
+                  <a:pt x="120000" y="0"/>
+                </a:lnTo>
+                <a:lnTo>
+                  <a:pt x="120000" y="120000"/>
+                </a:lnTo>
+                <a:lnTo>
+                  <a:pt x="0" y="120000"/>
                 </a:lnTo>
                 <a:close/>
               </a:path>
@@ -539,30 +651,32 @@
             </a:solidFill>
             <a:prstDash val="solid"/>
             <a:round/>
-            <a:headEnd w="med" len="med" type="none"/>
-            <a:tailEnd w="med" len="med" type="none"/>
+            <a:headEnd type="none" w="med" len="med"/>
+            <a:tailEnd type="none" w="med" len="med"/>
           </a:ln>
         </p:spPr>
       </p:sp>
       <p:sp>
         <p:nvSpPr>
           <p:cNvPr id="96" name="Shape 96"/>
-          <p:cNvSpPr txBox="1"/>
+          <p:cNvSpPr txBox="1">
+            <a:spLocks noGrp="1"/>
+          </p:cNvSpPr>
           <p:nvPr>
-            <p:ph idx="1" type="body"/>
+            <p:ph type="body" idx="1"/>
           </p:nvPr>
         </p:nvSpPr>
         <p:spPr>
           <a:xfrm>
-            <a:off y="4343400" x="685800"/>
-            <a:ext cy="4114800" cx="5486399"/>
+            <a:off x="685800" y="4343400"/>
+            <a:ext cx="5486399" cy="4114800"/>
           </a:xfrm>
           <a:prstGeom prst="rect">
             <a:avLst/>
           </a:prstGeom>
         </p:spPr>
         <p:txBody>
-          <a:bodyPr bIns="91425" rIns="91425" lIns="91425" tIns="91425" anchor="t" anchorCtr="0">
+          <a:bodyPr lIns="91425" tIns="91425" rIns="91425" bIns="91425" anchor="t" anchorCtr="0">
             <a:noAutofit/>
           </a:bodyPr>
           <a:lstStyle/>
@@ -573,9 +687,6 @@
               </a:spcBef>
               <a:buNone/>
             </a:pPr>
-            <a:r>
-              <a:t/>
-            </a:r>
             <a:endParaRPr/>
           </a:p>
         </p:txBody>
@@ -589,49 +700,56 @@
 </file>
 
 <file path=ppt/notesSlides/notesSlide3.xml><?xml version="1.0" encoding="utf-8"?>
-<p:notes xmlns:a="http://schemas.openxmlformats.org/drawingml/2006/main" xmlns:r="http://schemas.openxmlformats.org/officeDocument/2006/relationships" xmlns:mc="http://schemas.openxmlformats.org/markup-compatibility/2006" xmlns:mv="urn:schemas-microsoft-com:mac:vml" xmlns:p="http://schemas.openxmlformats.org/presentationml/2006/main" xmlns:c="http://schemas.openxmlformats.org/drawingml/2006/chart" xmlns:dgm="http://schemas.openxmlformats.org/drawingml/2006/diagram" xmlns:o="urn:schemas-microsoft-com:office:office" xmlns:v="urn:schemas-microsoft-com:vml" xmlns:pvml="urn:schemas-microsoft-com:office:powerpoint" xmlns:com="http://schemas.openxmlformats.org/drawingml/2006/compatibility" xmlns:p14="http://schemas.microsoft.com/office/powerpoint/2010/main" showMasterSp="0" showMasterPhAnim="0">
+<p:notes xmlns:a="http://schemas.openxmlformats.org/drawingml/2006/main" xmlns:r="http://schemas.openxmlformats.org/officeDocument/2006/relationships" xmlns:p="http://schemas.openxmlformats.org/presentationml/2006/main" showMasterSp="0" showMasterPhAnim="0">
   <p:cSld>
     <p:spTree>
       <p:nvGrpSpPr>
-        <p:cNvPr id="101" name="Shape 101"/>
+        <p:cNvPr id="1" name="Shape 101"/>
         <p:cNvGrpSpPr/>
         <p:nvPr/>
       </p:nvGrpSpPr>
       <p:grpSpPr>
         <a:xfrm>
-          <a:off y="0" x="0"/>
-          <a:ext cy="0" cx="0"/>
-          <a:chOff y="0" x="0"/>
-          <a:chExt cy="0" cx="0"/>
+          <a:off x="0" y="0"/>
+          <a:ext cx="0" cy="0"/>
+          <a:chOff x="0" y="0"/>
+          <a:chExt cx="0" cy="0"/>
         </a:xfrm>
       </p:grpSpPr>
       <p:sp>
         <p:nvSpPr>
           <p:cNvPr id="102" name="Shape 102"/>
-          <p:cNvSpPr/>
+          <p:cNvSpPr>
+            <a:spLocks noGrp="1" noRot="1" noChangeAspect="1"/>
+          </p:cNvSpPr>
           <p:nvPr>
-            <p:ph idx="2" type="sldImg"/>
+            <p:ph type="sldImg" idx="2"/>
           </p:nvPr>
         </p:nvSpPr>
         <p:spPr>
           <a:xfrm>
-            <a:off y="685800" x="381187"/>
-            <a:ext cy="3429000" cx="6096299"/>
+            <a:off x="381187" y="685800"/>
+            <a:ext cx="6096299" cy="3429000"/>
           </a:xfrm>
           <a:custGeom>
+            <a:avLst/>
+            <a:gdLst/>
+            <a:ahLst/>
+            <a:cxnLst/>
+            <a:rect l="0" t="0" r="0" b="0"/>
             <a:pathLst>
-              <a:path w="120000" extrusionOk="0" h="120000">
+              <a:path w="120000" h="120000" extrusionOk="0">
                 <a:moveTo>
-                  <a:pt y="0" x="0"/>
+                  <a:pt x="0" y="0"/>
                 </a:moveTo>
                 <a:lnTo>
-                  <a:pt y="0" x="120000"/>
-                </a:lnTo>
-                <a:lnTo>
-                  <a:pt y="120000" x="120000"/>
-                </a:lnTo>
-                <a:lnTo>
-                  <a:pt y="120000" x="0"/>
+                  <a:pt x="120000" y="0"/>
+                </a:lnTo>
+                <a:lnTo>
+                  <a:pt x="120000" y="120000"/>
+                </a:lnTo>
+                <a:lnTo>
+                  <a:pt x="0" y="120000"/>
                 </a:lnTo>
                 <a:close/>
               </a:path>
@@ -644,30 +762,32 @@
             </a:solidFill>
             <a:prstDash val="solid"/>
             <a:round/>
-            <a:headEnd w="med" len="med" type="none"/>
-            <a:tailEnd w="med" len="med" type="none"/>
+            <a:headEnd type="none" w="med" len="med"/>
+            <a:tailEnd type="none" w="med" len="med"/>
           </a:ln>
         </p:spPr>
       </p:sp>
       <p:sp>
         <p:nvSpPr>
           <p:cNvPr id="103" name="Shape 103"/>
-          <p:cNvSpPr txBox="1"/>
+          <p:cNvSpPr txBox="1">
+            <a:spLocks noGrp="1"/>
+          </p:cNvSpPr>
           <p:nvPr>
-            <p:ph idx="1" type="body"/>
+            <p:ph type="body" idx="1"/>
           </p:nvPr>
         </p:nvSpPr>
         <p:spPr>
           <a:xfrm>
-            <a:off y="4343400" x="685800"/>
-            <a:ext cy="4114800" cx="5486399"/>
+            <a:off x="685800" y="4343400"/>
+            <a:ext cx="5486399" cy="4114800"/>
           </a:xfrm>
           <a:prstGeom prst="rect">
             <a:avLst/>
           </a:prstGeom>
         </p:spPr>
         <p:txBody>
-          <a:bodyPr bIns="91425" rIns="91425" lIns="91425" tIns="91425" anchor="t" anchorCtr="0">
+          <a:bodyPr lIns="91425" tIns="91425" rIns="91425" bIns="91425" anchor="t" anchorCtr="0">
             <a:noAutofit/>
           </a:bodyPr>
           <a:lstStyle/>
@@ -678,9 +798,6 @@
               </a:spcBef>
               <a:buNone/>
             </a:pPr>
-            <a:r>
-              <a:t/>
-            </a:r>
             <a:endParaRPr/>
           </a:p>
         </p:txBody>
@@ -694,49 +811,56 @@
 </file>
 
 <file path=ppt/notesSlides/notesSlide4.xml><?xml version="1.0" encoding="utf-8"?>
-<p:notes xmlns:a="http://schemas.openxmlformats.org/drawingml/2006/main" xmlns:r="http://schemas.openxmlformats.org/officeDocument/2006/relationships" xmlns:mc="http://schemas.openxmlformats.org/markup-compatibility/2006" xmlns:mv="urn:schemas-microsoft-com:mac:vml" xmlns:p="http://schemas.openxmlformats.org/presentationml/2006/main" xmlns:c="http://schemas.openxmlformats.org/drawingml/2006/chart" xmlns:dgm="http://schemas.openxmlformats.org/drawingml/2006/diagram" xmlns:o="urn:schemas-microsoft-com:office:office" xmlns:v="urn:schemas-microsoft-com:vml" xmlns:pvml="urn:schemas-microsoft-com:office:powerpoint" xmlns:com="http://schemas.openxmlformats.org/drawingml/2006/compatibility" xmlns:p14="http://schemas.microsoft.com/office/powerpoint/2010/main" showMasterSp="0" showMasterPhAnim="0">
+<p:notes xmlns:a="http://schemas.openxmlformats.org/drawingml/2006/main" xmlns:r="http://schemas.openxmlformats.org/officeDocument/2006/relationships" xmlns:p="http://schemas.openxmlformats.org/presentationml/2006/main" showMasterSp="0" showMasterPhAnim="0">
   <p:cSld>
     <p:spTree>
       <p:nvGrpSpPr>
-        <p:cNvPr id="106" name="Shape 106"/>
+        <p:cNvPr id="1" name="Shape 106"/>
         <p:cNvGrpSpPr/>
         <p:nvPr/>
       </p:nvGrpSpPr>
       <p:grpSpPr>
         <a:xfrm>
-          <a:off y="0" x="0"/>
-          <a:ext cy="0" cx="0"/>
-          <a:chOff y="0" x="0"/>
-          <a:chExt cy="0" cx="0"/>
+          <a:off x="0" y="0"/>
+          <a:ext cx="0" cy="0"/>
+          <a:chOff x="0" y="0"/>
+          <a:chExt cx="0" cy="0"/>
         </a:xfrm>
       </p:grpSpPr>
       <p:sp>
         <p:nvSpPr>
           <p:cNvPr id="107" name="Shape 107"/>
-          <p:cNvSpPr/>
+          <p:cNvSpPr>
+            <a:spLocks noGrp="1" noRot="1" noChangeAspect="1"/>
+          </p:cNvSpPr>
           <p:nvPr>
-            <p:ph idx="2" type="sldImg"/>
+            <p:ph type="sldImg" idx="2"/>
           </p:nvPr>
         </p:nvSpPr>
         <p:spPr>
           <a:xfrm>
-            <a:off y="685800" x="381187"/>
-            <a:ext cy="3429000" cx="6096299"/>
+            <a:off x="381187" y="685800"/>
+            <a:ext cx="6096299" cy="3429000"/>
           </a:xfrm>
           <a:custGeom>
+            <a:avLst/>
+            <a:gdLst/>
+            <a:ahLst/>
+            <a:cxnLst/>
+            <a:rect l="0" t="0" r="0" b="0"/>
             <a:pathLst>
-              <a:path w="120000" extrusionOk="0" h="120000">
+              <a:path w="120000" h="120000" extrusionOk="0">
                 <a:moveTo>
-                  <a:pt y="0" x="0"/>
+                  <a:pt x="0" y="0"/>
                 </a:moveTo>
                 <a:lnTo>
-                  <a:pt y="0" x="120000"/>
-                </a:lnTo>
-                <a:lnTo>
-                  <a:pt y="120000" x="120000"/>
-                </a:lnTo>
-                <a:lnTo>
-                  <a:pt y="120000" x="0"/>
+                  <a:pt x="120000" y="0"/>
+                </a:lnTo>
+                <a:lnTo>
+                  <a:pt x="120000" y="120000"/>
+                </a:lnTo>
+                <a:lnTo>
+                  <a:pt x="0" y="120000"/>
                 </a:lnTo>
                 <a:close/>
               </a:path>
@@ -749,30 +873,32 @@
             </a:solidFill>
             <a:prstDash val="solid"/>
             <a:round/>
-            <a:headEnd w="med" len="med" type="none"/>
-            <a:tailEnd w="med" len="med" type="none"/>
+            <a:headEnd type="none" w="med" len="med"/>
+            <a:tailEnd type="none" w="med" len="med"/>
           </a:ln>
         </p:spPr>
       </p:sp>
       <p:sp>
         <p:nvSpPr>
           <p:cNvPr id="108" name="Shape 108"/>
-          <p:cNvSpPr txBox="1"/>
+          <p:cNvSpPr txBox="1">
+            <a:spLocks noGrp="1"/>
+          </p:cNvSpPr>
           <p:nvPr>
-            <p:ph idx="1" type="body"/>
+            <p:ph type="body" idx="1"/>
           </p:nvPr>
         </p:nvSpPr>
         <p:spPr>
           <a:xfrm>
-            <a:off y="4343400" x="685800"/>
-            <a:ext cy="4114800" cx="5486399"/>
+            <a:off x="685800" y="4343400"/>
+            <a:ext cx="5486399" cy="4114800"/>
           </a:xfrm>
           <a:prstGeom prst="rect">
             <a:avLst/>
           </a:prstGeom>
         </p:spPr>
         <p:txBody>
-          <a:bodyPr bIns="91425" rIns="91425" lIns="91425" tIns="91425" anchor="t" anchorCtr="0">
+          <a:bodyPr lIns="91425" tIns="91425" rIns="91425" bIns="91425" anchor="t" anchorCtr="0">
             <a:noAutofit/>
           </a:bodyPr>
           <a:lstStyle/>
@@ -783,9 +909,6 @@
               </a:spcBef>
               <a:buNone/>
             </a:pPr>
-            <a:r>
-              <a:t/>
-            </a:r>
             <a:endParaRPr/>
           </a:p>
         </p:txBody>
@@ -799,128 +922,134 @@
 </file>
 
 <file path=ppt/slideLayouts/slideLayout1.xml><?xml version="1.0" encoding="utf-8"?>
-<p:sldLayout xmlns:a="http://schemas.openxmlformats.org/drawingml/2006/main" xmlns:r="http://schemas.openxmlformats.org/officeDocument/2006/relationships" xmlns:mc="http://schemas.openxmlformats.org/markup-compatibility/2006" xmlns:mv="urn:schemas-microsoft-com:mac:vml" xmlns:p="http://schemas.openxmlformats.org/presentationml/2006/main" xmlns:c="http://schemas.openxmlformats.org/drawingml/2006/chart" xmlns:dgm="http://schemas.openxmlformats.org/drawingml/2006/diagram" xmlns:o="urn:schemas-microsoft-com:office:office" xmlns:v="urn:schemas-microsoft-com:vml" xmlns:pvml="urn:schemas-microsoft-com:office:powerpoint" xmlns:com="http://schemas.openxmlformats.org/drawingml/2006/compatibility" xmlns:p14="http://schemas.microsoft.com/office/powerpoint/2010/main" type="title">
+<p:sldLayout xmlns:a="http://schemas.openxmlformats.org/drawingml/2006/main" xmlns:r="http://schemas.openxmlformats.org/officeDocument/2006/relationships" xmlns:p="http://schemas.openxmlformats.org/presentationml/2006/main" type="title">
   <p:cSld name="Title Slide">
     <p:spTree>
       <p:nvGrpSpPr>
-        <p:cNvPr id="13" name="Shape 13"/>
+        <p:cNvPr id="1" name="Shape 13"/>
         <p:cNvGrpSpPr/>
         <p:nvPr/>
       </p:nvGrpSpPr>
       <p:grpSpPr>
         <a:xfrm>
-          <a:off y="0" x="0"/>
-          <a:ext cy="0" cx="0"/>
-          <a:chOff y="0" x="0"/>
-          <a:chExt cy="0" cx="0"/>
+          <a:off x="0" y="0"/>
+          <a:ext cx="0" cy="0"/>
+          <a:chOff x="0" y="0"/>
+          <a:chExt cx="0" cy="0"/>
         </a:xfrm>
       </p:grpSpPr>
       <p:sp>
         <p:nvSpPr>
           <p:cNvPr id="14" name="Shape 14"/>
-          <p:cNvSpPr txBox="1"/>
+          <p:cNvSpPr txBox="1">
+            <a:spLocks noGrp="1"/>
+          </p:cNvSpPr>
           <p:nvPr>
             <p:ph type="ctrTitle"/>
           </p:nvPr>
         </p:nvSpPr>
         <p:spPr>
           <a:xfrm>
-            <a:off y="1095856" x="1997075"/>
-            <a:ext cy="1102500" cx="6400799"/>
+            <a:off x="1997075" y="1095856"/>
+            <a:ext cx="6400799" cy="1102500"/>
           </a:xfrm>
           <a:prstGeom prst="rect">
             <a:avLst/>
           </a:prstGeom>
         </p:spPr>
         <p:txBody>
-          <a:bodyPr bIns="91425" rIns="91425" lIns="91425" tIns="91425" anchor="b" anchorCtr="0"/>
+          <a:bodyPr lIns="91425" tIns="91425" rIns="91425" bIns="91425" anchor="b" anchorCtr="0"/>
           <a:lstStyle>
             <a:lvl1pPr>
               <a:spcBef>
                 <a:spcPts val="0"/>
               </a:spcBef>
               <a:buSzPct val="100000"/>
-              <a:defRPr b="1" sz="4800"/>
+              <a:defRPr sz="4800" b="1"/>
             </a:lvl1pPr>
             <a:lvl2pPr>
               <a:spcBef>
                 <a:spcPts val="0"/>
               </a:spcBef>
               <a:buSzPct val="100000"/>
-              <a:defRPr b="1" sz="4800"/>
+              <a:defRPr sz="4800" b="1"/>
             </a:lvl2pPr>
             <a:lvl3pPr>
               <a:spcBef>
                 <a:spcPts val="0"/>
               </a:spcBef>
               <a:buSzPct val="100000"/>
-              <a:defRPr b="1" sz="4800"/>
+              <a:defRPr sz="4800" b="1"/>
             </a:lvl3pPr>
             <a:lvl4pPr>
               <a:spcBef>
                 <a:spcPts val="0"/>
               </a:spcBef>
               <a:buSzPct val="100000"/>
-              <a:defRPr b="1" sz="4800"/>
+              <a:defRPr sz="4800" b="1"/>
             </a:lvl4pPr>
             <a:lvl5pPr>
               <a:spcBef>
                 <a:spcPts val="0"/>
               </a:spcBef>
               <a:buSzPct val="100000"/>
-              <a:defRPr b="1" sz="4800"/>
+              <a:defRPr sz="4800" b="1"/>
             </a:lvl5pPr>
             <a:lvl6pPr>
               <a:spcBef>
                 <a:spcPts val="0"/>
               </a:spcBef>
               <a:buSzPct val="100000"/>
-              <a:defRPr b="1" sz="4800"/>
+              <a:defRPr sz="4800" b="1"/>
             </a:lvl6pPr>
             <a:lvl7pPr>
               <a:spcBef>
                 <a:spcPts val="0"/>
               </a:spcBef>
               <a:buSzPct val="100000"/>
-              <a:defRPr b="1" sz="4800"/>
+              <a:defRPr sz="4800" b="1"/>
             </a:lvl7pPr>
             <a:lvl8pPr>
               <a:spcBef>
                 <a:spcPts val="0"/>
               </a:spcBef>
               <a:buSzPct val="100000"/>
-              <a:defRPr b="1" sz="4800"/>
+              <a:defRPr sz="4800" b="1"/>
             </a:lvl8pPr>
             <a:lvl9pPr>
               <a:spcBef>
                 <a:spcPts val="0"/>
               </a:spcBef>
               <a:buSzPct val="100000"/>
-              <a:defRPr b="1" sz="4800"/>
+              <a:defRPr sz="4800" b="1"/>
             </a:lvl9pPr>
           </a:lstStyle>
-          <a:p/>
+          <a:p>
+            <a:endParaRPr/>
+          </a:p>
         </p:txBody>
       </p:sp>
       <p:sp>
         <p:nvSpPr>
           <p:cNvPr id="15" name="Shape 15"/>
-          <p:cNvSpPr txBox="1"/>
+          <p:cNvSpPr txBox="1">
+            <a:spLocks noGrp="1"/>
+          </p:cNvSpPr>
           <p:nvPr>
-            <p:ph idx="1" type="subTitle"/>
+            <p:ph type="subTitle" idx="1"/>
           </p:nvPr>
         </p:nvSpPr>
         <p:spPr>
           <a:xfrm>
-            <a:off y="2251802" x="1997075"/>
-            <a:ext cy="871800" cx="6400799"/>
+            <a:off x="1997075" y="2251802"/>
+            <a:ext cx="6400799" cy="871800"/>
           </a:xfrm>
           <a:prstGeom prst="rect">
             <a:avLst/>
           </a:prstGeom>
         </p:spPr>
         <p:txBody>
-          <a:bodyPr bIns="91425" rIns="91425" lIns="91425" tIns="91425" anchor="t" anchorCtr="0"/>
+          <a:bodyPr lIns="91425" tIns="91425" rIns="91425" bIns="91425" anchor="t" anchorCtr="0"/>
           <a:lstStyle>
             <a:lvl1pPr>
               <a:spcBef>
@@ -1057,7 +1186,9 @@
               </a:defRPr>
             </a:lvl9pPr>
           </a:lstStyle>
-          <a:p/>
+          <a:p>
+            <a:endParaRPr/>
+          </a:p>
         </p:txBody>
       </p:sp>
       <p:sp>
@@ -1068,8 +1199,8 @@
         </p:nvSpPr>
         <p:spPr>
           <a:xfrm>
-            <a:off y="0" x="0"/>
-            <a:ext cy="5143499" cx="3135299"/>
+            <a:off x="0" y="0"/>
+            <a:ext cx="3135299" cy="5143499"/>
           </a:xfrm>
           <a:prstGeom prst="rect">
             <a:avLst/>
@@ -1080,7 +1211,7 @@
           </a:ln>
         </p:spPr>
         <p:txBody>
-          <a:bodyPr bIns="45700" rIns="91425" lIns="91425" tIns="45700" anchor="t" anchorCtr="0">
+          <a:bodyPr lIns="91425" tIns="45700" rIns="91425" bIns="45700" anchor="t" anchorCtr="0">
             <a:noAutofit/>
           </a:bodyPr>
           <a:lstStyle/>
@@ -1091,9 +1222,6 @@
               </a:spcBef>
               <a:buNone/>
             </a:pPr>
-            <a:r>
-              <a:t/>
-            </a:r>
             <a:endParaRPr/>
           </a:p>
         </p:txBody>
@@ -1106,26 +1234,31 @@
         </p:nvSpPr>
         <p:spPr>
           <a:xfrm>
-            <a:off y="0" x="3175"/>
-            <a:ext cy="609600" cx="635000"/>
+            <a:off x="3175" y="0"/>
+            <a:ext cx="635000" cy="609600"/>
           </a:xfrm>
           <a:custGeom>
+            <a:avLst/>
+            <a:gdLst/>
+            <a:ahLst/>
+            <a:cxnLst/>
+            <a:rect l="0" t="0" r="0" b="0"/>
             <a:pathLst>
-              <a:path w="400" extrusionOk="0" h="512">
+              <a:path w="400" h="512" extrusionOk="0">
                 <a:moveTo>
-                  <a:pt y="512" x="400"/>
+                  <a:pt x="400" y="512"/>
                 </a:moveTo>
                 <a:lnTo>
-                  <a:pt y="0" x="2"/>
-                </a:lnTo>
-                <a:lnTo>
-                  <a:pt y="0" x="0"/>
-                </a:lnTo>
-                <a:lnTo>
-                  <a:pt y="512" x="0"/>
-                </a:lnTo>
-                <a:lnTo>
-                  <a:pt y="512" x="400"/>
+                  <a:pt x="2" y="0"/>
+                </a:lnTo>
+                <a:lnTo>
+                  <a:pt x="0" y="0"/>
+                </a:lnTo>
+                <a:lnTo>
+                  <a:pt x="0" y="512"/>
+                </a:lnTo>
+                <a:lnTo>
+                  <a:pt x="400" y="512"/>
                 </a:lnTo>
                 <a:close/>
               </a:path>
@@ -1153,7 +1286,7 @@
           </a:ln>
         </p:spPr>
         <p:txBody>
-          <a:bodyPr bIns="45700" rIns="91425" lIns="91425" tIns="45700" anchor="t" anchorCtr="0">
+          <a:bodyPr lIns="91425" tIns="45700" rIns="91425" bIns="45700" anchor="t" anchorCtr="0">
             <a:noAutofit/>
           </a:bodyPr>
           <a:lstStyle/>
@@ -1164,9 +1297,6 @@
               </a:spcBef>
               <a:buNone/>
             </a:pPr>
-            <a:r>
-              <a:t/>
-            </a:r>
             <a:endParaRPr/>
           </a:p>
         </p:txBody>
@@ -1179,26 +1309,31 @@
         </p:nvSpPr>
         <p:spPr>
           <a:xfrm>
-            <a:off y="1916906" x="3175"/>
-            <a:ext cy="611981" cx="635000"/>
+            <a:off x="3175" y="1916906"/>
+            <a:ext cx="635000" cy="611981"/>
           </a:xfrm>
           <a:custGeom>
+            <a:avLst/>
+            <a:gdLst/>
+            <a:ahLst/>
+            <a:cxnLst/>
+            <a:rect l="0" t="0" r="0" b="0"/>
             <a:pathLst>
-              <a:path w="400" extrusionOk="0" h="514">
+              <a:path w="400" h="514" extrusionOk="0">
                 <a:moveTo>
-                  <a:pt y="0" x="400"/>
+                  <a:pt x="400" y="0"/>
                 </a:moveTo>
                 <a:lnTo>
-                  <a:pt y="0" x="0"/>
-                </a:lnTo>
-                <a:lnTo>
-                  <a:pt y="514" x="0"/>
-                </a:lnTo>
-                <a:lnTo>
-                  <a:pt y="514" x="2"/>
-                </a:lnTo>
-                <a:lnTo>
-                  <a:pt y="0" x="400"/>
+                  <a:pt x="0" y="0"/>
+                </a:lnTo>
+                <a:lnTo>
+                  <a:pt x="0" y="514"/>
+                </a:lnTo>
+                <a:lnTo>
+                  <a:pt x="2" y="514"/>
+                </a:lnTo>
+                <a:lnTo>
+                  <a:pt x="400" y="0"/>
                 </a:lnTo>
                 <a:close/>
               </a:path>
@@ -1226,7 +1361,7 @@
           </a:ln>
         </p:spPr>
         <p:txBody>
-          <a:bodyPr bIns="45700" rIns="91425" lIns="91425" tIns="45700" anchor="t" anchorCtr="0">
+          <a:bodyPr lIns="91425" tIns="45700" rIns="91425" bIns="45700" anchor="t" anchorCtr="0">
             <a:noAutofit/>
           </a:bodyPr>
           <a:lstStyle/>
@@ -1237,9 +1372,6 @@
               </a:spcBef>
               <a:buNone/>
             </a:pPr>
-            <a:r>
-              <a:t/>
-            </a:r>
             <a:endParaRPr/>
           </a:p>
         </p:txBody>
@@ -1252,26 +1384,31 @@
         </p:nvSpPr>
         <p:spPr>
           <a:xfrm>
-            <a:off y="1307306" x="3175"/>
-            <a:ext cy="609600" cx="635000"/>
+            <a:off x="3175" y="1307306"/>
+            <a:ext cx="635000" cy="609600"/>
           </a:xfrm>
           <a:custGeom>
+            <a:avLst/>
+            <a:gdLst/>
+            <a:ahLst/>
+            <a:cxnLst/>
+            <a:rect l="0" t="0" r="0" b="0"/>
             <a:pathLst>
-              <a:path w="400" extrusionOk="0" h="512">
+              <a:path w="400" h="512" extrusionOk="0">
                 <a:moveTo>
-                  <a:pt y="512" x="400"/>
+                  <a:pt x="400" y="512"/>
                 </a:moveTo>
                 <a:lnTo>
-                  <a:pt y="0" x="2"/>
-                </a:lnTo>
-                <a:lnTo>
-                  <a:pt y="0" x="0"/>
-                </a:lnTo>
-                <a:lnTo>
-                  <a:pt y="512" x="0"/>
-                </a:lnTo>
-                <a:lnTo>
-                  <a:pt y="512" x="400"/>
+                  <a:pt x="2" y="0"/>
+                </a:lnTo>
+                <a:lnTo>
+                  <a:pt x="0" y="0"/>
+                </a:lnTo>
+                <a:lnTo>
+                  <a:pt x="0" y="512"/>
+                </a:lnTo>
+                <a:lnTo>
+                  <a:pt x="400" y="512"/>
                 </a:lnTo>
                 <a:close/>
               </a:path>
@@ -1299,7 +1436,7 @@
           </a:ln>
         </p:spPr>
         <p:txBody>
-          <a:bodyPr bIns="45700" rIns="91425" lIns="91425" tIns="45700" anchor="t" anchorCtr="0">
+          <a:bodyPr lIns="91425" tIns="45700" rIns="91425" bIns="45700" anchor="t" anchorCtr="0">
             <a:noAutofit/>
           </a:bodyPr>
           <a:lstStyle/>
@@ -1310,9 +1447,6 @@
               </a:spcBef>
               <a:buNone/>
             </a:pPr>
-            <a:r>
-              <a:t/>
-            </a:r>
             <a:endParaRPr/>
           </a:p>
         </p:txBody>
@@ -1325,26 +1459,31 @@
         </p:nvSpPr>
         <p:spPr>
           <a:xfrm>
-            <a:off y="1307306" x="152400"/>
-            <a:ext cy="609600" cx="1317625"/>
+            <a:off x="152400" y="1307306"/>
+            <a:ext cx="1317625" cy="609600"/>
           </a:xfrm>
           <a:custGeom>
+            <a:avLst/>
+            <a:gdLst/>
+            <a:ahLst/>
+            <a:cxnLst/>
+            <a:rect l="0" t="0" r="0" b="0"/>
             <a:pathLst>
-              <a:path w="830" extrusionOk="0" h="512">
+              <a:path w="830" h="512" extrusionOk="0">
                 <a:moveTo>
-                  <a:pt y="512" x="398"/>
+                  <a:pt x="398" y="512"/>
                 </a:moveTo>
                 <a:lnTo>
-                  <a:pt y="512" x="830"/>
-                </a:lnTo>
-                <a:lnTo>
-                  <a:pt y="0" x="432"/>
-                </a:lnTo>
-                <a:lnTo>
-                  <a:pt y="0" x="0"/>
-                </a:lnTo>
-                <a:lnTo>
-                  <a:pt y="512" x="398"/>
+                  <a:pt x="830" y="512"/>
+                </a:lnTo>
+                <a:lnTo>
+                  <a:pt x="432" y="0"/>
+                </a:lnTo>
+                <a:lnTo>
+                  <a:pt x="0" y="0"/>
+                </a:lnTo>
+                <a:lnTo>
+                  <a:pt x="398" y="512"/>
                 </a:lnTo>
                 <a:close/>
               </a:path>
@@ -1372,7 +1511,7 @@
           </a:ln>
         </p:spPr>
         <p:txBody>
-          <a:bodyPr bIns="45700" rIns="91425" lIns="91425" tIns="45700" anchor="t" anchorCtr="0">
+          <a:bodyPr lIns="91425" tIns="45700" rIns="91425" bIns="45700" anchor="t" anchorCtr="0">
             <a:noAutofit/>
           </a:bodyPr>
           <a:lstStyle/>
@@ -1383,9 +1522,6 @@
               </a:spcBef>
               <a:buNone/>
             </a:pPr>
-            <a:r>
-              <a:t/>
-            </a:r>
             <a:endParaRPr/>
           </a:p>
         </p:txBody>
@@ -1398,26 +1534,31 @@
         </p:nvSpPr>
         <p:spPr>
           <a:xfrm>
-            <a:off y="3226593" x="152400"/>
-            <a:ext cy="609600" cx="1317625"/>
+            <a:off x="152400" y="3226593"/>
+            <a:ext cx="1317625" cy="609600"/>
           </a:xfrm>
           <a:custGeom>
+            <a:avLst/>
+            <a:gdLst/>
+            <a:ahLst/>
+            <a:cxnLst/>
+            <a:rect l="0" t="0" r="0" b="0"/>
             <a:pathLst>
-              <a:path w="830" extrusionOk="0" h="512">
+              <a:path w="830" h="512" extrusionOk="0">
                 <a:moveTo>
-                  <a:pt y="0" x="830"/>
+                  <a:pt x="830" y="0"/>
                 </a:moveTo>
                 <a:lnTo>
-                  <a:pt y="0" x="398"/>
-                </a:lnTo>
-                <a:lnTo>
-                  <a:pt y="512" x="0"/>
-                </a:lnTo>
-                <a:lnTo>
-                  <a:pt y="512" x="432"/>
-                </a:lnTo>
-                <a:lnTo>
-                  <a:pt y="0" x="830"/>
+                  <a:pt x="398" y="0"/>
+                </a:lnTo>
+                <a:lnTo>
+                  <a:pt x="0" y="512"/>
+                </a:lnTo>
+                <a:lnTo>
+                  <a:pt x="432" y="512"/>
+                </a:lnTo>
+                <a:lnTo>
+                  <a:pt x="830" y="0"/>
                 </a:lnTo>
                 <a:close/>
               </a:path>
@@ -1445,7 +1586,7 @@
           </a:ln>
         </p:spPr>
         <p:txBody>
-          <a:bodyPr bIns="45700" rIns="91425" lIns="91425" tIns="45700" anchor="t" anchorCtr="0">
+          <a:bodyPr lIns="91425" tIns="45700" rIns="91425" bIns="45700" anchor="t" anchorCtr="0">
             <a:noAutofit/>
           </a:bodyPr>
           <a:lstStyle/>
@@ -1456,9 +1597,6 @@
               </a:spcBef>
               <a:buNone/>
             </a:pPr>
-            <a:r>
-              <a:t/>
-            </a:r>
             <a:endParaRPr/>
           </a:p>
         </p:txBody>
@@ -1471,26 +1609,31 @@
         </p:nvSpPr>
         <p:spPr>
           <a:xfrm>
-            <a:off y="2614612" x="152400"/>
-            <a:ext cy="611981" cx="1317625"/>
+            <a:off x="152400" y="2614612"/>
+            <a:ext cx="1317625" cy="611981"/>
           </a:xfrm>
           <a:custGeom>
+            <a:avLst/>
+            <a:gdLst/>
+            <a:ahLst/>
+            <a:cxnLst/>
+            <a:rect l="0" t="0" r="0" b="0"/>
             <a:pathLst>
-              <a:path w="830" extrusionOk="0" h="514">
+              <a:path w="830" h="514" extrusionOk="0">
                 <a:moveTo>
-                  <a:pt y="0" x="432"/>
+                  <a:pt x="432" y="0"/>
                 </a:moveTo>
                 <a:lnTo>
-                  <a:pt y="0" x="0"/>
-                </a:lnTo>
-                <a:lnTo>
-                  <a:pt y="514" x="398"/>
-                </a:lnTo>
-                <a:lnTo>
-                  <a:pt y="514" x="830"/>
-                </a:lnTo>
-                <a:lnTo>
-                  <a:pt y="0" x="432"/>
+                  <a:pt x="0" y="0"/>
+                </a:lnTo>
+                <a:lnTo>
+                  <a:pt x="398" y="514"/>
+                </a:lnTo>
+                <a:lnTo>
+                  <a:pt x="830" y="514"/>
+                </a:lnTo>
+                <a:lnTo>
+                  <a:pt x="432" y="0"/>
                 </a:lnTo>
                 <a:close/>
               </a:path>
@@ -1518,7 +1661,7 @@
           </a:ln>
         </p:spPr>
         <p:txBody>
-          <a:bodyPr bIns="45700" rIns="91425" lIns="91425" tIns="45700" anchor="t" anchorCtr="0">
+          <a:bodyPr lIns="91425" tIns="45700" rIns="91425" bIns="45700" anchor="t" anchorCtr="0">
             <a:noAutofit/>
           </a:bodyPr>
           <a:lstStyle/>
@@ -1529,9 +1672,6 @@
               </a:spcBef>
               <a:buNone/>
             </a:pPr>
-            <a:r>
-              <a:t/>
-            </a:r>
             <a:endParaRPr/>
           </a:p>
         </p:txBody>
@@ -1544,26 +1684,31 @@
         </p:nvSpPr>
         <p:spPr>
           <a:xfrm>
-            <a:off y="2614612" x="984250"/>
-            <a:ext cy="611981" cx="1322387"/>
+            <a:off x="984250" y="2614612"/>
+            <a:ext cx="1322387" cy="611981"/>
           </a:xfrm>
           <a:custGeom>
+            <a:avLst/>
+            <a:gdLst/>
+            <a:ahLst/>
+            <a:cxnLst/>
+            <a:rect l="0" t="0" r="0" b="0"/>
             <a:pathLst>
-              <a:path w="833" extrusionOk="0" h="514">
+              <a:path w="833" h="514" extrusionOk="0">
                 <a:moveTo>
-                  <a:pt y="514" x="399"/>
+                  <a:pt x="399" y="514"/>
                 </a:moveTo>
                 <a:lnTo>
-                  <a:pt y="514" x="833"/>
-                </a:lnTo>
-                <a:lnTo>
-                  <a:pt y="0" x="435"/>
-                </a:lnTo>
-                <a:lnTo>
-                  <a:pt y="0" x="0"/>
-                </a:lnTo>
-                <a:lnTo>
-                  <a:pt y="514" x="399"/>
+                  <a:pt x="833" y="514"/>
+                </a:lnTo>
+                <a:lnTo>
+                  <a:pt x="435" y="0"/>
+                </a:lnTo>
+                <a:lnTo>
+                  <a:pt x="0" y="0"/>
+                </a:lnTo>
+                <a:lnTo>
+                  <a:pt x="399" y="514"/>
                 </a:lnTo>
                 <a:close/>
               </a:path>
@@ -1591,7 +1736,7 @@
           </a:ln>
         </p:spPr>
         <p:txBody>
-          <a:bodyPr bIns="45700" rIns="91425" lIns="91425" tIns="45700" anchor="t" anchorCtr="0">
+          <a:bodyPr lIns="91425" tIns="45700" rIns="91425" bIns="45700" anchor="t" anchorCtr="0">
             <a:noAutofit/>
           </a:bodyPr>
           <a:lstStyle/>
@@ -1602,9 +1747,6 @@
               </a:spcBef>
               <a:buNone/>
             </a:pPr>
-            <a:r>
-              <a:t/>
-            </a:r>
             <a:endParaRPr/>
           </a:p>
         </p:txBody>
@@ -1617,26 +1759,31 @@
         </p:nvSpPr>
         <p:spPr>
           <a:xfrm>
-            <a:off y="2614612" x="3175"/>
-            <a:ext cy="611981" cx="635000"/>
+            <a:off x="3175" y="2614612"/>
+            <a:ext cx="635000" cy="611981"/>
           </a:xfrm>
           <a:custGeom>
+            <a:avLst/>
+            <a:gdLst/>
+            <a:ahLst/>
+            <a:cxnLst/>
+            <a:rect l="0" t="0" r="0" b="0"/>
             <a:pathLst>
-              <a:path w="400" extrusionOk="0" h="514">
+              <a:path w="400" h="514" extrusionOk="0">
                 <a:moveTo>
-                  <a:pt y="0" x="2"/>
+                  <a:pt x="2" y="0"/>
                 </a:moveTo>
                 <a:lnTo>
-                  <a:pt y="0" x="0"/>
-                </a:lnTo>
-                <a:lnTo>
-                  <a:pt y="514" x="0"/>
-                </a:lnTo>
-                <a:lnTo>
-                  <a:pt y="514" x="400"/>
-                </a:lnTo>
-                <a:lnTo>
-                  <a:pt y="0" x="2"/>
+                  <a:pt x="0" y="0"/>
+                </a:lnTo>
+                <a:lnTo>
+                  <a:pt x="0" y="514"/>
+                </a:lnTo>
+                <a:lnTo>
+                  <a:pt x="400" y="514"/>
+                </a:lnTo>
+                <a:lnTo>
+                  <a:pt x="2" y="0"/>
                 </a:lnTo>
                 <a:close/>
               </a:path>
@@ -1664,7 +1811,7 @@
           </a:ln>
         </p:spPr>
         <p:txBody>
-          <a:bodyPr bIns="45700" rIns="91425" lIns="91425" tIns="45700" anchor="t" anchorCtr="0">
+          <a:bodyPr lIns="91425" tIns="45700" rIns="91425" bIns="45700" anchor="t" anchorCtr="0">
             <a:noAutofit/>
           </a:bodyPr>
           <a:lstStyle/>
@@ -1675,9 +1822,6 @@
               </a:spcBef>
               <a:buNone/>
             </a:pPr>
-            <a:r>
-              <a:t/>
-            </a:r>
             <a:endParaRPr/>
           </a:p>
         </p:txBody>
@@ -1690,26 +1834,31 @@
         </p:nvSpPr>
         <p:spPr>
           <a:xfrm>
-            <a:off y="4533900" x="984250"/>
-            <a:ext cy="609600" cx="1322387"/>
+            <a:off x="984250" y="4533900"/>
+            <a:ext cx="1322387" cy="609600"/>
           </a:xfrm>
           <a:custGeom>
+            <a:avLst/>
+            <a:gdLst/>
+            <a:ahLst/>
+            <a:cxnLst/>
+            <a:rect l="0" t="0" r="0" b="0"/>
             <a:pathLst>
-              <a:path w="833" extrusionOk="0" h="512">
+              <a:path w="833" h="512" extrusionOk="0">
                 <a:moveTo>
-                  <a:pt y="0" x="399"/>
+                  <a:pt x="399" y="0"/>
                 </a:moveTo>
                 <a:lnTo>
-                  <a:pt y="512" x="0"/>
-                </a:lnTo>
-                <a:lnTo>
-                  <a:pt y="512" x="435"/>
-                </a:lnTo>
-                <a:lnTo>
-                  <a:pt y="0" x="833"/>
-                </a:lnTo>
-                <a:lnTo>
-                  <a:pt y="0" x="399"/>
+                  <a:pt x="0" y="512"/>
+                </a:lnTo>
+                <a:lnTo>
+                  <a:pt x="435" y="512"/>
+                </a:lnTo>
+                <a:lnTo>
+                  <a:pt x="833" y="0"/>
+                </a:lnTo>
+                <a:lnTo>
+                  <a:pt x="399" y="0"/>
                 </a:lnTo>
                 <a:close/>
               </a:path>
@@ -1737,7 +1886,7 @@
           </a:ln>
         </p:spPr>
         <p:txBody>
-          <a:bodyPr bIns="45700" rIns="91425" lIns="91425" tIns="45700" anchor="t" anchorCtr="0">
+          <a:bodyPr lIns="91425" tIns="45700" rIns="91425" bIns="45700" anchor="t" anchorCtr="0">
             <a:noAutofit/>
           </a:bodyPr>
           <a:lstStyle/>
@@ -1748,9 +1897,6 @@
               </a:spcBef>
               <a:buNone/>
             </a:pPr>
-            <a:r>
-              <a:t/>
-            </a:r>
             <a:endParaRPr/>
           </a:p>
         </p:txBody>
@@ -1763,26 +1909,31 @@
         </p:nvSpPr>
         <p:spPr>
           <a:xfrm>
-            <a:off y="3924300" x="984250"/>
-            <a:ext cy="609600" cx="1322387"/>
+            <a:off x="984250" y="3924300"/>
+            <a:ext cx="1322387" cy="609600"/>
           </a:xfrm>
           <a:custGeom>
+            <a:avLst/>
+            <a:gdLst/>
+            <a:ahLst/>
+            <a:cxnLst/>
+            <a:rect l="0" t="0" r="0" b="0"/>
             <a:pathLst>
-              <a:path w="833" extrusionOk="0" h="512">
+              <a:path w="833" h="512" extrusionOk="0">
                 <a:moveTo>
-                  <a:pt y="0" x="435"/>
+                  <a:pt x="435" y="0"/>
                 </a:moveTo>
                 <a:lnTo>
-                  <a:pt y="0" x="0"/>
-                </a:lnTo>
-                <a:lnTo>
-                  <a:pt y="512" x="399"/>
-                </a:lnTo>
-                <a:lnTo>
-                  <a:pt y="512" x="833"/>
-                </a:lnTo>
-                <a:lnTo>
-                  <a:pt y="0" x="435"/>
+                  <a:pt x="0" y="0"/>
+                </a:lnTo>
+                <a:lnTo>
+                  <a:pt x="399" y="512"/>
+                </a:lnTo>
+                <a:lnTo>
+                  <a:pt x="833" y="512"/>
+                </a:lnTo>
+                <a:lnTo>
+                  <a:pt x="435" y="0"/>
                 </a:lnTo>
                 <a:close/>
               </a:path>
@@ -1810,7 +1961,7 @@
           </a:ln>
         </p:spPr>
         <p:txBody>
-          <a:bodyPr bIns="45700" rIns="91425" lIns="91425" tIns="45700" anchor="t" anchorCtr="0">
+          <a:bodyPr lIns="91425" tIns="45700" rIns="91425" bIns="45700" anchor="t" anchorCtr="0">
             <a:noAutofit/>
           </a:bodyPr>
           <a:lstStyle/>
@@ -1821,9 +1972,6 @@
               </a:spcBef>
               <a:buNone/>
             </a:pPr>
-            <a:r>
-              <a:t/>
-            </a:r>
             <a:endParaRPr/>
           </a:p>
         </p:txBody>
@@ -1836,26 +1984,31 @@
         </p:nvSpPr>
         <p:spPr>
           <a:xfrm>
-            <a:off y="3924300" x="1820863"/>
-            <a:ext cy="609600" cx="1317625"/>
+            <a:off x="1820863" y="3924300"/>
+            <a:ext cx="1317625" cy="609600"/>
           </a:xfrm>
           <a:custGeom>
+            <a:avLst/>
+            <a:gdLst/>
+            <a:ahLst/>
+            <a:cxnLst/>
+            <a:rect l="0" t="0" r="0" b="0"/>
             <a:pathLst>
-              <a:path w="830" extrusionOk="0" h="512">
+              <a:path w="830" h="512" extrusionOk="0">
                 <a:moveTo>
-                  <a:pt y="0" x="434"/>
+                  <a:pt x="434" y="0"/>
                 </a:moveTo>
                 <a:lnTo>
-                  <a:pt y="0" x="0"/>
-                </a:lnTo>
-                <a:lnTo>
-                  <a:pt y="512" x="398"/>
-                </a:lnTo>
-                <a:lnTo>
-                  <a:pt y="512" x="830"/>
-                </a:lnTo>
-                <a:lnTo>
-                  <a:pt y="0" x="434"/>
+                  <a:pt x="0" y="0"/>
+                </a:lnTo>
+                <a:lnTo>
+                  <a:pt x="398" y="512"/>
+                </a:lnTo>
+                <a:lnTo>
+                  <a:pt x="830" y="512"/>
+                </a:lnTo>
+                <a:lnTo>
+                  <a:pt x="434" y="0"/>
                 </a:lnTo>
                 <a:close/>
               </a:path>
@@ -1883,7 +2036,7 @@
           </a:ln>
         </p:spPr>
         <p:txBody>
-          <a:bodyPr bIns="45700" rIns="91425" lIns="91425" tIns="45700" anchor="t" anchorCtr="0">
+          <a:bodyPr lIns="91425" tIns="45700" rIns="91425" bIns="45700" anchor="t" anchorCtr="0">
             <a:noAutofit/>
           </a:bodyPr>
           <a:lstStyle/>
@@ -1894,9 +2047,6 @@
               </a:spcBef>
               <a:buNone/>
             </a:pPr>
-            <a:r>
-              <a:t/>
-            </a:r>
             <a:endParaRPr/>
           </a:p>
         </p:txBody>
@@ -1909,26 +2059,31 @@
         </p:nvSpPr>
         <p:spPr>
           <a:xfrm>
-            <a:off y="609600" x="3175"/>
-            <a:ext cy="609600" cx="635000"/>
+            <a:off x="3175" y="609600"/>
+            <a:ext cx="635000" cy="609600"/>
           </a:xfrm>
           <a:custGeom>
+            <a:avLst/>
+            <a:gdLst/>
+            <a:ahLst/>
+            <a:cxnLst/>
+            <a:rect l="0" t="0" r="0" b="0"/>
             <a:pathLst>
-              <a:path w="400" extrusionOk="0" h="512">
+              <a:path w="400" h="512" extrusionOk="0">
                 <a:moveTo>
-                  <a:pt y="0" x="400"/>
+                  <a:pt x="400" y="0"/>
                 </a:moveTo>
                 <a:lnTo>
-                  <a:pt y="0" x="0"/>
-                </a:lnTo>
-                <a:lnTo>
-                  <a:pt y="512" x="0"/>
-                </a:lnTo>
-                <a:lnTo>
-                  <a:pt y="512" x="2"/>
-                </a:lnTo>
-                <a:lnTo>
-                  <a:pt y="0" x="400"/>
+                  <a:pt x="0" y="0"/>
+                </a:lnTo>
+                <a:lnTo>
+                  <a:pt x="0" y="512"/>
+                </a:lnTo>
+                <a:lnTo>
+                  <a:pt x="2" y="512"/>
+                </a:lnTo>
+                <a:lnTo>
+                  <a:pt x="400" y="0"/>
                 </a:lnTo>
                 <a:close/>
               </a:path>
@@ -1956,7 +2111,7 @@
           </a:ln>
         </p:spPr>
         <p:txBody>
-          <a:bodyPr bIns="45700" rIns="91425" lIns="91425" tIns="45700" anchor="t" anchorCtr="0">
+          <a:bodyPr lIns="91425" tIns="45700" rIns="91425" bIns="45700" anchor="t" anchorCtr="0">
             <a:noAutofit/>
           </a:bodyPr>
           <a:lstStyle/>
@@ -1967,9 +2122,6 @@
               </a:spcBef>
               <a:buNone/>
             </a:pPr>
-            <a:r>
-              <a:t/>
-            </a:r>
             <a:endParaRPr/>
           </a:p>
         </p:txBody>
@@ -1982,26 +2134,31 @@
         </p:nvSpPr>
         <p:spPr>
           <a:xfrm>
-            <a:off y="1916906" x="152400"/>
-            <a:ext cy="611981" cx="1317625"/>
+            <a:off x="152400" y="1916906"/>
+            <a:ext cx="1317625" cy="611981"/>
           </a:xfrm>
           <a:custGeom>
+            <a:avLst/>
+            <a:gdLst/>
+            <a:ahLst/>
+            <a:cxnLst/>
+            <a:rect l="0" t="0" r="0" b="0"/>
             <a:pathLst>
-              <a:path w="830" extrusionOk="0" h="514">
+              <a:path w="830" h="514" extrusionOk="0">
                 <a:moveTo>
-                  <a:pt y="514" x="0"/>
+                  <a:pt x="0" y="514"/>
                 </a:moveTo>
                 <a:lnTo>
-                  <a:pt y="514" x="432"/>
-                </a:lnTo>
-                <a:lnTo>
-                  <a:pt y="0" x="830"/>
-                </a:lnTo>
-                <a:lnTo>
-                  <a:pt y="0" x="398"/>
-                </a:lnTo>
-                <a:lnTo>
-                  <a:pt y="514" x="0"/>
+                  <a:pt x="432" y="514"/>
+                </a:lnTo>
+                <a:lnTo>
+                  <a:pt x="830" y="0"/>
+                </a:lnTo>
+                <a:lnTo>
+                  <a:pt x="398" y="0"/>
+                </a:lnTo>
+                <a:lnTo>
+                  <a:pt x="0" y="514"/>
                 </a:lnTo>
                 <a:close/>
               </a:path>
@@ -2029,7 +2186,7 @@
           </a:ln>
         </p:spPr>
         <p:txBody>
-          <a:bodyPr bIns="45700" rIns="91425" lIns="91425" tIns="45700" anchor="t" anchorCtr="0">
+          <a:bodyPr lIns="91425" tIns="45700" rIns="91425" bIns="45700" anchor="t" anchorCtr="0">
             <a:noAutofit/>
           </a:bodyPr>
           <a:lstStyle/>
@@ -2040,9 +2197,6 @@
               </a:spcBef>
               <a:buNone/>
             </a:pPr>
-            <a:r>
-              <a:t/>
-            </a:r>
             <a:endParaRPr/>
           </a:p>
         </p:txBody>
@@ -2055,26 +2209,31 @@
         </p:nvSpPr>
         <p:spPr>
           <a:xfrm>
-            <a:off y="3226593" x="984250"/>
-            <a:ext cy="609600" cx="1322387"/>
+            <a:off x="984250" y="3226593"/>
+            <a:ext cx="1322387" cy="609600"/>
           </a:xfrm>
           <a:custGeom>
+            <a:avLst/>
+            <a:gdLst/>
+            <a:ahLst/>
+            <a:cxnLst/>
+            <a:rect l="0" t="0" r="0" b="0"/>
             <a:pathLst>
-              <a:path w="833" extrusionOk="0" h="512">
+              <a:path w="833" h="512" extrusionOk="0">
                 <a:moveTo>
-                  <a:pt y="512" x="0"/>
+                  <a:pt x="0" y="512"/>
                 </a:moveTo>
                 <a:lnTo>
-                  <a:pt y="512" x="435"/>
-                </a:lnTo>
-                <a:lnTo>
-                  <a:pt y="0" x="833"/>
-                </a:lnTo>
-                <a:lnTo>
-                  <a:pt y="0" x="399"/>
-                </a:lnTo>
-                <a:lnTo>
-                  <a:pt y="512" x="0"/>
+                  <a:pt x="435" y="512"/>
+                </a:lnTo>
+                <a:lnTo>
+                  <a:pt x="833" y="0"/>
+                </a:lnTo>
+                <a:lnTo>
+                  <a:pt x="399" y="0"/>
+                </a:lnTo>
+                <a:lnTo>
+                  <a:pt x="0" y="512"/>
                 </a:lnTo>
                 <a:close/>
               </a:path>
@@ -2102,7 +2261,7 @@
           </a:ln>
         </p:spPr>
         <p:txBody>
-          <a:bodyPr bIns="45700" rIns="91425" lIns="91425" tIns="45700" anchor="t" anchorCtr="0">
+          <a:bodyPr lIns="91425" tIns="45700" rIns="91425" bIns="45700" anchor="t" anchorCtr="0">
             <a:noAutofit/>
           </a:bodyPr>
           <a:lstStyle/>
@@ -2113,9 +2272,6 @@
               </a:spcBef>
               <a:buNone/>
             </a:pPr>
-            <a:r>
-              <a:t/>
-            </a:r>
             <a:endParaRPr/>
           </a:p>
         </p:txBody>
@@ -2128,26 +2284,31 @@
         </p:nvSpPr>
         <p:spPr>
           <a:xfrm>
-            <a:off y="3226593" x="3175"/>
-            <a:ext cy="609600" cx="635000"/>
+            <a:off x="3175" y="3226593"/>
+            <a:ext cx="635000" cy="609600"/>
           </a:xfrm>
           <a:custGeom>
+            <a:avLst/>
+            <a:gdLst/>
+            <a:ahLst/>
+            <a:cxnLst/>
+            <a:rect l="0" t="0" r="0" b="0"/>
             <a:pathLst>
-              <a:path w="400" extrusionOk="0" h="512">
+              <a:path w="400" h="512" extrusionOk="0">
                 <a:moveTo>
-                  <a:pt y="0" x="400"/>
+                  <a:pt x="400" y="0"/>
                 </a:moveTo>
                 <a:lnTo>
-                  <a:pt y="0" x="0"/>
-                </a:lnTo>
-                <a:lnTo>
-                  <a:pt y="512" x="0"/>
-                </a:lnTo>
-                <a:lnTo>
-                  <a:pt y="512" x="2"/>
-                </a:lnTo>
-                <a:lnTo>
-                  <a:pt y="0" x="400"/>
+                  <a:pt x="0" y="0"/>
+                </a:lnTo>
+                <a:lnTo>
+                  <a:pt x="0" y="512"/>
+                </a:lnTo>
+                <a:lnTo>
+                  <a:pt x="2" y="512"/>
+                </a:lnTo>
+                <a:lnTo>
+                  <a:pt x="400" y="0"/>
                 </a:lnTo>
                 <a:close/>
               </a:path>
@@ -2175,7 +2336,7 @@
           </a:ln>
         </p:spPr>
         <p:txBody>
-          <a:bodyPr bIns="45700" rIns="91425" lIns="91425" tIns="45700" anchor="t" anchorCtr="0">
+          <a:bodyPr lIns="91425" tIns="45700" rIns="91425" bIns="45700" anchor="t" anchorCtr="0">
             <a:noAutofit/>
           </a:bodyPr>
           <a:lstStyle/>
@@ -2186,9 +2347,6 @@
               </a:spcBef>
               <a:buNone/>
             </a:pPr>
-            <a:r>
-              <a:t/>
-            </a:r>
             <a:endParaRPr/>
           </a:p>
         </p:txBody>
@@ -2201,26 +2359,31 @@
         </p:nvSpPr>
         <p:spPr>
           <a:xfrm>
-            <a:off y="4533900" x="1820863"/>
-            <a:ext cy="609600" cx="1317625"/>
+            <a:off x="1820863" y="4533900"/>
+            <a:ext cx="1317625" cy="609600"/>
           </a:xfrm>
           <a:custGeom>
+            <a:avLst/>
+            <a:gdLst/>
+            <a:ahLst/>
+            <a:cxnLst/>
+            <a:rect l="0" t="0" r="0" b="0"/>
             <a:pathLst>
-              <a:path w="830" extrusionOk="0" h="512">
+              <a:path w="830" h="512" extrusionOk="0">
                 <a:moveTo>
-                  <a:pt y="0" x="398"/>
+                  <a:pt x="398" y="0"/>
                 </a:moveTo>
                 <a:lnTo>
-                  <a:pt y="512" x="0"/>
-                </a:lnTo>
-                <a:lnTo>
-                  <a:pt y="512" x="434"/>
-                </a:lnTo>
-                <a:lnTo>
-                  <a:pt y="0" x="830"/>
-                </a:lnTo>
-                <a:lnTo>
-                  <a:pt y="0" x="398"/>
+                  <a:pt x="0" y="512"/>
+                </a:lnTo>
+                <a:lnTo>
+                  <a:pt x="434" y="512"/>
+                </a:lnTo>
+                <a:lnTo>
+                  <a:pt x="830" y="0"/>
+                </a:lnTo>
+                <a:lnTo>
+                  <a:pt x="398" y="0"/>
                 </a:lnTo>
                 <a:close/>
               </a:path>
@@ -2248,7 +2411,7 @@
           </a:ln>
         </p:spPr>
         <p:txBody>
-          <a:bodyPr bIns="45700" rIns="91425" lIns="91425" tIns="45700" anchor="t" anchorCtr="0">
+          <a:bodyPr lIns="91425" tIns="45700" rIns="91425" bIns="45700" anchor="t" anchorCtr="0">
             <a:noAutofit/>
           </a:bodyPr>
           <a:lstStyle/>
@@ -2259,9 +2422,6 @@
               </a:spcBef>
               <a:buNone/>
             </a:pPr>
-            <a:r>
-              <a:t/>
-            </a:r>
             <a:endParaRPr/>
           </a:p>
         </p:txBody>
@@ -2274,26 +2434,31 @@
         </p:nvSpPr>
         <p:spPr>
           <a:xfrm>
-            <a:off y="4533900" x="152400"/>
-            <a:ext cy="609600" cx="1317625"/>
+            <a:off x="152400" y="4533900"/>
+            <a:ext cx="1317625" cy="609600"/>
           </a:xfrm>
           <a:custGeom>
+            <a:avLst/>
+            <a:gdLst/>
+            <a:ahLst/>
+            <a:cxnLst/>
+            <a:rect l="0" t="0" r="0" b="0"/>
             <a:pathLst>
-              <a:path w="830" extrusionOk="0" h="512">
+              <a:path w="830" h="512" extrusionOk="0">
                 <a:moveTo>
-                  <a:pt y="0" x="398"/>
+                  <a:pt x="398" y="0"/>
                 </a:moveTo>
                 <a:lnTo>
-                  <a:pt y="512" x="0"/>
-                </a:lnTo>
-                <a:lnTo>
-                  <a:pt y="512" x="432"/>
-                </a:lnTo>
-                <a:lnTo>
-                  <a:pt y="0" x="830"/>
-                </a:lnTo>
-                <a:lnTo>
-                  <a:pt y="0" x="398"/>
+                  <a:pt x="0" y="512"/>
+                </a:lnTo>
+                <a:lnTo>
+                  <a:pt x="432" y="512"/>
+                </a:lnTo>
+                <a:lnTo>
+                  <a:pt x="830" y="0"/>
+                </a:lnTo>
+                <a:lnTo>
+                  <a:pt x="398" y="0"/>
                 </a:lnTo>
                 <a:close/>
               </a:path>
@@ -2321,7 +2486,7 @@
           </a:ln>
         </p:spPr>
         <p:txBody>
-          <a:bodyPr bIns="45700" rIns="91425" lIns="91425" tIns="45700" anchor="t" anchorCtr="0">
+          <a:bodyPr lIns="91425" tIns="45700" rIns="91425" bIns="45700" anchor="t" anchorCtr="0">
             <a:noAutofit/>
           </a:bodyPr>
           <a:lstStyle/>
@@ -2332,9 +2497,6 @@
               </a:spcBef>
               <a:buNone/>
             </a:pPr>
-            <a:r>
-              <a:t/>
-            </a:r>
             <a:endParaRPr/>
           </a:p>
         </p:txBody>
@@ -2347,26 +2509,31 @@
         </p:nvSpPr>
         <p:spPr>
           <a:xfrm>
-            <a:off y="4533900" x="3175"/>
-            <a:ext cy="609600" cx="635000"/>
+            <a:off x="3175" y="4533900"/>
+            <a:ext cx="635000" cy="609600"/>
           </a:xfrm>
           <a:custGeom>
+            <a:avLst/>
+            <a:gdLst/>
+            <a:ahLst/>
+            <a:cxnLst/>
+            <a:rect l="0" t="0" r="0" b="0"/>
             <a:pathLst>
-              <a:path w="400" extrusionOk="0" h="512">
+              <a:path w="400" h="512" extrusionOk="0">
                 <a:moveTo>
-                  <a:pt y="0" x="400"/>
+                  <a:pt x="400" y="0"/>
                 </a:moveTo>
                 <a:lnTo>
-                  <a:pt y="0" x="0"/>
-                </a:lnTo>
-                <a:lnTo>
-                  <a:pt y="512" x="0"/>
-                </a:lnTo>
-                <a:lnTo>
-                  <a:pt y="512" x="2"/>
-                </a:lnTo>
-                <a:lnTo>
-                  <a:pt y="0" x="400"/>
+                  <a:pt x="0" y="0"/>
+                </a:lnTo>
+                <a:lnTo>
+                  <a:pt x="0" y="512"/>
+                </a:lnTo>
+                <a:lnTo>
+                  <a:pt x="2" y="512"/>
+                </a:lnTo>
+                <a:lnTo>
+                  <a:pt x="400" y="0"/>
                 </a:lnTo>
                 <a:close/>
               </a:path>
@@ -2394,7 +2561,7 @@
           </a:ln>
         </p:spPr>
         <p:txBody>
-          <a:bodyPr bIns="45700" rIns="91425" lIns="91425" tIns="45700" anchor="t" anchorCtr="0">
+          <a:bodyPr lIns="91425" tIns="45700" rIns="91425" bIns="45700" anchor="t" anchorCtr="0">
             <a:noAutofit/>
           </a:bodyPr>
           <a:lstStyle/>
@@ -2405,9 +2572,6 @@
               </a:spcBef>
               <a:buNone/>
             </a:pPr>
-            <a:r>
-              <a:t/>
-            </a:r>
             <a:endParaRPr/>
           </a:p>
         </p:txBody>
@@ -2420,26 +2584,31 @@
         </p:nvSpPr>
         <p:spPr>
           <a:xfrm>
-            <a:off y="3924300" x="3175"/>
-            <a:ext cy="609600" cx="635000"/>
+            <a:off x="3175" y="3924300"/>
+            <a:ext cx="635000" cy="609600"/>
           </a:xfrm>
           <a:custGeom>
+            <a:avLst/>
+            <a:gdLst/>
+            <a:ahLst/>
+            <a:cxnLst/>
+            <a:rect l="0" t="0" r="0" b="0"/>
             <a:pathLst>
-              <a:path w="400" extrusionOk="0" h="512">
+              <a:path w="400" h="512" extrusionOk="0">
                 <a:moveTo>
-                  <a:pt y="512" x="400"/>
+                  <a:pt x="400" y="512"/>
                 </a:moveTo>
                 <a:lnTo>
-                  <a:pt y="0" x="2"/>
-                </a:lnTo>
-                <a:lnTo>
-                  <a:pt y="0" x="0"/>
-                </a:lnTo>
-                <a:lnTo>
-                  <a:pt y="512" x="0"/>
-                </a:lnTo>
-                <a:lnTo>
-                  <a:pt y="512" x="400"/>
+                  <a:pt x="2" y="0"/>
+                </a:lnTo>
+                <a:lnTo>
+                  <a:pt x="0" y="0"/>
+                </a:lnTo>
+                <a:lnTo>
+                  <a:pt x="0" y="512"/>
+                </a:lnTo>
+                <a:lnTo>
+                  <a:pt x="400" y="512"/>
                 </a:lnTo>
                 <a:close/>
               </a:path>
@@ -2467,7 +2636,7 @@
           </a:ln>
         </p:spPr>
         <p:txBody>
-          <a:bodyPr bIns="45700" rIns="91425" lIns="91425" tIns="45700" anchor="t" anchorCtr="0">
+          <a:bodyPr lIns="91425" tIns="45700" rIns="91425" bIns="45700" anchor="t" anchorCtr="0">
             <a:noAutofit/>
           </a:bodyPr>
           <a:lstStyle/>
@@ -2478,9 +2647,6 @@
               </a:spcBef>
               <a:buNone/>
             </a:pPr>
-            <a:r>
-              <a:t/>
-            </a:r>
             <a:endParaRPr/>
           </a:p>
         </p:txBody>
@@ -2493,26 +2659,31 @@
         </p:nvSpPr>
         <p:spPr>
           <a:xfrm>
-            <a:off y="3924300" x="152400"/>
-            <a:ext cy="609600" cx="1317625"/>
+            <a:off x="152400" y="3924300"/>
+            <a:ext cx="1317625" cy="609600"/>
           </a:xfrm>
           <a:custGeom>
+            <a:avLst/>
+            <a:gdLst/>
+            <a:ahLst/>
+            <a:cxnLst/>
+            <a:rect l="0" t="0" r="0" b="0"/>
             <a:pathLst>
-              <a:path w="830" extrusionOk="0" h="512">
+              <a:path w="830" h="512" extrusionOk="0">
                 <a:moveTo>
-                  <a:pt y="512" x="398"/>
+                  <a:pt x="398" y="512"/>
                 </a:moveTo>
                 <a:lnTo>
-                  <a:pt y="512" x="830"/>
-                </a:lnTo>
-                <a:lnTo>
-                  <a:pt y="0" x="432"/>
-                </a:lnTo>
-                <a:lnTo>
-                  <a:pt y="0" x="0"/>
-                </a:lnTo>
-                <a:lnTo>
-                  <a:pt y="512" x="398"/>
+                  <a:pt x="830" y="512"/>
+                </a:lnTo>
+                <a:lnTo>
+                  <a:pt x="432" y="0"/>
+                </a:lnTo>
+                <a:lnTo>
+                  <a:pt x="0" y="0"/>
+                </a:lnTo>
+                <a:lnTo>
+                  <a:pt x="398" y="512"/>
                 </a:lnTo>
                 <a:close/>
               </a:path>
@@ -2540,7 +2711,7 @@
           </a:ln>
         </p:spPr>
         <p:txBody>
-          <a:bodyPr bIns="45700" rIns="91425" lIns="91425" tIns="45700" anchor="t" anchorCtr="0">
+          <a:bodyPr lIns="91425" tIns="45700" rIns="91425" bIns="45700" anchor="t" anchorCtr="0">
             <a:noAutofit/>
           </a:bodyPr>
           <a:lstStyle/>
@@ -2551,9 +2722,6 @@
               </a:spcBef>
               <a:buNone/>
             </a:pPr>
-            <a:r>
-              <a:t/>
-            </a:r>
             <a:endParaRPr/>
           </a:p>
         </p:txBody>
@@ -2566,29 +2734,34 @@
         </p:nvSpPr>
         <p:spPr>
           <a:xfrm>
-            <a:off y="0" x="7415211"/>
-            <a:ext cy="612226" cx="1555750"/>
+            <a:off x="7415211" y="0"/>
+            <a:ext cx="1555750" cy="612226"/>
           </a:xfrm>
           <a:custGeom>
+            <a:avLst/>
+            <a:gdLst/>
+            <a:ahLst/>
+            <a:cxnLst/>
+            <a:rect l="0" t="0" r="0" b="0"/>
             <a:pathLst>
-              <a:path w="980" extrusionOk="0" h="607">
+              <a:path w="980" h="607" extrusionOk="0">
                 <a:moveTo>
-                  <a:pt y="607" x="510"/>
+                  <a:pt x="510" y="607"/>
                 </a:moveTo>
                 <a:lnTo>
-                  <a:pt y="0" x="980"/>
-                </a:lnTo>
-                <a:lnTo>
-                  <a:pt y="0" x="470"/>
-                </a:lnTo>
-                <a:lnTo>
-                  <a:pt y="607" x="0"/>
-                </a:lnTo>
-                <a:lnTo>
-                  <a:pt y="607" x="510"/>
-                </a:lnTo>
-                <a:lnTo>
-                  <a:pt y="607" x="510"/>
+                  <a:pt x="980" y="0"/>
+                </a:lnTo>
+                <a:lnTo>
+                  <a:pt x="470" y="0"/>
+                </a:lnTo>
+                <a:lnTo>
+                  <a:pt x="0" y="607"/>
+                </a:lnTo>
+                <a:lnTo>
+                  <a:pt x="510" y="607"/>
+                </a:lnTo>
+                <a:lnTo>
+                  <a:pt x="510" y="607"/>
                 </a:lnTo>
                 <a:close/>
               </a:path>
@@ -2616,7 +2789,7 @@
           </a:ln>
         </p:spPr>
         <p:txBody>
-          <a:bodyPr bIns="45700" rIns="91425" lIns="91425" tIns="45700" anchor="t" anchorCtr="0">
+          <a:bodyPr lIns="91425" tIns="45700" rIns="91425" bIns="45700" anchor="t" anchorCtr="0">
             <a:noAutofit/>
           </a:bodyPr>
           <a:lstStyle/>
@@ -2627,9 +2800,6 @@
               </a:spcBef>
               <a:buNone/>
             </a:pPr>
-            <a:r>
-              <a:t/>
-            </a:r>
             <a:endParaRPr/>
           </a:p>
         </p:txBody>
@@ -2642,23 +2812,28 @@
         </p:nvSpPr>
         <p:spPr>
           <a:xfrm>
-            <a:off y="1310183" x="8397875"/>
-            <a:ext cy="610209" cx="746125"/>
+            <a:off x="8397875" y="1310183"/>
+            <a:ext cx="746125" cy="610209"/>
           </a:xfrm>
           <a:custGeom>
+            <a:avLst/>
+            <a:gdLst/>
+            <a:ahLst/>
+            <a:cxnLst/>
+            <a:rect l="0" t="0" r="0" b="0"/>
             <a:pathLst>
-              <a:path w="470" extrusionOk="0" h="605">
+              <a:path w="470" h="605" extrusionOk="0">
                 <a:moveTo>
-                  <a:pt y="0" x="470"/>
+                  <a:pt x="470" y="0"/>
                 </a:moveTo>
                 <a:lnTo>
-                  <a:pt y="605" x="0"/>
-                </a:lnTo>
-                <a:lnTo>
-                  <a:pt y="605" x="470"/>
-                </a:lnTo>
-                <a:lnTo>
-                  <a:pt y="0" x="470"/>
+                  <a:pt x="0" y="605"/>
+                </a:lnTo>
+                <a:lnTo>
+                  <a:pt x="470" y="605"/>
+                </a:lnTo>
+                <a:lnTo>
+                  <a:pt x="470" y="0"/>
                 </a:lnTo>
                 <a:close/>
               </a:path>
@@ -2686,7 +2861,7 @@
           </a:ln>
         </p:spPr>
         <p:txBody>
-          <a:bodyPr bIns="45700" rIns="91425" lIns="91425" tIns="45700" anchor="t" anchorCtr="0">
+          <a:bodyPr lIns="91425" tIns="45700" rIns="91425" bIns="45700" anchor="t" anchorCtr="0">
             <a:noAutofit/>
           </a:bodyPr>
           <a:lstStyle/>
@@ -2697,9 +2872,6 @@
               </a:spcBef>
               <a:buNone/>
             </a:pPr>
-            <a:r>
-              <a:t/>
-            </a:r>
             <a:endParaRPr/>
           </a:p>
         </p:txBody>
@@ -2712,23 +2884,28 @@
         </p:nvSpPr>
         <p:spPr>
           <a:xfrm>
-            <a:off y="1920392" x="8397875"/>
-            <a:ext cy="610209" cx="746125"/>
+            <a:off x="8397875" y="1920392"/>
+            <a:ext cx="746125" cy="610209"/>
           </a:xfrm>
           <a:custGeom>
+            <a:avLst/>
+            <a:gdLst/>
+            <a:ahLst/>
+            <a:cxnLst/>
+            <a:rect l="0" t="0" r="0" b="0"/>
             <a:pathLst>
-              <a:path w="470" extrusionOk="0" h="605">
+              <a:path w="470" h="605" extrusionOk="0">
                 <a:moveTo>
-                  <a:pt y="0" x="0"/>
+                  <a:pt x="0" y="0"/>
                 </a:moveTo>
                 <a:lnTo>
-                  <a:pt y="605" x="470"/>
-                </a:lnTo>
-                <a:lnTo>
-                  <a:pt y="0" x="470"/>
-                </a:lnTo>
-                <a:lnTo>
-                  <a:pt y="0" x="0"/>
+                  <a:pt x="470" y="605"/>
+                </a:lnTo>
+                <a:lnTo>
+                  <a:pt x="470" y="0"/>
+                </a:lnTo>
+                <a:lnTo>
+                  <a:pt x="0" y="0"/>
                 </a:lnTo>
                 <a:close/>
               </a:path>
@@ -2756,7 +2933,7 @@
           </a:ln>
         </p:spPr>
         <p:txBody>
-          <a:bodyPr bIns="45700" rIns="91425" lIns="91425" tIns="45700" anchor="t" anchorCtr="0">
+          <a:bodyPr lIns="91425" tIns="45700" rIns="91425" bIns="45700" anchor="t" anchorCtr="0">
             <a:noAutofit/>
           </a:bodyPr>
           <a:lstStyle/>
@@ -2767,9 +2944,6 @@
               </a:spcBef>
               <a:buNone/>
             </a:pPr>
-            <a:r>
-              <a:t/>
-            </a:r>
             <a:endParaRPr/>
           </a:p>
         </p:txBody>
@@ -2782,23 +2956,28 @@
         </p:nvSpPr>
         <p:spPr>
           <a:xfrm>
-            <a:off y="2017" x="8397875"/>
-            <a:ext cy="610209" cx="746125"/>
+            <a:off x="8397875" y="2017"/>
+            <a:ext cx="746125" cy="610209"/>
           </a:xfrm>
           <a:custGeom>
+            <a:avLst/>
+            <a:gdLst/>
+            <a:ahLst/>
+            <a:cxnLst/>
+            <a:rect l="0" t="0" r="0" b="0"/>
             <a:pathLst>
-              <a:path w="470" extrusionOk="0" h="605">
+              <a:path w="470" h="605" extrusionOk="0">
                 <a:moveTo>
-                  <a:pt y="0" x="470"/>
+                  <a:pt x="470" y="0"/>
                 </a:moveTo>
                 <a:lnTo>
-                  <a:pt y="605" x="0"/>
-                </a:lnTo>
-                <a:lnTo>
-                  <a:pt y="605" x="470"/>
-                </a:lnTo>
-                <a:lnTo>
-                  <a:pt y="0" x="470"/>
+                  <a:pt x="0" y="605"/>
+                </a:lnTo>
+                <a:lnTo>
+                  <a:pt x="470" y="605"/>
+                </a:lnTo>
+                <a:lnTo>
+                  <a:pt x="470" y="0"/>
                 </a:lnTo>
                 <a:close/>
               </a:path>
@@ -2826,7 +3005,7 @@
           </a:ln>
         </p:spPr>
         <p:txBody>
-          <a:bodyPr bIns="45700" rIns="91425" lIns="91425" tIns="45700" anchor="t" anchorCtr="0">
+          <a:bodyPr lIns="91425" tIns="45700" rIns="91425" bIns="45700" anchor="t" anchorCtr="0">
             <a:noAutofit/>
           </a:bodyPr>
           <a:lstStyle/>
@@ -2837,9 +3016,6 @@
               </a:spcBef>
               <a:buNone/>
             </a:pPr>
-            <a:r>
-              <a:t/>
-            </a:r>
             <a:endParaRPr/>
           </a:p>
         </p:txBody>
@@ -2852,23 +3028,28 @@
         </p:nvSpPr>
         <p:spPr>
           <a:xfrm>
-            <a:off y="612225" x="8397875"/>
-            <a:ext cy="607183" cx="746125"/>
+            <a:off x="8397875" y="612225"/>
+            <a:ext cx="746125" cy="607183"/>
           </a:xfrm>
           <a:custGeom>
+            <a:avLst/>
+            <a:gdLst/>
+            <a:ahLst/>
+            <a:cxnLst/>
+            <a:rect l="0" t="0" r="0" b="0"/>
             <a:pathLst>
-              <a:path w="470" extrusionOk="0" h="602">
+              <a:path w="470" h="602" extrusionOk="0">
                 <a:moveTo>
-                  <a:pt y="0" x="0"/>
+                  <a:pt x="0" y="0"/>
                 </a:moveTo>
                 <a:lnTo>
-                  <a:pt y="602" x="470"/>
-                </a:lnTo>
-                <a:lnTo>
-                  <a:pt y="0" x="470"/>
-                </a:lnTo>
-                <a:lnTo>
-                  <a:pt y="0" x="0"/>
+                  <a:pt x="470" y="602"/>
+                </a:lnTo>
+                <a:lnTo>
+                  <a:pt x="470" y="0"/>
+                </a:lnTo>
+                <a:lnTo>
+                  <a:pt x="0" y="0"/>
                 </a:lnTo>
                 <a:close/>
               </a:path>
@@ -2896,7 +3077,7 @@
           </a:ln>
         </p:spPr>
         <p:txBody>
-          <a:bodyPr bIns="45700" rIns="91425" lIns="91425" tIns="45700" anchor="t" anchorCtr="0">
+          <a:bodyPr lIns="91425" tIns="45700" rIns="91425" bIns="45700" anchor="t" anchorCtr="0">
             <a:noAutofit/>
           </a:bodyPr>
           <a:lstStyle/>
@@ -2907,9 +3088,6 @@
               </a:spcBef>
               <a:buNone/>
             </a:pPr>
-            <a:r>
-              <a:t/>
-            </a:r>
             <a:endParaRPr/>
           </a:p>
         </p:txBody>
@@ -2922,29 +3100,34 @@
         </p:nvSpPr>
         <p:spPr>
           <a:xfrm>
-            <a:off y="612225" x="7415211"/>
-            <a:ext cy="610209" cx="1555750"/>
+            <a:off x="7415211" y="612225"/>
+            <a:ext cx="1555750" cy="610209"/>
           </a:xfrm>
           <a:custGeom>
+            <a:avLst/>
+            <a:gdLst/>
+            <a:ahLst/>
+            <a:cxnLst/>
+            <a:rect l="0" t="0" r="0" b="0"/>
             <a:pathLst>
-              <a:path w="980" extrusionOk="0" h="605">
+              <a:path w="980" h="605" extrusionOk="0">
                 <a:moveTo>
-                  <a:pt y="0" x="510"/>
+                  <a:pt x="510" y="0"/>
                 </a:moveTo>
                 <a:lnTo>
-                  <a:pt y="605" x="980"/>
-                </a:lnTo>
-                <a:lnTo>
-                  <a:pt y="605" x="470"/>
-                </a:lnTo>
-                <a:lnTo>
-                  <a:pt y="0" x="0"/>
-                </a:lnTo>
-                <a:lnTo>
-                  <a:pt y="0" x="510"/>
-                </a:lnTo>
-                <a:lnTo>
-                  <a:pt y="0" x="510"/>
+                  <a:pt x="980" y="605"/>
+                </a:lnTo>
+                <a:lnTo>
+                  <a:pt x="470" y="605"/>
+                </a:lnTo>
+                <a:lnTo>
+                  <a:pt x="0" y="0"/>
+                </a:lnTo>
+                <a:lnTo>
+                  <a:pt x="510" y="0"/>
+                </a:lnTo>
+                <a:lnTo>
+                  <a:pt x="510" y="0"/>
                 </a:lnTo>
                 <a:close/>
               </a:path>
@@ -2972,7 +3155,7 @@
           </a:ln>
         </p:spPr>
         <p:txBody>
-          <a:bodyPr bIns="45700" rIns="91425" lIns="91425" tIns="45700" anchor="t" anchorCtr="0">
+          <a:bodyPr lIns="91425" tIns="45700" rIns="91425" bIns="45700" anchor="t" anchorCtr="0">
             <a:noAutofit/>
           </a:bodyPr>
           <a:lstStyle/>
@@ -2983,9 +3166,6 @@
               </a:spcBef>
               <a:buNone/>
             </a:pPr>
-            <a:r>
-              <a:t/>
-            </a:r>
             <a:endParaRPr/>
           </a:p>
         </p:txBody>
@@ -2993,22 +3173,24 @@
       <p:sp>
         <p:nvSpPr>
           <p:cNvPr id="43" name="Shape 43"/>
-          <p:cNvSpPr txBox="1"/>
+          <p:cNvSpPr txBox="1">
+            <a:spLocks noGrp="1"/>
+          </p:cNvSpPr>
           <p:nvPr>
-            <p:ph idx="12" type="sldNum"/>
+            <p:ph type="sldNum" idx="12"/>
           </p:nvPr>
         </p:nvSpPr>
         <p:spPr>
           <a:xfrm>
-            <a:off y="4749850" x="8556791"/>
-            <a:ext cy="393600" cx="548699"/>
+            <a:off x="8556791" y="4749850"/>
+            <a:ext cx="548699" cy="393600"/>
           </a:xfrm>
           <a:prstGeom prst="rect">
             <a:avLst/>
           </a:prstGeom>
         </p:spPr>
         <p:txBody>
-          <a:bodyPr bIns="91425" rIns="91425" lIns="91425" tIns="91425" anchor="ctr" anchorCtr="0">
+          <a:bodyPr lIns="91425" tIns="91425" rIns="91425" bIns="91425" anchor="ctr" anchorCtr="0">
             <a:noAutofit/>
           </a:bodyPr>
           <a:lstStyle>
@@ -3029,8 +3211,15 @@
             </a:pPr>
             <a:fld id="{00000000-1234-1234-1234-123412341234}" type="slidenum">
               <a:rPr lang="en-GB"/>
+              <a:pPr>
+                <a:spcBef>
+                  <a:spcPts val="0"/>
+                </a:spcBef>
+                <a:buNone/>
+              </a:pPr>
               <a:t>‹#›</a:t>
             </a:fld>
+            <a:endParaRPr lang="en-GB"/>
           </a:p>
         </p:txBody>
       </p:sp>
@@ -3043,41 +3232,43 @@
 </file>
 
 <file path=ppt/slideLayouts/slideLayout2.xml><?xml version="1.0" encoding="utf-8"?>
-<p:sldLayout xmlns:a="http://schemas.openxmlformats.org/drawingml/2006/main" xmlns:r="http://schemas.openxmlformats.org/officeDocument/2006/relationships" xmlns:mc="http://schemas.openxmlformats.org/markup-compatibility/2006" xmlns:mv="urn:schemas-microsoft-com:mac:vml" xmlns:p="http://schemas.openxmlformats.org/presentationml/2006/main" xmlns:c="http://schemas.openxmlformats.org/drawingml/2006/chart" xmlns:dgm="http://schemas.openxmlformats.org/drawingml/2006/diagram" xmlns:o="urn:schemas-microsoft-com:office:office" xmlns:v="urn:schemas-microsoft-com:vml" xmlns:pvml="urn:schemas-microsoft-com:office:powerpoint" xmlns:com="http://schemas.openxmlformats.org/drawingml/2006/compatibility" xmlns:p14="http://schemas.microsoft.com/office/powerpoint/2010/main" type="tx">
+<p:sldLayout xmlns:a="http://schemas.openxmlformats.org/drawingml/2006/main" xmlns:r="http://schemas.openxmlformats.org/officeDocument/2006/relationships" xmlns:p="http://schemas.openxmlformats.org/presentationml/2006/main" type="tx">
   <p:cSld name="Title and Body">
     <p:spTree>
       <p:nvGrpSpPr>
-        <p:cNvPr id="44" name="Shape 44"/>
+        <p:cNvPr id="1" name="Shape 44"/>
         <p:cNvGrpSpPr/>
         <p:nvPr/>
       </p:nvGrpSpPr>
       <p:grpSpPr>
         <a:xfrm>
-          <a:off y="0" x="0"/>
-          <a:ext cy="0" cx="0"/>
-          <a:chOff y="0" x="0"/>
-          <a:chExt cy="0" cx="0"/>
+          <a:off x="0" y="0"/>
+          <a:ext cx="0" cy="0"/>
+          <a:chOff x="0" y="0"/>
+          <a:chExt cx="0" cy="0"/>
         </a:xfrm>
       </p:grpSpPr>
       <p:sp>
         <p:nvSpPr>
           <p:cNvPr id="45" name="Shape 45"/>
-          <p:cNvSpPr txBox="1"/>
+          <p:cNvSpPr txBox="1">
+            <a:spLocks noGrp="1"/>
+          </p:cNvSpPr>
           <p:nvPr>
             <p:ph type="title"/>
           </p:nvPr>
         </p:nvSpPr>
         <p:spPr>
           <a:xfrm>
-            <a:off y="205978" x="457200"/>
-            <a:ext cy="857400" cx="6879600"/>
+            <a:off x="457200" y="205978"/>
+            <a:ext cx="6879600" cy="857400"/>
           </a:xfrm>
           <a:prstGeom prst="rect">
             <a:avLst/>
           </a:prstGeom>
         </p:spPr>
         <p:txBody>
-          <a:bodyPr bIns="91425" rIns="91425" lIns="91425" tIns="91425" anchor="b" anchorCtr="0"/>
+          <a:bodyPr lIns="91425" tIns="91425" rIns="91425" bIns="91425" anchor="b" anchorCtr="0"/>
           <a:lstStyle>
             <a:lvl1pPr>
               <a:spcBef>
@@ -3134,28 +3325,32 @@
               <a:defRPr/>
             </a:lvl9pPr>
           </a:lstStyle>
-          <a:p/>
+          <a:p>
+            <a:endParaRPr/>
+          </a:p>
         </p:txBody>
       </p:sp>
       <p:sp>
         <p:nvSpPr>
           <p:cNvPr id="46" name="Shape 46"/>
-          <p:cNvSpPr txBox="1"/>
+          <p:cNvSpPr txBox="1">
+            <a:spLocks noGrp="1"/>
+          </p:cNvSpPr>
           <p:nvPr>
-            <p:ph idx="1" type="body"/>
+            <p:ph type="body" idx="1"/>
           </p:nvPr>
         </p:nvSpPr>
         <p:spPr>
           <a:xfrm>
-            <a:off y="1200150" x="457200"/>
-            <a:ext cy="3630300" cx="8229600"/>
+            <a:off x="457200" y="1200150"/>
+            <a:ext cx="8229600" cy="3630300"/>
           </a:xfrm>
           <a:prstGeom prst="rect">
             <a:avLst/>
           </a:prstGeom>
         </p:spPr>
         <p:txBody>
-          <a:bodyPr bIns="91425" rIns="91425" lIns="91425" tIns="91425" anchor="t" anchorCtr="0"/>
+          <a:bodyPr lIns="91425" tIns="91425" rIns="91425" bIns="91425" anchor="t" anchorCtr="0"/>
           <a:lstStyle>
             <a:lvl1pPr>
               <a:spcBef>
@@ -3212,7 +3407,9 @@
               <a:defRPr/>
             </a:lvl9pPr>
           </a:lstStyle>
-          <a:p/>
+          <a:p>
+            <a:endParaRPr/>
+          </a:p>
         </p:txBody>
       </p:sp>
       <p:sp>
@@ -3223,29 +3420,34 @@
         </p:nvSpPr>
         <p:spPr>
           <a:xfrm>
-            <a:off y="0" x="7415211"/>
-            <a:ext cy="612226" cx="1555750"/>
+            <a:off x="7415211" y="0"/>
+            <a:ext cx="1555750" cy="612226"/>
           </a:xfrm>
           <a:custGeom>
+            <a:avLst/>
+            <a:gdLst/>
+            <a:ahLst/>
+            <a:cxnLst/>
+            <a:rect l="0" t="0" r="0" b="0"/>
             <a:pathLst>
-              <a:path w="980" extrusionOk="0" h="607">
+              <a:path w="980" h="607" extrusionOk="0">
                 <a:moveTo>
-                  <a:pt y="607" x="510"/>
+                  <a:pt x="510" y="607"/>
                 </a:moveTo>
                 <a:lnTo>
-                  <a:pt y="0" x="980"/>
-                </a:lnTo>
-                <a:lnTo>
-                  <a:pt y="0" x="470"/>
-                </a:lnTo>
-                <a:lnTo>
-                  <a:pt y="607" x="0"/>
-                </a:lnTo>
-                <a:lnTo>
-                  <a:pt y="607" x="510"/>
-                </a:lnTo>
-                <a:lnTo>
-                  <a:pt y="607" x="510"/>
+                  <a:pt x="980" y="0"/>
+                </a:lnTo>
+                <a:lnTo>
+                  <a:pt x="470" y="0"/>
+                </a:lnTo>
+                <a:lnTo>
+                  <a:pt x="0" y="607"/>
+                </a:lnTo>
+                <a:lnTo>
+                  <a:pt x="510" y="607"/>
+                </a:lnTo>
+                <a:lnTo>
+                  <a:pt x="510" y="607"/>
                 </a:lnTo>
                 <a:close/>
               </a:path>
@@ -3273,7 +3475,7 @@
           </a:ln>
         </p:spPr>
         <p:txBody>
-          <a:bodyPr bIns="45700" rIns="91425" lIns="91425" tIns="45700" anchor="t" anchorCtr="0">
+          <a:bodyPr lIns="91425" tIns="45700" rIns="91425" bIns="45700" anchor="t" anchorCtr="0">
             <a:noAutofit/>
           </a:bodyPr>
           <a:lstStyle/>
@@ -3284,9 +3486,6 @@
               </a:spcBef>
               <a:buNone/>
             </a:pPr>
-            <a:r>
-              <a:t/>
-            </a:r>
             <a:endParaRPr/>
           </a:p>
         </p:txBody>
@@ -3299,23 +3498,28 @@
         </p:nvSpPr>
         <p:spPr>
           <a:xfrm>
-            <a:off y="1310183" x="8397875"/>
-            <a:ext cy="610209" cx="746125"/>
+            <a:off x="8397875" y="1310183"/>
+            <a:ext cx="746125" cy="610209"/>
           </a:xfrm>
           <a:custGeom>
+            <a:avLst/>
+            <a:gdLst/>
+            <a:ahLst/>
+            <a:cxnLst/>
+            <a:rect l="0" t="0" r="0" b="0"/>
             <a:pathLst>
-              <a:path w="470" extrusionOk="0" h="605">
+              <a:path w="470" h="605" extrusionOk="0">
                 <a:moveTo>
-                  <a:pt y="0" x="470"/>
+                  <a:pt x="470" y="0"/>
                 </a:moveTo>
                 <a:lnTo>
-                  <a:pt y="605" x="0"/>
-                </a:lnTo>
-                <a:lnTo>
-                  <a:pt y="605" x="470"/>
-                </a:lnTo>
-                <a:lnTo>
-                  <a:pt y="0" x="470"/>
+                  <a:pt x="0" y="605"/>
+                </a:lnTo>
+                <a:lnTo>
+                  <a:pt x="470" y="605"/>
+                </a:lnTo>
+                <a:lnTo>
+                  <a:pt x="470" y="0"/>
                 </a:lnTo>
                 <a:close/>
               </a:path>
@@ -3343,7 +3547,7 @@
           </a:ln>
         </p:spPr>
         <p:txBody>
-          <a:bodyPr bIns="45700" rIns="91425" lIns="91425" tIns="45700" anchor="t" anchorCtr="0">
+          <a:bodyPr lIns="91425" tIns="45700" rIns="91425" bIns="45700" anchor="t" anchorCtr="0">
             <a:noAutofit/>
           </a:bodyPr>
           <a:lstStyle/>
@@ -3354,9 +3558,6 @@
               </a:spcBef>
               <a:buNone/>
             </a:pPr>
-            <a:r>
-              <a:t/>
-            </a:r>
             <a:endParaRPr/>
           </a:p>
         </p:txBody>
@@ -3369,23 +3570,28 @@
         </p:nvSpPr>
         <p:spPr>
           <a:xfrm>
-            <a:off y="1920392" x="8397875"/>
-            <a:ext cy="610209" cx="746125"/>
+            <a:off x="8397875" y="1920392"/>
+            <a:ext cx="746125" cy="610209"/>
           </a:xfrm>
           <a:custGeom>
+            <a:avLst/>
+            <a:gdLst/>
+            <a:ahLst/>
+            <a:cxnLst/>
+            <a:rect l="0" t="0" r="0" b="0"/>
             <a:pathLst>
-              <a:path w="470" extrusionOk="0" h="605">
+              <a:path w="470" h="605" extrusionOk="0">
                 <a:moveTo>
-                  <a:pt y="0" x="0"/>
+                  <a:pt x="0" y="0"/>
                 </a:moveTo>
                 <a:lnTo>
-                  <a:pt y="605" x="470"/>
-                </a:lnTo>
-                <a:lnTo>
-                  <a:pt y="0" x="470"/>
-                </a:lnTo>
-                <a:lnTo>
-                  <a:pt y="0" x="0"/>
+                  <a:pt x="470" y="605"/>
+                </a:lnTo>
+                <a:lnTo>
+                  <a:pt x="470" y="0"/>
+                </a:lnTo>
+                <a:lnTo>
+                  <a:pt x="0" y="0"/>
                 </a:lnTo>
                 <a:close/>
               </a:path>
@@ -3413,7 +3619,7 @@
           </a:ln>
         </p:spPr>
         <p:txBody>
-          <a:bodyPr bIns="45700" rIns="91425" lIns="91425" tIns="45700" anchor="t" anchorCtr="0">
+          <a:bodyPr lIns="91425" tIns="45700" rIns="91425" bIns="45700" anchor="t" anchorCtr="0">
             <a:noAutofit/>
           </a:bodyPr>
           <a:lstStyle/>
@@ -3424,9 +3630,6 @@
               </a:spcBef>
               <a:buNone/>
             </a:pPr>
-            <a:r>
-              <a:t/>
-            </a:r>
             <a:endParaRPr/>
           </a:p>
         </p:txBody>
@@ -3439,29 +3642,34 @@
         </p:nvSpPr>
         <p:spPr>
           <a:xfrm>
-            <a:off y="612225" x="7415211"/>
-            <a:ext cy="610209" cx="1555750"/>
+            <a:off x="7415211" y="612225"/>
+            <a:ext cx="1555750" cy="610209"/>
           </a:xfrm>
           <a:custGeom>
+            <a:avLst/>
+            <a:gdLst/>
+            <a:ahLst/>
+            <a:cxnLst/>
+            <a:rect l="0" t="0" r="0" b="0"/>
             <a:pathLst>
-              <a:path w="980" extrusionOk="0" h="605">
+              <a:path w="980" h="605" extrusionOk="0">
                 <a:moveTo>
-                  <a:pt y="0" x="510"/>
+                  <a:pt x="510" y="0"/>
                 </a:moveTo>
                 <a:lnTo>
-                  <a:pt y="605" x="980"/>
-                </a:lnTo>
-                <a:lnTo>
-                  <a:pt y="605" x="470"/>
-                </a:lnTo>
-                <a:lnTo>
-                  <a:pt y="0" x="0"/>
-                </a:lnTo>
-                <a:lnTo>
-                  <a:pt y="0" x="510"/>
-                </a:lnTo>
-                <a:lnTo>
-                  <a:pt y="0" x="510"/>
+                  <a:pt x="980" y="605"/>
+                </a:lnTo>
+                <a:lnTo>
+                  <a:pt x="470" y="605"/>
+                </a:lnTo>
+                <a:lnTo>
+                  <a:pt x="0" y="0"/>
+                </a:lnTo>
+                <a:lnTo>
+                  <a:pt x="510" y="0"/>
+                </a:lnTo>
+                <a:lnTo>
+                  <a:pt x="510" y="0"/>
                 </a:lnTo>
                 <a:close/>
               </a:path>
@@ -3489,7 +3697,7 @@
           </a:ln>
         </p:spPr>
         <p:txBody>
-          <a:bodyPr bIns="45700" rIns="91425" lIns="91425" tIns="45700" anchor="t" anchorCtr="0">
+          <a:bodyPr lIns="91425" tIns="45700" rIns="91425" bIns="45700" anchor="t" anchorCtr="0">
             <a:noAutofit/>
           </a:bodyPr>
           <a:lstStyle/>
@@ -3500,9 +3708,6 @@
               </a:spcBef>
               <a:buNone/>
             </a:pPr>
-            <a:r>
-              <a:t/>
-            </a:r>
             <a:endParaRPr/>
           </a:p>
         </p:txBody>
@@ -3510,22 +3715,24 @@
       <p:sp>
         <p:nvSpPr>
           <p:cNvPr id="51" name="Shape 51"/>
-          <p:cNvSpPr txBox="1"/>
+          <p:cNvSpPr txBox="1">
+            <a:spLocks noGrp="1"/>
+          </p:cNvSpPr>
           <p:nvPr>
-            <p:ph idx="12" type="sldNum"/>
+            <p:ph type="sldNum" idx="12"/>
           </p:nvPr>
         </p:nvSpPr>
         <p:spPr>
           <a:xfrm>
-            <a:off y="4749850" x="8556791"/>
-            <a:ext cy="393600" cx="548699"/>
+            <a:off x="8556791" y="4749850"/>
+            <a:ext cx="548699" cy="393600"/>
           </a:xfrm>
           <a:prstGeom prst="rect">
             <a:avLst/>
           </a:prstGeom>
         </p:spPr>
         <p:txBody>
-          <a:bodyPr bIns="91425" rIns="91425" lIns="91425" tIns="91425" anchor="ctr" anchorCtr="0">
+          <a:bodyPr lIns="91425" tIns="91425" rIns="91425" bIns="91425" anchor="ctr" anchorCtr="0">
             <a:noAutofit/>
           </a:bodyPr>
           <a:lstStyle>
@@ -3546,8 +3753,15 @@
             </a:pPr>
             <a:fld id="{00000000-1234-1234-1234-123412341234}" type="slidenum">
               <a:rPr lang="en-GB"/>
+              <a:pPr>
+                <a:spcBef>
+                  <a:spcPts val="0"/>
+                </a:spcBef>
+                <a:buNone/>
+              </a:pPr>
               <a:t>‹#›</a:t>
             </a:fld>
+            <a:endParaRPr lang="en-GB"/>
           </a:p>
         </p:txBody>
       </p:sp>
@@ -3560,41 +3774,43 @@
 </file>
 
 <file path=ppt/slideLayouts/slideLayout3.xml><?xml version="1.0" encoding="utf-8"?>
-<p:sldLayout xmlns:a="http://schemas.openxmlformats.org/drawingml/2006/main" xmlns:r="http://schemas.openxmlformats.org/officeDocument/2006/relationships" xmlns:mc="http://schemas.openxmlformats.org/markup-compatibility/2006" xmlns:mv="urn:schemas-microsoft-com:mac:vml" xmlns:p="http://schemas.openxmlformats.org/presentationml/2006/main" xmlns:c="http://schemas.openxmlformats.org/drawingml/2006/chart" xmlns:dgm="http://schemas.openxmlformats.org/drawingml/2006/diagram" xmlns:o="urn:schemas-microsoft-com:office:office" xmlns:v="urn:schemas-microsoft-com:vml" xmlns:pvml="urn:schemas-microsoft-com:office:powerpoint" xmlns:com="http://schemas.openxmlformats.org/drawingml/2006/compatibility" xmlns:p14="http://schemas.microsoft.com/office/powerpoint/2010/main" type="twoColTx">
+<p:sldLayout xmlns:a="http://schemas.openxmlformats.org/drawingml/2006/main" xmlns:r="http://schemas.openxmlformats.org/officeDocument/2006/relationships" xmlns:p="http://schemas.openxmlformats.org/presentationml/2006/main" type="twoColTx">
   <p:cSld name="Title and Two Columns">
     <p:spTree>
       <p:nvGrpSpPr>
-        <p:cNvPr id="52" name="Shape 52"/>
+        <p:cNvPr id="1" name="Shape 52"/>
         <p:cNvGrpSpPr/>
         <p:nvPr/>
       </p:nvGrpSpPr>
       <p:grpSpPr>
         <a:xfrm>
-          <a:off y="0" x="0"/>
-          <a:ext cy="0" cx="0"/>
-          <a:chOff y="0" x="0"/>
-          <a:chExt cy="0" cx="0"/>
+          <a:off x="0" y="0"/>
+          <a:ext cx="0" cy="0"/>
+          <a:chOff x="0" y="0"/>
+          <a:chExt cx="0" cy="0"/>
         </a:xfrm>
       </p:grpSpPr>
       <p:sp>
         <p:nvSpPr>
           <p:cNvPr id="53" name="Shape 53"/>
-          <p:cNvSpPr txBox="1"/>
+          <p:cNvSpPr txBox="1">
+            <a:spLocks noGrp="1"/>
+          </p:cNvSpPr>
           <p:nvPr>
             <p:ph type="title"/>
           </p:nvPr>
         </p:nvSpPr>
         <p:spPr>
           <a:xfrm>
-            <a:off y="205978" x="457200"/>
-            <a:ext cy="857400" cx="6879600"/>
+            <a:off x="457200" y="205978"/>
+            <a:ext cx="6879600" cy="857400"/>
           </a:xfrm>
           <a:prstGeom prst="rect">
             <a:avLst/>
           </a:prstGeom>
         </p:spPr>
         <p:txBody>
-          <a:bodyPr bIns="91425" rIns="91425" lIns="91425" tIns="91425" anchor="b" anchorCtr="0"/>
+          <a:bodyPr lIns="91425" tIns="91425" rIns="91425" bIns="91425" anchor="b" anchorCtr="0"/>
           <a:lstStyle>
             <a:lvl1pPr>
               <a:spcBef>
@@ -3651,28 +3867,32 @@
               <a:defRPr/>
             </a:lvl9pPr>
           </a:lstStyle>
-          <a:p/>
+          <a:p>
+            <a:endParaRPr/>
+          </a:p>
         </p:txBody>
       </p:sp>
       <p:sp>
         <p:nvSpPr>
           <p:cNvPr id="54" name="Shape 54"/>
-          <p:cNvSpPr txBox="1"/>
+          <p:cNvSpPr txBox="1">
+            <a:spLocks noGrp="1"/>
+          </p:cNvSpPr>
           <p:nvPr>
-            <p:ph idx="1" type="body"/>
+            <p:ph type="body" idx="1"/>
           </p:nvPr>
         </p:nvSpPr>
         <p:spPr>
           <a:xfrm>
-            <a:off y="1200150" x="457200"/>
-            <a:ext cy="3630300" cx="4038599"/>
+            <a:off x="457200" y="1200150"/>
+            <a:ext cx="4038599" cy="3630300"/>
           </a:xfrm>
           <a:prstGeom prst="rect">
             <a:avLst/>
           </a:prstGeom>
         </p:spPr>
         <p:txBody>
-          <a:bodyPr bIns="91425" rIns="91425" lIns="91425" tIns="91425" anchor="t" anchorCtr="0"/>
+          <a:bodyPr lIns="91425" tIns="91425" rIns="91425" bIns="91425" anchor="t" anchorCtr="0"/>
           <a:lstStyle>
             <a:lvl1pPr>
               <a:spcBef>
@@ -3729,28 +3949,32 @@
               <a:defRPr sz="1800"/>
             </a:lvl9pPr>
           </a:lstStyle>
-          <a:p/>
+          <a:p>
+            <a:endParaRPr/>
+          </a:p>
         </p:txBody>
       </p:sp>
       <p:sp>
         <p:nvSpPr>
           <p:cNvPr id="55" name="Shape 55"/>
-          <p:cNvSpPr txBox="1"/>
+          <p:cNvSpPr txBox="1">
+            <a:spLocks noGrp="1"/>
+          </p:cNvSpPr>
           <p:nvPr>
-            <p:ph idx="2" type="body"/>
+            <p:ph type="body" idx="2"/>
           </p:nvPr>
         </p:nvSpPr>
         <p:spPr>
           <a:xfrm>
-            <a:off y="1200150" x="4648200"/>
-            <a:ext cy="3630300" cx="4038599"/>
+            <a:off x="4648200" y="1200150"/>
+            <a:ext cx="4038599" cy="3630300"/>
           </a:xfrm>
           <a:prstGeom prst="rect">
             <a:avLst/>
           </a:prstGeom>
         </p:spPr>
         <p:txBody>
-          <a:bodyPr bIns="91425" rIns="91425" lIns="91425" tIns="91425" anchor="t" anchorCtr="0"/>
+          <a:bodyPr lIns="91425" tIns="91425" rIns="91425" bIns="91425" anchor="t" anchorCtr="0"/>
           <a:lstStyle>
             <a:lvl1pPr>
               <a:spcBef>
@@ -3807,7 +4031,9 @@
               <a:defRPr sz="1800"/>
             </a:lvl9pPr>
           </a:lstStyle>
-          <a:p/>
+          <a:p>
+            <a:endParaRPr/>
+          </a:p>
         </p:txBody>
       </p:sp>
       <p:sp>
@@ -3818,29 +4044,34 @@
         </p:nvSpPr>
         <p:spPr>
           <a:xfrm>
-            <a:off y="0" x="7415211"/>
-            <a:ext cy="612226" cx="1555750"/>
+            <a:off x="7415211" y="0"/>
+            <a:ext cx="1555750" cy="612226"/>
           </a:xfrm>
           <a:custGeom>
+            <a:avLst/>
+            <a:gdLst/>
+            <a:ahLst/>
+            <a:cxnLst/>
+            <a:rect l="0" t="0" r="0" b="0"/>
             <a:pathLst>
-              <a:path w="980" extrusionOk="0" h="607">
+              <a:path w="980" h="607" extrusionOk="0">
                 <a:moveTo>
-                  <a:pt y="607" x="510"/>
+                  <a:pt x="510" y="607"/>
                 </a:moveTo>
                 <a:lnTo>
-                  <a:pt y="0" x="980"/>
-                </a:lnTo>
-                <a:lnTo>
-                  <a:pt y="0" x="470"/>
-                </a:lnTo>
-                <a:lnTo>
-                  <a:pt y="607" x="0"/>
-                </a:lnTo>
-                <a:lnTo>
-                  <a:pt y="607" x="510"/>
-                </a:lnTo>
-                <a:lnTo>
-                  <a:pt y="607" x="510"/>
+                  <a:pt x="980" y="0"/>
+                </a:lnTo>
+                <a:lnTo>
+                  <a:pt x="470" y="0"/>
+                </a:lnTo>
+                <a:lnTo>
+                  <a:pt x="0" y="607"/>
+                </a:lnTo>
+                <a:lnTo>
+                  <a:pt x="510" y="607"/>
+                </a:lnTo>
+                <a:lnTo>
+                  <a:pt x="510" y="607"/>
                 </a:lnTo>
                 <a:close/>
               </a:path>
@@ -3868,7 +4099,7 @@
           </a:ln>
         </p:spPr>
         <p:txBody>
-          <a:bodyPr bIns="45700" rIns="91425" lIns="91425" tIns="45700" anchor="t" anchorCtr="0">
+          <a:bodyPr lIns="91425" tIns="45700" rIns="91425" bIns="45700" anchor="t" anchorCtr="0">
             <a:noAutofit/>
           </a:bodyPr>
           <a:lstStyle/>
@@ -3879,9 +4110,6 @@
               </a:spcBef>
               <a:buNone/>
             </a:pPr>
-            <a:r>
-              <a:t/>
-            </a:r>
             <a:endParaRPr/>
           </a:p>
         </p:txBody>
@@ -3894,23 +4122,28 @@
         </p:nvSpPr>
         <p:spPr>
           <a:xfrm>
-            <a:off y="1310183" x="8397875"/>
-            <a:ext cy="610209" cx="746125"/>
+            <a:off x="8397875" y="1310183"/>
+            <a:ext cx="746125" cy="610209"/>
           </a:xfrm>
           <a:custGeom>
+            <a:avLst/>
+            <a:gdLst/>
+            <a:ahLst/>
+            <a:cxnLst/>
+            <a:rect l="0" t="0" r="0" b="0"/>
             <a:pathLst>
-              <a:path w="470" extrusionOk="0" h="605">
+              <a:path w="470" h="605" extrusionOk="0">
                 <a:moveTo>
-                  <a:pt y="0" x="470"/>
+                  <a:pt x="470" y="0"/>
                 </a:moveTo>
                 <a:lnTo>
-                  <a:pt y="605" x="0"/>
-                </a:lnTo>
-                <a:lnTo>
-                  <a:pt y="605" x="470"/>
-                </a:lnTo>
-                <a:lnTo>
-                  <a:pt y="0" x="470"/>
+                  <a:pt x="0" y="605"/>
+                </a:lnTo>
+                <a:lnTo>
+                  <a:pt x="470" y="605"/>
+                </a:lnTo>
+                <a:lnTo>
+                  <a:pt x="470" y="0"/>
                 </a:lnTo>
                 <a:close/>
               </a:path>
@@ -3938,7 +4171,7 @@
           </a:ln>
         </p:spPr>
         <p:txBody>
-          <a:bodyPr bIns="45700" rIns="91425" lIns="91425" tIns="45700" anchor="t" anchorCtr="0">
+          <a:bodyPr lIns="91425" tIns="45700" rIns="91425" bIns="45700" anchor="t" anchorCtr="0">
             <a:noAutofit/>
           </a:bodyPr>
           <a:lstStyle/>
@@ -3949,9 +4182,6 @@
               </a:spcBef>
               <a:buNone/>
             </a:pPr>
-            <a:r>
-              <a:t/>
-            </a:r>
             <a:endParaRPr/>
           </a:p>
         </p:txBody>
@@ -3964,23 +4194,28 @@
         </p:nvSpPr>
         <p:spPr>
           <a:xfrm>
-            <a:off y="1920392" x="8397875"/>
-            <a:ext cy="610209" cx="746125"/>
+            <a:off x="8397875" y="1920392"/>
+            <a:ext cx="746125" cy="610209"/>
           </a:xfrm>
           <a:custGeom>
+            <a:avLst/>
+            <a:gdLst/>
+            <a:ahLst/>
+            <a:cxnLst/>
+            <a:rect l="0" t="0" r="0" b="0"/>
             <a:pathLst>
-              <a:path w="470" extrusionOk="0" h="605">
+              <a:path w="470" h="605" extrusionOk="0">
                 <a:moveTo>
-                  <a:pt y="0" x="0"/>
+                  <a:pt x="0" y="0"/>
                 </a:moveTo>
                 <a:lnTo>
-                  <a:pt y="605" x="470"/>
-                </a:lnTo>
-                <a:lnTo>
-                  <a:pt y="0" x="470"/>
-                </a:lnTo>
-                <a:lnTo>
-                  <a:pt y="0" x="0"/>
+                  <a:pt x="470" y="605"/>
+                </a:lnTo>
+                <a:lnTo>
+                  <a:pt x="470" y="0"/>
+                </a:lnTo>
+                <a:lnTo>
+                  <a:pt x="0" y="0"/>
                 </a:lnTo>
                 <a:close/>
               </a:path>
@@ -4008,7 +4243,7 @@
           </a:ln>
         </p:spPr>
         <p:txBody>
-          <a:bodyPr bIns="45700" rIns="91425" lIns="91425" tIns="45700" anchor="t" anchorCtr="0">
+          <a:bodyPr lIns="91425" tIns="45700" rIns="91425" bIns="45700" anchor="t" anchorCtr="0">
             <a:noAutofit/>
           </a:bodyPr>
           <a:lstStyle/>
@@ -4019,9 +4254,6 @@
               </a:spcBef>
               <a:buNone/>
             </a:pPr>
-            <a:r>
-              <a:t/>
-            </a:r>
             <a:endParaRPr/>
           </a:p>
         </p:txBody>
@@ -4034,29 +4266,34 @@
         </p:nvSpPr>
         <p:spPr>
           <a:xfrm>
-            <a:off y="612225" x="7415211"/>
-            <a:ext cy="610209" cx="1555750"/>
+            <a:off x="7415211" y="612225"/>
+            <a:ext cx="1555750" cy="610209"/>
           </a:xfrm>
           <a:custGeom>
+            <a:avLst/>
+            <a:gdLst/>
+            <a:ahLst/>
+            <a:cxnLst/>
+            <a:rect l="0" t="0" r="0" b="0"/>
             <a:pathLst>
-              <a:path w="980" extrusionOk="0" h="605">
+              <a:path w="980" h="605" extrusionOk="0">
                 <a:moveTo>
-                  <a:pt y="0" x="510"/>
+                  <a:pt x="510" y="0"/>
                 </a:moveTo>
                 <a:lnTo>
-                  <a:pt y="605" x="980"/>
-                </a:lnTo>
-                <a:lnTo>
-                  <a:pt y="605" x="470"/>
-                </a:lnTo>
-                <a:lnTo>
-                  <a:pt y="0" x="0"/>
-                </a:lnTo>
-                <a:lnTo>
-                  <a:pt y="0" x="510"/>
-                </a:lnTo>
-                <a:lnTo>
-                  <a:pt y="0" x="510"/>
+                  <a:pt x="980" y="605"/>
+                </a:lnTo>
+                <a:lnTo>
+                  <a:pt x="470" y="605"/>
+                </a:lnTo>
+                <a:lnTo>
+                  <a:pt x="0" y="0"/>
+                </a:lnTo>
+                <a:lnTo>
+                  <a:pt x="510" y="0"/>
+                </a:lnTo>
+                <a:lnTo>
+                  <a:pt x="510" y="0"/>
                 </a:lnTo>
                 <a:close/>
               </a:path>
@@ -4084,7 +4321,7 @@
           </a:ln>
         </p:spPr>
         <p:txBody>
-          <a:bodyPr bIns="45700" rIns="91425" lIns="91425" tIns="45700" anchor="t" anchorCtr="0">
+          <a:bodyPr lIns="91425" tIns="45700" rIns="91425" bIns="45700" anchor="t" anchorCtr="0">
             <a:noAutofit/>
           </a:bodyPr>
           <a:lstStyle/>
@@ -4095,9 +4332,6 @@
               </a:spcBef>
               <a:buNone/>
             </a:pPr>
-            <a:r>
-              <a:t/>
-            </a:r>
             <a:endParaRPr/>
           </a:p>
         </p:txBody>
@@ -4105,22 +4339,24 @@
       <p:sp>
         <p:nvSpPr>
           <p:cNvPr id="60" name="Shape 60"/>
-          <p:cNvSpPr txBox="1"/>
+          <p:cNvSpPr txBox="1">
+            <a:spLocks noGrp="1"/>
+          </p:cNvSpPr>
           <p:nvPr>
-            <p:ph idx="12" type="sldNum"/>
+            <p:ph type="sldNum" idx="12"/>
           </p:nvPr>
         </p:nvSpPr>
         <p:spPr>
           <a:xfrm>
-            <a:off y="4749850" x="8556791"/>
-            <a:ext cy="393600" cx="548699"/>
+            <a:off x="8556791" y="4749850"/>
+            <a:ext cx="548699" cy="393600"/>
           </a:xfrm>
           <a:prstGeom prst="rect">
             <a:avLst/>
           </a:prstGeom>
         </p:spPr>
         <p:txBody>
-          <a:bodyPr bIns="91425" rIns="91425" lIns="91425" tIns="91425" anchor="ctr" anchorCtr="0">
+          <a:bodyPr lIns="91425" tIns="91425" rIns="91425" bIns="91425" anchor="ctr" anchorCtr="0">
             <a:noAutofit/>
           </a:bodyPr>
           <a:lstStyle>
@@ -4141,8 +4377,15 @@
             </a:pPr>
             <a:fld id="{00000000-1234-1234-1234-123412341234}" type="slidenum">
               <a:rPr lang="en-GB"/>
+              <a:pPr>
+                <a:spcBef>
+                  <a:spcPts val="0"/>
+                </a:spcBef>
+                <a:buNone/>
+              </a:pPr>
               <a:t>‹#›</a:t>
             </a:fld>
+            <a:endParaRPr lang="en-GB"/>
           </a:p>
         </p:txBody>
       </p:sp>
@@ -4155,41 +4398,43 @@
 </file>
 
 <file path=ppt/slideLayouts/slideLayout4.xml><?xml version="1.0" encoding="utf-8"?>
-<p:sldLayout xmlns:a="http://schemas.openxmlformats.org/drawingml/2006/main" xmlns:r="http://schemas.openxmlformats.org/officeDocument/2006/relationships" xmlns:mc="http://schemas.openxmlformats.org/markup-compatibility/2006" xmlns:mv="urn:schemas-microsoft-com:mac:vml" xmlns:p="http://schemas.openxmlformats.org/presentationml/2006/main" xmlns:c="http://schemas.openxmlformats.org/drawingml/2006/chart" xmlns:dgm="http://schemas.openxmlformats.org/drawingml/2006/diagram" xmlns:o="urn:schemas-microsoft-com:office:office" xmlns:v="urn:schemas-microsoft-com:vml" xmlns:pvml="urn:schemas-microsoft-com:office:powerpoint" xmlns:com="http://schemas.openxmlformats.org/drawingml/2006/compatibility" xmlns:p14="http://schemas.microsoft.com/office/powerpoint/2010/main" type="titleOnly">
+<p:sldLayout xmlns:a="http://schemas.openxmlformats.org/drawingml/2006/main" xmlns:r="http://schemas.openxmlformats.org/officeDocument/2006/relationships" xmlns:p="http://schemas.openxmlformats.org/presentationml/2006/main" type="titleOnly">
   <p:cSld name="Title Only">
     <p:spTree>
       <p:nvGrpSpPr>
-        <p:cNvPr id="61" name="Shape 61"/>
+        <p:cNvPr id="1" name="Shape 61"/>
         <p:cNvGrpSpPr/>
         <p:nvPr/>
       </p:nvGrpSpPr>
       <p:grpSpPr>
         <a:xfrm>
-          <a:off y="0" x="0"/>
-          <a:ext cy="0" cx="0"/>
-          <a:chOff y="0" x="0"/>
-          <a:chExt cy="0" cx="0"/>
+          <a:off x="0" y="0"/>
+          <a:ext cx="0" cy="0"/>
+          <a:chOff x="0" y="0"/>
+          <a:chExt cx="0" cy="0"/>
         </a:xfrm>
       </p:grpSpPr>
       <p:sp>
         <p:nvSpPr>
           <p:cNvPr id="62" name="Shape 62"/>
-          <p:cNvSpPr txBox="1"/>
+          <p:cNvSpPr txBox="1">
+            <a:spLocks noGrp="1"/>
+          </p:cNvSpPr>
           <p:nvPr>
             <p:ph type="title"/>
           </p:nvPr>
         </p:nvSpPr>
         <p:spPr>
           <a:xfrm>
-            <a:off y="205978" x="457200"/>
-            <a:ext cy="857400" cx="6879600"/>
+            <a:off x="457200" y="205978"/>
+            <a:ext cx="6879600" cy="857400"/>
           </a:xfrm>
           <a:prstGeom prst="rect">
             <a:avLst/>
           </a:prstGeom>
         </p:spPr>
         <p:txBody>
-          <a:bodyPr bIns="91425" rIns="91425" lIns="91425" tIns="91425" anchor="b" anchorCtr="0"/>
+          <a:bodyPr lIns="91425" tIns="91425" rIns="91425" bIns="91425" anchor="b" anchorCtr="0"/>
           <a:lstStyle>
             <a:lvl1pPr>
               <a:spcBef>
@@ -4246,7 +4491,9 @@
               <a:defRPr/>
             </a:lvl9pPr>
           </a:lstStyle>
-          <a:p/>
+          <a:p>
+            <a:endParaRPr/>
+          </a:p>
         </p:txBody>
       </p:sp>
       <p:sp>
@@ -4257,26 +4504,31 @@
         </p:nvSpPr>
         <p:spPr>
           <a:xfrm>
-            <a:off y="2614612" x="3175"/>
-            <a:ext cy="611981" cx="635000"/>
+            <a:off x="3175" y="2614612"/>
+            <a:ext cx="635000" cy="611981"/>
           </a:xfrm>
           <a:custGeom>
+            <a:avLst/>
+            <a:gdLst/>
+            <a:ahLst/>
+            <a:cxnLst/>
+            <a:rect l="0" t="0" r="0" b="0"/>
             <a:pathLst>
-              <a:path w="400" extrusionOk="0" h="514">
+              <a:path w="400" h="514" extrusionOk="0">
                 <a:moveTo>
-                  <a:pt y="0" x="2"/>
+                  <a:pt x="2" y="0"/>
                 </a:moveTo>
                 <a:lnTo>
-                  <a:pt y="0" x="0"/>
-                </a:lnTo>
-                <a:lnTo>
-                  <a:pt y="514" x="0"/>
-                </a:lnTo>
-                <a:lnTo>
-                  <a:pt y="514" x="400"/>
-                </a:lnTo>
-                <a:lnTo>
-                  <a:pt y="0" x="2"/>
+                  <a:pt x="0" y="0"/>
+                </a:lnTo>
+                <a:lnTo>
+                  <a:pt x="0" y="514"/>
+                </a:lnTo>
+                <a:lnTo>
+                  <a:pt x="400" y="514"/>
+                </a:lnTo>
+                <a:lnTo>
+                  <a:pt x="2" y="0"/>
                 </a:lnTo>
                 <a:close/>
               </a:path>
@@ -4304,7 +4556,7 @@
           </a:ln>
         </p:spPr>
         <p:txBody>
-          <a:bodyPr bIns="45700" rIns="91425" lIns="91425" tIns="45700" anchor="t" anchorCtr="0">
+          <a:bodyPr lIns="91425" tIns="45700" rIns="91425" bIns="45700" anchor="t" anchorCtr="0">
             <a:noAutofit/>
           </a:bodyPr>
           <a:lstStyle/>
@@ -4315,9 +4567,6 @@
               </a:spcBef>
               <a:buNone/>
             </a:pPr>
-            <a:r>
-              <a:t/>
-            </a:r>
             <a:endParaRPr/>
           </a:p>
         </p:txBody>
@@ -4330,26 +4579,31 @@
         </p:nvSpPr>
         <p:spPr>
           <a:xfrm>
-            <a:off y="3226593" x="3175"/>
-            <a:ext cy="609600" cx="635000"/>
+            <a:off x="3175" y="3226593"/>
+            <a:ext cx="635000" cy="609600"/>
           </a:xfrm>
           <a:custGeom>
+            <a:avLst/>
+            <a:gdLst/>
+            <a:ahLst/>
+            <a:cxnLst/>
+            <a:rect l="0" t="0" r="0" b="0"/>
             <a:pathLst>
-              <a:path w="400" extrusionOk="0" h="512">
+              <a:path w="400" h="512" extrusionOk="0">
                 <a:moveTo>
-                  <a:pt y="0" x="400"/>
+                  <a:pt x="400" y="0"/>
                 </a:moveTo>
                 <a:lnTo>
-                  <a:pt y="0" x="0"/>
-                </a:lnTo>
-                <a:lnTo>
-                  <a:pt y="512" x="0"/>
-                </a:lnTo>
-                <a:lnTo>
-                  <a:pt y="512" x="2"/>
-                </a:lnTo>
-                <a:lnTo>
-                  <a:pt y="0" x="400"/>
+                  <a:pt x="0" y="0"/>
+                </a:lnTo>
+                <a:lnTo>
+                  <a:pt x="0" y="512"/>
+                </a:lnTo>
+                <a:lnTo>
+                  <a:pt x="2" y="512"/>
+                </a:lnTo>
+                <a:lnTo>
+                  <a:pt x="400" y="0"/>
                 </a:lnTo>
                 <a:close/>
               </a:path>
@@ -4377,7 +4631,7 @@
           </a:ln>
         </p:spPr>
         <p:txBody>
-          <a:bodyPr bIns="45700" rIns="91425" lIns="91425" tIns="45700" anchor="t" anchorCtr="0">
+          <a:bodyPr lIns="91425" tIns="45700" rIns="91425" bIns="45700" anchor="t" anchorCtr="0">
             <a:noAutofit/>
           </a:bodyPr>
           <a:lstStyle/>
@@ -4388,9 +4642,6 @@
               </a:spcBef>
               <a:buNone/>
             </a:pPr>
-            <a:r>
-              <a:t/>
-            </a:r>
             <a:endParaRPr/>
           </a:p>
         </p:txBody>
@@ -4403,26 +4654,31 @@
         </p:nvSpPr>
         <p:spPr>
           <a:xfrm>
-            <a:off y="4533900" x="152400"/>
-            <a:ext cy="609600" cx="1317625"/>
+            <a:off x="152400" y="4533900"/>
+            <a:ext cx="1317625" cy="609600"/>
           </a:xfrm>
           <a:custGeom>
+            <a:avLst/>
+            <a:gdLst/>
+            <a:ahLst/>
+            <a:cxnLst/>
+            <a:rect l="0" t="0" r="0" b="0"/>
             <a:pathLst>
-              <a:path w="830" extrusionOk="0" h="512">
+              <a:path w="830" h="512" extrusionOk="0">
                 <a:moveTo>
-                  <a:pt y="0" x="398"/>
+                  <a:pt x="398" y="0"/>
                 </a:moveTo>
                 <a:lnTo>
-                  <a:pt y="512" x="0"/>
-                </a:lnTo>
-                <a:lnTo>
-                  <a:pt y="512" x="432"/>
-                </a:lnTo>
-                <a:lnTo>
-                  <a:pt y="0" x="830"/>
-                </a:lnTo>
-                <a:lnTo>
-                  <a:pt y="0" x="398"/>
+                  <a:pt x="0" y="512"/>
+                </a:lnTo>
+                <a:lnTo>
+                  <a:pt x="432" y="512"/>
+                </a:lnTo>
+                <a:lnTo>
+                  <a:pt x="830" y="0"/>
+                </a:lnTo>
+                <a:lnTo>
+                  <a:pt x="398" y="0"/>
                 </a:lnTo>
                 <a:close/>
               </a:path>
@@ -4450,7 +4706,7 @@
           </a:ln>
         </p:spPr>
         <p:txBody>
-          <a:bodyPr bIns="45700" rIns="91425" lIns="91425" tIns="45700" anchor="t" anchorCtr="0">
+          <a:bodyPr lIns="91425" tIns="45700" rIns="91425" bIns="45700" anchor="t" anchorCtr="0">
             <a:noAutofit/>
           </a:bodyPr>
           <a:lstStyle/>
@@ -4461,9 +4717,6 @@
               </a:spcBef>
               <a:buNone/>
             </a:pPr>
-            <a:r>
-              <a:t/>
-            </a:r>
             <a:endParaRPr/>
           </a:p>
         </p:txBody>
@@ -4476,26 +4729,31 @@
         </p:nvSpPr>
         <p:spPr>
           <a:xfrm>
-            <a:off y="3924300" x="152400"/>
-            <a:ext cy="609600" cx="1317625"/>
+            <a:off x="152400" y="3924300"/>
+            <a:ext cx="1317625" cy="609600"/>
           </a:xfrm>
           <a:custGeom>
+            <a:avLst/>
+            <a:gdLst/>
+            <a:ahLst/>
+            <a:cxnLst/>
+            <a:rect l="0" t="0" r="0" b="0"/>
             <a:pathLst>
-              <a:path w="830" extrusionOk="0" h="512">
+              <a:path w="830" h="512" extrusionOk="0">
                 <a:moveTo>
-                  <a:pt y="512" x="398"/>
+                  <a:pt x="398" y="512"/>
                 </a:moveTo>
                 <a:lnTo>
-                  <a:pt y="512" x="830"/>
-                </a:lnTo>
-                <a:lnTo>
-                  <a:pt y="0" x="432"/>
-                </a:lnTo>
-                <a:lnTo>
-                  <a:pt y="0" x="0"/>
-                </a:lnTo>
-                <a:lnTo>
-                  <a:pt y="512" x="398"/>
+                  <a:pt x="830" y="512"/>
+                </a:lnTo>
+                <a:lnTo>
+                  <a:pt x="432" y="0"/>
+                </a:lnTo>
+                <a:lnTo>
+                  <a:pt x="0" y="0"/>
+                </a:lnTo>
+                <a:lnTo>
+                  <a:pt x="398" y="512"/>
                 </a:lnTo>
                 <a:close/>
               </a:path>
@@ -4523,7 +4781,7 @@
           </a:ln>
         </p:spPr>
         <p:txBody>
-          <a:bodyPr bIns="45700" rIns="91425" lIns="91425" tIns="45700" anchor="t" anchorCtr="0">
+          <a:bodyPr lIns="91425" tIns="45700" rIns="91425" bIns="45700" anchor="t" anchorCtr="0">
             <a:noAutofit/>
           </a:bodyPr>
           <a:lstStyle/>
@@ -4534,9 +4792,6 @@
               </a:spcBef>
               <a:buNone/>
             </a:pPr>
-            <a:r>
-              <a:t/>
-            </a:r>
             <a:endParaRPr/>
           </a:p>
         </p:txBody>
@@ -4549,29 +4804,34 @@
         </p:nvSpPr>
         <p:spPr>
           <a:xfrm>
-            <a:off y="0" x="7415211"/>
-            <a:ext cy="612226" cx="1555750"/>
+            <a:off x="7415211" y="0"/>
+            <a:ext cx="1555750" cy="612226"/>
           </a:xfrm>
           <a:custGeom>
+            <a:avLst/>
+            <a:gdLst/>
+            <a:ahLst/>
+            <a:cxnLst/>
+            <a:rect l="0" t="0" r="0" b="0"/>
             <a:pathLst>
-              <a:path w="980" extrusionOk="0" h="607">
+              <a:path w="980" h="607" extrusionOk="0">
                 <a:moveTo>
-                  <a:pt y="607" x="510"/>
+                  <a:pt x="510" y="607"/>
                 </a:moveTo>
                 <a:lnTo>
-                  <a:pt y="0" x="980"/>
-                </a:lnTo>
-                <a:lnTo>
-                  <a:pt y="0" x="470"/>
-                </a:lnTo>
-                <a:lnTo>
-                  <a:pt y="607" x="0"/>
-                </a:lnTo>
-                <a:lnTo>
-                  <a:pt y="607" x="510"/>
-                </a:lnTo>
-                <a:lnTo>
-                  <a:pt y="607" x="510"/>
+                  <a:pt x="980" y="0"/>
+                </a:lnTo>
+                <a:lnTo>
+                  <a:pt x="470" y="0"/>
+                </a:lnTo>
+                <a:lnTo>
+                  <a:pt x="0" y="607"/>
+                </a:lnTo>
+                <a:lnTo>
+                  <a:pt x="510" y="607"/>
+                </a:lnTo>
+                <a:lnTo>
+                  <a:pt x="510" y="607"/>
                 </a:lnTo>
                 <a:close/>
               </a:path>
@@ -4599,7 +4859,7 @@
           </a:ln>
         </p:spPr>
         <p:txBody>
-          <a:bodyPr bIns="45700" rIns="91425" lIns="91425" tIns="45700" anchor="t" anchorCtr="0">
+          <a:bodyPr lIns="91425" tIns="45700" rIns="91425" bIns="45700" anchor="t" anchorCtr="0">
             <a:noAutofit/>
           </a:bodyPr>
           <a:lstStyle/>
@@ -4610,9 +4870,6 @@
               </a:spcBef>
               <a:buNone/>
             </a:pPr>
-            <a:r>
-              <a:t/>
-            </a:r>
             <a:endParaRPr/>
           </a:p>
         </p:txBody>
@@ -4625,23 +4882,28 @@
         </p:nvSpPr>
         <p:spPr>
           <a:xfrm>
-            <a:off y="1310183" x="8397875"/>
-            <a:ext cy="610209" cx="746125"/>
+            <a:off x="8397875" y="1310183"/>
+            <a:ext cx="746125" cy="610209"/>
           </a:xfrm>
           <a:custGeom>
+            <a:avLst/>
+            <a:gdLst/>
+            <a:ahLst/>
+            <a:cxnLst/>
+            <a:rect l="0" t="0" r="0" b="0"/>
             <a:pathLst>
-              <a:path w="470" extrusionOk="0" h="605">
+              <a:path w="470" h="605" extrusionOk="0">
                 <a:moveTo>
-                  <a:pt y="0" x="470"/>
+                  <a:pt x="470" y="0"/>
                 </a:moveTo>
                 <a:lnTo>
-                  <a:pt y="605" x="0"/>
-                </a:lnTo>
-                <a:lnTo>
-                  <a:pt y="605" x="470"/>
-                </a:lnTo>
-                <a:lnTo>
-                  <a:pt y="0" x="470"/>
+                  <a:pt x="0" y="605"/>
+                </a:lnTo>
+                <a:lnTo>
+                  <a:pt x="470" y="605"/>
+                </a:lnTo>
+                <a:lnTo>
+                  <a:pt x="470" y="0"/>
                 </a:lnTo>
                 <a:close/>
               </a:path>
@@ -4669,7 +4931,7 @@
           </a:ln>
         </p:spPr>
         <p:txBody>
-          <a:bodyPr bIns="45700" rIns="91425" lIns="91425" tIns="45700" anchor="t" anchorCtr="0">
+          <a:bodyPr lIns="91425" tIns="45700" rIns="91425" bIns="45700" anchor="t" anchorCtr="0">
             <a:noAutofit/>
           </a:bodyPr>
           <a:lstStyle/>
@@ -4680,9 +4942,6 @@
               </a:spcBef>
               <a:buNone/>
             </a:pPr>
-            <a:r>
-              <a:t/>
-            </a:r>
             <a:endParaRPr/>
           </a:p>
         </p:txBody>
@@ -4695,23 +4954,28 @@
         </p:nvSpPr>
         <p:spPr>
           <a:xfrm>
-            <a:off y="1920392" x="8397875"/>
-            <a:ext cy="610209" cx="746125"/>
+            <a:off x="8397875" y="1920392"/>
+            <a:ext cx="746125" cy="610209"/>
           </a:xfrm>
           <a:custGeom>
+            <a:avLst/>
+            <a:gdLst/>
+            <a:ahLst/>
+            <a:cxnLst/>
+            <a:rect l="0" t="0" r="0" b="0"/>
             <a:pathLst>
-              <a:path w="470" extrusionOk="0" h="605">
+              <a:path w="470" h="605" extrusionOk="0">
                 <a:moveTo>
-                  <a:pt y="0" x="0"/>
+                  <a:pt x="0" y="0"/>
                 </a:moveTo>
                 <a:lnTo>
-                  <a:pt y="605" x="470"/>
-                </a:lnTo>
-                <a:lnTo>
-                  <a:pt y="0" x="470"/>
-                </a:lnTo>
-                <a:lnTo>
-                  <a:pt y="0" x="0"/>
+                  <a:pt x="470" y="605"/>
+                </a:lnTo>
+                <a:lnTo>
+                  <a:pt x="470" y="0"/>
+                </a:lnTo>
+                <a:lnTo>
+                  <a:pt x="0" y="0"/>
                 </a:lnTo>
                 <a:close/>
               </a:path>
@@ -4739,7 +5003,7 @@
           </a:ln>
         </p:spPr>
         <p:txBody>
-          <a:bodyPr bIns="45700" rIns="91425" lIns="91425" tIns="45700" anchor="t" anchorCtr="0">
+          <a:bodyPr lIns="91425" tIns="45700" rIns="91425" bIns="45700" anchor="t" anchorCtr="0">
             <a:noAutofit/>
           </a:bodyPr>
           <a:lstStyle/>
@@ -4750,9 +5014,6 @@
               </a:spcBef>
               <a:buNone/>
             </a:pPr>
-            <a:r>
-              <a:t/>
-            </a:r>
             <a:endParaRPr/>
           </a:p>
         </p:txBody>
@@ -4765,29 +5026,34 @@
         </p:nvSpPr>
         <p:spPr>
           <a:xfrm>
-            <a:off y="612225" x="7415211"/>
-            <a:ext cy="610209" cx="1555750"/>
+            <a:off x="7415211" y="612225"/>
+            <a:ext cx="1555750" cy="610209"/>
           </a:xfrm>
           <a:custGeom>
+            <a:avLst/>
+            <a:gdLst/>
+            <a:ahLst/>
+            <a:cxnLst/>
+            <a:rect l="0" t="0" r="0" b="0"/>
             <a:pathLst>
-              <a:path w="980" extrusionOk="0" h="605">
+              <a:path w="980" h="605" extrusionOk="0">
                 <a:moveTo>
-                  <a:pt y="0" x="510"/>
+                  <a:pt x="510" y="0"/>
                 </a:moveTo>
                 <a:lnTo>
-                  <a:pt y="605" x="980"/>
-                </a:lnTo>
-                <a:lnTo>
-                  <a:pt y="605" x="470"/>
-                </a:lnTo>
-                <a:lnTo>
-                  <a:pt y="0" x="0"/>
-                </a:lnTo>
-                <a:lnTo>
-                  <a:pt y="0" x="510"/>
-                </a:lnTo>
-                <a:lnTo>
-                  <a:pt y="0" x="510"/>
+                  <a:pt x="980" y="605"/>
+                </a:lnTo>
+                <a:lnTo>
+                  <a:pt x="470" y="605"/>
+                </a:lnTo>
+                <a:lnTo>
+                  <a:pt x="0" y="0"/>
+                </a:lnTo>
+                <a:lnTo>
+                  <a:pt x="510" y="0"/>
+                </a:lnTo>
+                <a:lnTo>
+                  <a:pt x="510" y="0"/>
                 </a:lnTo>
                 <a:close/>
               </a:path>
@@ -4815,7 +5081,7 @@
           </a:ln>
         </p:spPr>
         <p:txBody>
-          <a:bodyPr bIns="45700" rIns="91425" lIns="91425" tIns="45700" anchor="t" anchorCtr="0">
+          <a:bodyPr lIns="91425" tIns="45700" rIns="91425" bIns="45700" anchor="t" anchorCtr="0">
             <a:noAutofit/>
           </a:bodyPr>
           <a:lstStyle/>
@@ -4826,9 +5092,6 @@
               </a:spcBef>
               <a:buNone/>
             </a:pPr>
-            <a:r>
-              <a:t/>
-            </a:r>
             <a:endParaRPr/>
           </a:p>
         </p:txBody>
@@ -4836,22 +5099,24 @@
       <p:sp>
         <p:nvSpPr>
           <p:cNvPr id="71" name="Shape 71"/>
-          <p:cNvSpPr txBox="1"/>
+          <p:cNvSpPr txBox="1">
+            <a:spLocks noGrp="1"/>
+          </p:cNvSpPr>
           <p:nvPr>
-            <p:ph idx="12" type="sldNum"/>
+            <p:ph type="sldNum" idx="12"/>
           </p:nvPr>
         </p:nvSpPr>
         <p:spPr>
           <a:xfrm>
-            <a:off y="4749850" x="8556791"/>
-            <a:ext cy="393600" cx="548699"/>
+            <a:off x="8556791" y="4749850"/>
+            <a:ext cx="548699" cy="393600"/>
           </a:xfrm>
           <a:prstGeom prst="rect">
             <a:avLst/>
           </a:prstGeom>
         </p:spPr>
         <p:txBody>
-          <a:bodyPr bIns="91425" rIns="91425" lIns="91425" tIns="91425" anchor="ctr" anchorCtr="0">
+          <a:bodyPr lIns="91425" tIns="91425" rIns="91425" bIns="91425" anchor="ctr" anchorCtr="0">
             <a:noAutofit/>
           </a:bodyPr>
           <a:lstStyle>
@@ -4872,8 +5137,15 @@
             </a:pPr>
             <a:fld id="{00000000-1234-1234-1234-123412341234}" type="slidenum">
               <a:rPr lang="en-GB"/>
+              <a:pPr>
+                <a:spcBef>
+                  <a:spcPts val="0"/>
+                </a:spcBef>
+                <a:buNone/>
+              </a:pPr>
               <a:t>‹#›</a:t>
             </a:fld>
+            <a:endParaRPr lang="en-GB"/>
           </a:p>
         </p:txBody>
       </p:sp>
@@ -4886,41 +5158,43 @@
 </file>
 
 <file path=ppt/slideLayouts/slideLayout5.xml><?xml version="1.0" encoding="utf-8"?>
-<p:sldLayout xmlns:a="http://schemas.openxmlformats.org/drawingml/2006/main" xmlns:r="http://schemas.openxmlformats.org/officeDocument/2006/relationships" xmlns:mc="http://schemas.openxmlformats.org/markup-compatibility/2006" xmlns:mv="urn:schemas-microsoft-com:mac:vml" xmlns:p="http://schemas.openxmlformats.org/presentationml/2006/main" xmlns:c="http://schemas.openxmlformats.org/drawingml/2006/chart" xmlns:dgm="http://schemas.openxmlformats.org/drawingml/2006/diagram" xmlns:o="urn:schemas-microsoft-com:office:office" xmlns:v="urn:schemas-microsoft-com:vml" xmlns:pvml="urn:schemas-microsoft-com:office:powerpoint" xmlns:com="http://schemas.openxmlformats.org/drawingml/2006/compatibility" xmlns:p14="http://schemas.microsoft.com/office/powerpoint/2010/main">
+<p:sldLayout xmlns:a="http://schemas.openxmlformats.org/drawingml/2006/main" xmlns:r="http://schemas.openxmlformats.org/officeDocument/2006/relationships" xmlns:p="http://schemas.openxmlformats.org/presentationml/2006/main">
   <p:cSld name="Caption">
     <p:spTree>
       <p:nvGrpSpPr>
-        <p:cNvPr id="72" name="Shape 72"/>
+        <p:cNvPr id="1" name="Shape 72"/>
         <p:cNvGrpSpPr/>
         <p:nvPr/>
       </p:nvGrpSpPr>
       <p:grpSpPr>
         <a:xfrm>
-          <a:off y="0" x="0"/>
-          <a:ext cy="0" cx="0"/>
-          <a:chOff y="0" x="0"/>
-          <a:chExt cy="0" cx="0"/>
+          <a:off x="0" y="0"/>
+          <a:ext cx="0" cy="0"/>
+          <a:chOff x="0" y="0"/>
+          <a:chExt cx="0" cy="0"/>
         </a:xfrm>
       </p:grpSpPr>
       <p:sp>
         <p:nvSpPr>
           <p:cNvPr id="73" name="Shape 73"/>
-          <p:cNvSpPr txBox="1"/>
+          <p:cNvSpPr txBox="1">
+            <a:spLocks noGrp="1"/>
+          </p:cNvSpPr>
           <p:nvPr>
-            <p:ph idx="1" type="body"/>
+            <p:ph type="body" idx="1"/>
           </p:nvPr>
         </p:nvSpPr>
         <p:spPr>
           <a:xfrm>
-            <a:off y="3320653" x="1574800"/>
-            <a:ext cy="513300" cx="5486399"/>
+            <a:off x="1574800" y="3320653"/>
+            <a:ext cx="5486399" cy="513300"/>
           </a:xfrm>
           <a:prstGeom prst="rect">
             <a:avLst/>
           </a:prstGeom>
         </p:spPr>
         <p:txBody>
-          <a:bodyPr bIns="91425" rIns="91425" lIns="91425" tIns="91425" anchor="t" anchorCtr="0"/>
+          <a:bodyPr lIns="91425" tIns="91425" rIns="91425" bIns="91425" anchor="t" anchorCtr="0"/>
           <a:lstStyle>
             <a:lvl1pPr algn="ctr">
               <a:spcBef>
@@ -4931,7 +5205,9 @@
               <a:defRPr sz="1800"/>
             </a:lvl1pPr>
           </a:lstStyle>
-          <a:p/>
+          <a:p>
+            <a:endParaRPr/>
+          </a:p>
         </p:txBody>
       </p:sp>
       <p:sp>
@@ -4942,26 +5218,31 @@
         </p:nvSpPr>
         <p:spPr>
           <a:xfrm>
-            <a:off y="2614612" x="3175"/>
-            <a:ext cy="611981" cx="635000"/>
+            <a:off x="3175" y="2614612"/>
+            <a:ext cx="635000" cy="611981"/>
           </a:xfrm>
           <a:custGeom>
+            <a:avLst/>
+            <a:gdLst/>
+            <a:ahLst/>
+            <a:cxnLst/>
+            <a:rect l="0" t="0" r="0" b="0"/>
             <a:pathLst>
-              <a:path w="400" extrusionOk="0" h="514">
+              <a:path w="400" h="514" extrusionOk="0">
                 <a:moveTo>
-                  <a:pt y="0" x="2"/>
+                  <a:pt x="2" y="0"/>
                 </a:moveTo>
                 <a:lnTo>
-                  <a:pt y="0" x="0"/>
-                </a:lnTo>
-                <a:lnTo>
-                  <a:pt y="514" x="0"/>
-                </a:lnTo>
-                <a:lnTo>
-                  <a:pt y="514" x="400"/>
-                </a:lnTo>
-                <a:lnTo>
-                  <a:pt y="0" x="2"/>
+                  <a:pt x="0" y="0"/>
+                </a:lnTo>
+                <a:lnTo>
+                  <a:pt x="0" y="514"/>
+                </a:lnTo>
+                <a:lnTo>
+                  <a:pt x="400" y="514"/>
+                </a:lnTo>
+                <a:lnTo>
+                  <a:pt x="2" y="0"/>
                 </a:lnTo>
                 <a:close/>
               </a:path>
@@ -4989,7 +5270,7 @@
           </a:ln>
         </p:spPr>
         <p:txBody>
-          <a:bodyPr bIns="45700" rIns="91425" lIns="91425" tIns="45700" anchor="t" anchorCtr="0">
+          <a:bodyPr lIns="91425" tIns="45700" rIns="91425" bIns="45700" anchor="t" anchorCtr="0">
             <a:noAutofit/>
           </a:bodyPr>
           <a:lstStyle/>
@@ -5000,9 +5281,6 @@
               </a:spcBef>
               <a:buNone/>
             </a:pPr>
-            <a:r>
-              <a:t/>
-            </a:r>
             <a:endParaRPr/>
           </a:p>
         </p:txBody>
@@ -5015,26 +5293,31 @@
         </p:nvSpPr>
         <p:spPr>
           <a:xfrm>
-            <a:off y="3226593" x="3175"/>
-            <a:ext cy="609600" cx="635000"/>
+            <a:off x="3175" y="3226593"/>
+            <a:ext cx="635000" cy="609600"/>
           </a:xfrm>
           <a:custGeom>
+            <a:avLst/>
+            <a:gdLst/>
+            <a:ahLst/>
+            <a:cxnLst/>
+            <a:rect l="0" t="0" r="0" b="0"/>
             <a:pathLst>
-              <a:path w="400" extrusionOk="0" h="512">
+              <a:path w="400" h="512" extrusionOk="0">
                 <a:moveTo>
-                  <a:pt y="0" x="400"/>
+                  <a:pt x="400" y="0"/>
                 </a:moveTo>
                 <a:lnTo>
-                  <a:pt y="0" x="0"/>
-                </a:lnTo>
-                <a:lnTo>
-                  <a:pt y="512" x="0"/>
-                </a:lnTo>
-                <a:lnTo>
-                  <a:pt y="512" x="2"/>
-                </a:lnTo>
-                <a:lnTo>
-                  <a:pt y="0" x="400"/>
+                  <a:pt x="0" y="0"/>
+                </a:lnTo>
+                <a:lnTo>
+                  <a:pt x="0" y="512"/>
+                </a:lnTo>
+                <a:lnTo>
+                  <a:pt x="2" y="512"/>
+                </a:lnTo>
+                <a:lnTo>
+                  <a:pt x="400" y="0"/>
                 </a:lnTo>
                 <a:close/>
               </a:path>
@@ -5062,7 +5345,7 @@
           </a:ln>
         </p:spPr>
         <p:txBody>
-          <a:bodyPr bIns="45700" rIns="91425" lIns="91425" tIns="45700" anchor="t" anchorCtr="0">
+          <a:bodyPr lIns="91425" tIns="45700" rIns="91425" bIns="45700" anchor="t" anchorCtr="0">
             <a:noAutofit/>
           </a:bodyPr>
           <a:lstStyle/>
@@ -5073,9 +5356,6 @@
               </a:spcBef>
               <a:buNone/>
             </a:pPr>
-            <a:r>
-              <a:t/>
-            </a:r>
             <a:endParaRPr/>
           </a:p>
         </p:txBody>
@@ -5088,26 +5368,31 @@
         </p:nvSpPr>
         <p:spPr>
           <a:xfrm>
-            <a:off y="4533900" x="152400"/>
-            <a:ext cy="609600" cx="1317625"/>
+            <a:off x="152400" y="4533900"/>
+            <a:ext cx="1317625" cy="609600"/>
           </a:xfrm>
           <a:custGeom>
+            <a:avLst/>
+            <a:gdLst/>
+            <a:ahLst/>
+            <a:cxnLst/>
+            <a:rect l="0" t="0" r="0" b="0"/>
             <a:pathLst>
-              <a:path w="830" extrusionOk="0" h="512">
+              <a:path w="830" h="512" extrusionOk="0">
                 <a:moveTo>
-                  <a:pt y="0" x="398"/>
+                  <a:pt x="398" y="0"/>
                 </a:moveTo>
                 <a:lnTo>
-                  <a:pt y="512" x="0"/>
-                </a:lnTo>
-                <a:lnTo>
-                  <a:pt y="512" x="432"/>
-                </a:lnTo>
-                <a:lnTo>
-                  <a:pt y="0" x="830"/>
-                </a:lnTo>
-                <a:lnTo>
-                  <a:pt y="0" x="398"/>
+                  <a:pt x="0" y="512"/>
+                </a:lnTo>
+                <a:lnTo>
+                  <a:pt x="432" y="512"/>
+                </a:lnTo>
+                <a:lnTo>
+                  <a:pt x="830" y="0"/>
+                </a:lnTo>
+                <a:lnTo>
+                  <a:pt x="398" y="0"/>
                 </a:lnTo>
                 <a:close/>
               </a:path>
@@ -5135,7 +5420,7 @@
           </a:ln>
         </p:spPr>
         <p:txBody>
-          <a:bodyPr bIns="45700" rIns="91425" lIns="91425" tIns="45700" anchor="t" anchorCtr="0">
+          <a:bodyPr lIns="91425" tIns="45700" rIns="91425" bIns="45700" anchor="t" anchorCtr="0">
             <a:noAutofit/>
           </a:bodyPr>
           <a:lstStyle/>
@@ -5146,9 +5431,6 @@
               </a:spcBef>
               <a:buNone/>
             </a:pPr>
-            <a:r>
-              <a:t/>
-            </a:r>
             <a:endParaRPr/>
           </a:p>
         </p:txBody>
@@ -5161,26 +5443,31 @@
         </p:nvSpPr>
         <p:spPr>
           <a:xfrm>
-            <a:off y="3924300" x="152400"/>
-            <a:ext cy="609600" cx="1317625"/>
+            <a:off x="152400" y="3924300"/>
+            <a:ext cx="1317625" cy="609600"/>
           </a:xfrm>
           <a:custGeom>
+            <a:avLst/>
+            <a:gdLst/>
+            <a:ahLst/>
+            <a:cxnLst/>
+            <a:rect l="0" t="0" r="0" b="0"/>
             <a:pathLst>
-              <a:path w="830" extrusionOk="0" h="512">
+              <a:path w="830" h="512" extrusionOk="0">
                 <a:moveTo>
-                  <a:pt y="512" x="398"/>
+                  <a:pt x="398" y="512"/>
                 </a:moveTo>
                 <a:lnTo>
-                  <a:pt y="512" x="830"/>
-                </a:lnTo>
-                <a:lnTo>
-                  <a:pt y="0" x="432"/>
-                </a:lnTo>
-                <a:lnTo>
-                  <a:pt y="0" x="0"/>
-                </a:lnTo>
-                <a:lnTo>
-                  <a:pt y="512" x="398"/>
+                  <a:pt x="830" y="512"/>
+                </a:lnTo>
+                <a:lnTo>
+                  <a:pt x="432" y="0"/>
+                </a:lnTo>
+                <a:lnTo>
+                  <a:pt x="0" y="0"/>
+                </a:lnTo>
+                <a:lnTo>
+                  <a:pt x="398" y="512"/>
                 </a:lnTo>
                 <a:close/>
               </a:path>
@@ -5208,7 +5495,7 @@
           </a:ln>
         </p:spPr>
         <p:txBody>
-          <a:bodyPr bIns="45700" rIns="91425" lIns="91425" tIns="45700" anchor="t" anchorCtr="0">
+          <a:bodyPr lIns="91425" tIns="45700" rIns="91425" bIns="45700" anchor="t" anchorCtr="0">
             <a:noAutofit/>
           </a:bodyPr>
           <a:lstStyle/>
@@ -5219,9 +5506,6 @@
               </a:spcBef>
               <a:buNone/>
             </a:pPr>
-            <a:r>
-              <a:t/>
-            </a:r>
             <a:endParaRPr/>
           </a:p>
         </p:txBody>
@@ -5234,29 +5518,34 @@
         </p:nvSpPr>
         <p:spPr>
           <a:xfrm>
-            <a:off y="0" x="7415211"/>
-            <a:ext cy="612226" cx="1555750"/>
+            <a:off x="7415211" y="0"/>
+            <a:ext cx="1555750" cy="612226"/>
           </a:xfrm>
           <a:custGeom>
+            <a:avLst/>
+            <a:gdLst/>
+            <a:ahLst/>
+            <a:cxnLst/>
+            <a:rect l="0" t="0" r="0" b="0"/>
             <a:pathLst>
-              <a:path w="980" extrusionOk="0" h="607">
+              <a:path w="980" h="607" extrusionOk="0">
                 <a:moveTo>
-                  <a:pt y="607" x="510"/>
+                  <a:pt x="510" y="607"/>
                 </a:moveTo>
                 <a:lnTo>
-                  <a:pt y="0" x="980"/>
-                </a:lnTo>
-                <a:lnTo>
-                  <a:pt y="0" x="470"/>
-                </a:lnTo>
-                <a:lnTo>
-                  <a:pt y="607" x="0"/>
-                </a:lnTo>
-                <a:lnTo>
-                  <a:pt y="607" x="510"/>
-                </a:lnTo>
-                <a:lnTo>
-                  <a:pt y="607" x="510"/>
+                  <a:pt x="980" y="0"/>
+                </a:lnTo>
+                <a:lnTo>
+                  <a:pt x="470" y="0"/>
+                </a:lnTo>
+                <a:lnTo>
+                  <a:pt x="0" y="607"/>
+                </a:lnTo>
+                <a:lnTo>
+                  <a:pt x="510" y="607"/>
+                </a:lnTo>
+                <a:lnTo>
+                  <a:pt x="510" y="607"/>
                 </a:lnTo>
                 <a:close/>
               </a:path>
@@ -5284,7 +5573,7 @@
           </a:ln>
         </p:spPr>
         <p:txBody>
-          <a:bodyPr bIns="45700" rIns="91425" lIns="91425" tIns="45700" anchor="t" anchorCtr="0">
+          <a:bodyPr lIns="91425" tIns="45700" rIns="91425" bIns="45700" anchor="t" anchorCtr="0">
             <a:noAutofit/>
           </a:bodyPr>
           <a:lstStyle/>
@@ -5295,9 +5584,6 @@
               </a:spcBef>
               <a:buNone/>
             </a:pPr>
-            <a:r>
-              <a:t/>
-            </a:r>
             <a:endParaRPr/>
           </a:p>
         </p:txBody>
@@ -5310,23 +5596,28 @@
         </p:nvSpPr>
         <p:spPr>
           <a:xfrm>
-            <a:off y="1310183" x="8397875"/>
-            <a:ext cy="610209" cx="746125"/>
+            <a:off x="8397875" y="1310183"/>
+            <a:ext cx="746125" cy="610209"/>
           </a:xfrm>
           <a:custGeom>
+            <a:avLst/>
+            <a:gdLst/>
+            <a:ahLst/>
+            <a:cxnLst/>
+            <a:rect l="0" t="0" r="0" b="0"/>
             <a:pathLst>
-              <a:path w="470" extrusionOk="0" h="605">
+              <a:path w="470" h="605" extrusionOk="0">
                 <a:moveTo>
-                  <a:pt y="0" x="470"/>
+                  <a:pt x="470" y="0"/>
                 </a:moveTo>
                 <a:lnTo>
-                  <a:pt y="605" x="0"/>
-                </a:lnTo>
-                <a:lnTo>
-                  <a:pt y="605" x="470"/>
-                </a:lnTo>
-                <a:lnTo>
-                  <a:pt y="0" x="470"/>
+                  <a:pt x="0" y="605"/>
+                </a:lnTo>
+                <a:lnTo>
+                  <a:pt x="470" y="605"/>
+                </a:lnTo>
+                <a:lnTo>
+                  <a:pt x="470" y="0"/>
                 </a:lnTo>
                 <a:close/>
               </a:path>
@@ -5354,7 +5645,7 @@
           </a:ln>
         </p:spPr>
         <p:txBody>
-          <a:bodyPr bIns="45700" rIns="91425" lIns="91425" tIns="45700" anchor="t" anchorCtr="0">
+          <a:bodyPr lIns="91425" tIns="45700" rIns="91425" bIns="45700" anchor="t" anchorCtr="0">
             <a:noAutofit/>
           </a:bodyPr>
           <a:lstStyle/>
@@ -5365,9 +5656,6 @@
               </a:spcBef>
               <a:buNone/>
             </a:pPr>
-            <a:r>
-              <a:t/>
-            </a:r>
             <a:endParaRPr/>
           </a:p>
         </p:txBody>
@@ -5380,23 +5668,28 @@
         </p:nvSpPr>
         <p:spPr>
           <a:xfrm>
-            <a:off y="1920392" x="8397875"/>
-            <a:ext cy="610209" cx="746125"/>
+            <a:off x="8397875" y="1920392"/>
+            <a:ext cx="746125" cy="610209"/>
           </a:xfrm>
           <a:custGeom>
+            <a:avLst/>
+            <a:gdLst/>
+            <a:ahLst/>
+            <a:cxnLst/>
+            <a:rect l="0" t="0" r="0" b="0"/>
             <a:pathLst>
-              <a:path w="470" extrusionOk="0" h="605">
+              <a:path w="470" h="605" extrusionOk="0">
                 <a:moveTo>
-                  <a:pt y="0" x="0"/>
+                  <a:pt x="0" y="0"/>
                 </a:moveTo>
                 <a:lnTo>
-                  <a:pt y="605" x="470"/>
-                </a:lnTo>
-                <a:lnTo>
-                  <a:pt y="0" x="470"/>
-                </a:lnTo>
-                <a:lnTo>
-                  <a:pt y="0" x="0"/>
+                  <a:pt x="470" y="605"/>
+                </a:lnTo>
+                <a:lnTo>
+                  <a:pt x="470" y="0"/>
+                </a:lnTo>
+                <a:lnTo>
+                  <a:pt x="0" y="0"/>
                 </a:lnTo>
                 <a:close/>
               </a:path>
@@ -5424,7 +5717,7 @@
           </a:ln>
         </p:spPr>
         <p:txBody>
-          <a:bodyPr bIns="45700" rIns="91425" lIns="91425" tIns="45700" anchor="t" anchorCtr="0">
+          <a:bodyPr lIns="91425" tIns="45700" rIns="91425" bIns="45700" anchor="t" anchorCtr="0">
             <a:noAutofit/>
           </a:bodyPr>
           <a:lstStyle/>
@@ -5435,9 +5728,6 @@
               </a:spcBef>
               <a:buNone/>
             </a:pPr>
-            <a:r>
-              <a:t/>
-            </a:r>
             <a:endParaRPr/>
           </a:p>
         </p:txBody>
@@ -5450,29 +5740,34 @@
         </p:nvSpPr>
         <p:spPr>
           <a:xfrm>
-            <a:off y="612225" x="7415211"/>
-            <a:ext cy="610209" cx="1555750"/>
+            <a:off x="7415211" y="612225"/>
+            <a:ext cx="1555750" cy="610209"/>
           </a:xfrm>
           <a:custGeom>
+            <a:avLst/>
+            <a:gdLst/>
+            <a:ahLst/>
+            <a:cxnLst/>
+            <a:rect l="0" t="0" r="0" b="0"/>
             <a:pathLst>
-              <a:path w="980" extrusionOk="0" h="605">
+              <a:path w="980" h="605" extrusionOk="0">
                 <a:moveTo>
-                  <a:pt y="0" x="510"/>
+                  <a:pt x="510" y="0"/>
                 </a:moveTo>
                 <a:lnTo>
-                  <a:pt y="605" x="980"/>
-                </a:lnTo>
-                <a:lnTo>
-                  <a:pt y="605" x="470"/>
-                </a:lnTo>
-                <a:lnTo>
-                  <a:pt y="0" x="0"/>
-                </a:lnTo>
-                <a:lnTo>
-                  <a:pt y="0" x="510"/>
-                </a:lnTo>
-                <a:lnTo>
-                  <a:pt y="0" x="510"/>
+                  <a:pt x="980" y="605"/>
+                </a:lnTo>
+                <a:lnTo>
+                  <a:pt x="470" y="605"/>
+                </a:lnTo>
+                <a:lnTo>
+                  <a:pt x="0" y="0"/>
+                </a:lnTo>
+                <a:lnTo>
+                  <a:pt x="510" y="0"/>
+                </a:lnTo>
+                <a:lnTo>
+                  <a:pt x="510" y="0"/>
                 </a:lnTo>
                 <a:close/>
               </a:path>
@@ -5500,7 +5795,7 @@
           </a:ln>
         </p:spPr>
         <p:txBody>
-          <a:bodyPr bIns="45700" rIns="91425" lIns="91425" tIns="45700" anchor="t" anchorCtr="0">
+          <a:bodyPr lIns="91425" tIns="45700" rIns="91425" bIns="45700" anchor="t" anchorCtr="0">
             <a:noAutofit/>
           </a:bodyPr>
           <a:lstStyle/>
@@ -5511,9 +5806,6 @@
               </a:spcBef>
               <a:buNone/>
             </a:pPr>
-            <a:r>
-              <a:t/>
-            </a:r>
             <a:endParaRPr/>
           </a:p>
         </p:txBody>
@@ -5521,22 +5813,24 @@
       <p:sp>
         <p:nvSpPr>
           <p:cNvPr id="82" name="Shape 82"/>
-          <p:cNvSpPr txBox="1"/>
+          <p:cNvSpPr txBox="1">
+            <a:spLocks noGrp="1"/>
+          </p:cNvSpPr>
           <p:nvPr>
-            <p:ph idx="12" type="sldNum"/>
+            <p:ph type="sldNum" idx="12"/>
           </p:nvPr>
         </p:nvSpPr>
         <p:spPr>
           <a:xfrm>
-            <a:off y="4749850" x="8556791"/>
-            <a:ext cy="393600" cx="548699"/>
+            <a:off x="8556791" y="4749850"/>
+            <a:ext cx="548699" cy="393600"/>
           </a:xfrm>
           <a:prstGeom prst="rect">
             <a:avLst/>
           </a:prstGeom>
         </p:spPr>
         <p:txBody>
-          <a:bodyPr bIns="91425" rIns="91425" lIns="91425" tIns="91425" anchor="ctr" anchorCtr="0">
+          <a:bodyPr lIns="91425" tIns="91425" rIns="91425" bIns="91425" anchor="ctr" anchorCtr="0">
             <a:noAutofit/>
           </a:bodyPr>
           <a:lstStyle>
@@ -5557,8 +5851,15 @@
             </a:pPr>
             <a:fld id="{00000000-1234-1234-1234-123412341234}" type="slidenum">
               <a:rPr lang="en-GB"/>
+              <a:pPr>
+                <a:spcBef>
+                  <a:spcPts val="0"/>
+                </a:spcBef>
+                <a:buNone/>
+              </a:pPr>
               <a:t>‹#›</a:t>
             </a:fld>
+            <a:endParaRPr lang="en-GB"/>
           </a:p>
         </p:txBody>
       </p:sp>
@@ -5571,41 +5872,43 @@
 </file>
 
 <file path=ppt/slideLayouts/slideLayout6.xml><?xml version="1.0" encoding="utf-8"?>
-<p:sldLayout xmlns:a="http://schemas.openxmlformats.org/drawingml/2006/main" xmlns:r="http://schemas.openxmlformats.org/officeDocument/2006/relationships" xmlns:mc="http://schemas.openxmlformats.org/markup-compatibility/2006" xmlns:mv="urn:schemas-microsoft-com:mac:vml" xmlns:p="http://schemas.openxmlformats.org/presentationml/2006/main" xmlns:c="http://schemas.openxmlformats.org/drawingml/2006/chart" xmlns:dgm="http://schemas.openxmlformats.org/drawingml/2006/diagram" xmlns:o="urn:schemas-microsoft-com:office:office" xmlns:v="urn:schemas-microsoft-com:vml" xmlns:pvml="urn:schemas-microsoft-com:office:powerpoint" xmlns:com="http://schemas.openxmlformats.org/drawingml/2006/compatibility" xmlns:p14="http://schemas.microsoft.com/office/powerpoint/2010/main" type="blank">
+<p:sldLayout xmlns:a="http://schemas.openxmlformats.org/drawingml/2006/main" xmlns:r="http://schemas.openxmlformats.org/officeDocument/2006/relationships" xmlns:p="http://schemas.openxmlformats.org/presentationml/2006/main" type="blank">
   <p:cSld name="Blank">
     <p:spTree>
       <p:nvGrpSpPr>
-        <p:cNvPr id="83" name="Shape 83"/>
+        <p:cNvPr id="1" name="Shape 83"/>
         <p:cNvGrpSpPr/>
         <p:nvPr/>
       </p:nvGrpSpPr>
       <p:grpSpPr>
         <a:xfrm>
-          <a:off y="0" x="0"/>
-          <a:ext cy="0" cx="0"/>
-          <a:chOff y="0" x="0"/>
-          <a:chExt cy="0" cx="0"/>
+          <a:off x="0" y="0"/>
+          <a:ext cx="0" cy="0"/>
+          <a:chOff x="0" y="0"/>
+          <a:chExt cx="0" cy="0"/>
         </a:xfrm>
       </p:grpSpPr>
       <p:sp>
         <p:nvSpPr>
           <p:cNvPr id="84" name="Shape 84"/>
-          <p:cNvSpPr txBox="1"/>
+          <p:cNvSpPr txBox="1">
+            <a:spLocks noGrp="1"/>
+          </p:cNvSpPr>
           <p:nvPr>
-            <p:ph idx="12" type="sldNum"/>
+            <p:ph type="sldNum" idx="12"/>
           </p:nvPr>
         </p:nvSpPr>
         <p:spPr>
           <a:xfrm>
-            <a:off y="4749850" x="8556791"/>
-            <a:ext cy="393600" cx="548699"/>
+            <a:off x="8556791" y="4749850"/>
+            <a:ext cx="548699" cy="393600"/>
           </a:xfrm>
           <a:prstGeom prst="rect">
             <a:avLst/>
           </a:prstGeom>
         </p:spPr>
         <p:txBody>
-          <a:bodyPr bIns="91425" rIns="91425" lIns="91425" tIns="91425" anchor="ctr" anchorCtr="0">
+          <a:bodyPr lIns="91425" tIns="91425" rIns="91425" bIns="91425" anchor="ctr" anchorCtr="0">
             <a:noAutofit/>
           </a:bodyPr>
           <a:lstStyle>
@@ -5626,8 +5929,15 @@
             </a:pPr>
             <a:fld id="{00000000-1234-1234-1234-123412341234}" type="slidenum">
               <a:rPr lang="en-GB"/>
+              <a:pPr>
+                <a:spcBef>
+                  <a:spcPts val="0"/>
+                </a:spcBef>
+                <a:buNone/>
+              </a:pPr>
               <a:t>‹#›</a:t>
             </a:fld>
+            <a:endParaRPr lang="en-GB"/>
           </a:p>
         </p:txBody>
       </p:sp>
@@ -5640,7 +5950,7 @@
 </file>
 
 <file path=ppt/slideMasters/slideMaster1.xml><?xml version="1.0" encoding="utf-8"?>
-<p:sldMaster xmlns:a="http://schemas.openxmlformats.org/drawingml/2006/main" xmlns:r="http://schemas.openxmlformats.org/officeDocument/2006/relationships" xmlns:mc="http://schemas.openxmlformats.org/markup-compatibility/2006" xmlns:mv="urn:schemas-microsoft-com:mac:vml" xmlns:p="http://schemas.openxmlformats.org/presentationml/2006/main" xmlns:c="http://schemas.openxmlformats.org/drawingml/2006/chart" xmlns:dgm="http://schemas.openxmlformats.org/drawingml/2006/diagram" xmlns:o="urn:schemas-microsoft-com:office:office" xmlns:v="urn:schemas-microsoft-com:vml" xmlns:pvml="urn:schemas-microsoft-com:office:powerpoint" xmlns:com="http://schemas.openxmlformats.org/drawingml/2006/compatibility" xmlns:p14="http://schemas.microsoft.com/office/powerpoint/2010/main">
+<p:sldMaster xmlns:a="http://schemas.openxmlformats.org/drawingml/2006/main" xmlns:r="http://schemas.openxmlformats.org/officeDocument/2006/relationships" xmlns:p="http://schemas.openxmlformats.org/presentationml/2006/main">
   <p:cSld>
     <p:bg>
       <p:bgPr>
@@ -5654,38 +5964,41 @@
             </a:gs>
           </a:gsLst>
           <a:path path="circle">
-            <a:fillToRect t="100%" r="100%"/>
+            <a:fillToRect/>
           </a:path>
-          <a:tileRect b="-100%" l="-100%"/>
+          <a:tileRect/>
         </a:gradFill>
+        <a:effectLst/>
       </p:bgPr>
     </p:bg>
     <p:spTree>
       <p:nvGrpSpPr>
-        <p:cNvPr id="4" name="Shape 4"/>
+        <p:cNvPr id="1" name="Shape 4"/>
         <p:cNvGrpSpPr/>
         <p:nvPr/>
       </p:nvGrpSpPr>
       <p:grpSpPr>
         <a:xfrm>
-          <a:off y="0" x="0"/>
-          <a:ext cy="0" cx="0"/>
-          <a:chOff y="0" x="0"/>
-          <a:chExt cy="0" cx="0"/>
+          <a:off x="0" y="0"/>
+          <a:ext cx="0" cy="0"/>
+          <a:chOff x="0" y="0"/>
+          <a:chExt cx="0" cy="0"/>
         </a:xfrm>
       </p:grpSpPr>
       <p:sp>
         <p:nvSpPr>
           <p:cNvPr id="5" name="Shape 5"/>
-          <p:cNvSpPr txBox="1"/>
+          <p:cNvSpPr txBox="1">
+            <a:spLocks noGrp="1"/>
+          </p:cNvSpPr>
           <p:nvPr>
             <p:ph type="title"/>
           </p:nvPr>
         </p:nvSpPr>
         <p:spPr>
           <a:xfrm>
-            <a:off y="205978" x="457200"/>
-            <a:ext cy="857400" cx="6879600"/>
+            <a:off x="457200" y="205978"/>
+            <a:ext cx="6879600" cy="857400"/>
           </a:xfrm>
           <a:prstGeom prst="rect">
             <a:avLst/>
@@ -5696,7 +6009,7 @@
           </a:ln>
         </p:spPr>
         <p:txBody>
-          <a:bodyPr bIns="91425" rIns="91425" lIns="91425" tIns="91425" anchor="b" anchorCtr="0"/>
+          <a:bodyPr lIns="91425" tIns="91425" rIns="91425" bIns="91425" anchor="b" anchorCtr="0"/>
           <a:lstStyle>
             <a:lvl1pPr>
               <a:spcBef>
@@ -5834,21 +6147,25 @@
               </a:defRPr>
             </a:lvl9pPr>
           </a:lstStyle>
-          <a:p/>
+          <a:p>
+            <a:endParaRPr/>
+          </a:p>
         </p:txBody>
       </p:sp>
       <p:sp>
         <p:nvSpPr>
           <p:cNvPr id="6" name="Shape 6"/>
-          <p:cNvSpPr txBox="1"/>
+          <p:cNvSpPr txBox="1">
+            <a:spLocks noGrp="1"/>
+          </p:cNvSpPr>
           <p:nvPr>
-            <p:ph idx="1" type="body"/>
+            <p:ph type="body" idx="1"/>
           </p:nvPr>
         </p:nvSpPr>
         <p:spPr>
           <a:xfrm>
-            <a:off y="1200150" x="457200"/>
-            <a:ext cy="3394500" cx="8229600"/>
+            <a:off x="457200" y="1200150"/>
+            <a:ext cx="8229600" cy="3394500"/>
           </a:xfrm>
           <a:prstGeom prst="rect">
             <a:avLst/>
@@ -5859,7 +6176,7 @@
           </a:ln>
         </p:spPr>
         <p:txBody>
-          <a:bodyPr bIns="91425" rIns="91425" lIns="91425" tIns="91425" anchor="t" anchorCtr="0"/>
+          <a:bodyPr lIns="91425" tIns="91425" rIns="91425" bIns="91425" anchor="t" anchorCtr="0"/>
           <a:lstStyle>
             <a:lvl1pPr>
               <a:spcBef>
@@ -5988,7 +6305,9 @@
               </a:defRPr>
             </a:lvl9pPr>
           </a:lstStyle>
-          <a:p/>
+          <a:p>
+            <a:endParaRPr/>
+          </a:p>
         </p:txBody>
       </p:sp>
       <p:sp>
@@ -5999,8 +6318,8 @@
         </p:nvSpPr>
         <p:spPr>
           <a:xfrm>
-            <a:off y="0" x="0"/>
-            <a:ext cy="5143499" cx="3135299"/>
+            <a:off x="0" y="0"/>
+            <a:ext cx="3135299" cy="5143499"/>
           </a:xfrm>
           <a:prstGeom prst="rect">
             <a:avLst/>
@@ -6011,7 +6330,7 @@
           </a:ln>
         </p:spPr>
         <p:txBody>
-          <a:bodyPr bIns="45700" rIns="91425" lIns="91425" tIns="45700" anchor="t" anchorCtr="0">
+          <a:bodyPr lIns="91425" tIns="45700" rIns="91425" bIns="45700" anchor="t" anchorCtr="0">
             <a:noAutofit/>
           </a:bodyPr>
           <a:lstStyle/>
@@ -6022,9 +6341,6 @@
               </a:spcBef>
               <a:buNone/>
             </a:pPr>
-            <a:r>
-              <a:t/>
-            </a:r>
             <a:endParaRPr/>
           </a:p>
         </p:txBody>
@@ -6037,26 +6353,31 @@
         </p:nvSpPr>
         <p:spPr>
           <a:xfrm>
-            <a:off y="4533900" x="3175"/>
-            <a:ext cy="609600" cx="635000"/>
+            <a:off x="3175" y="4533900"/>
+            <a:ext cx="635000" cy="609600"/>
           </a:xfrm>
           <a:custGeom>
+            <a:avLst/>
+            <a:gdLst/>
+            <a:ahLst/>
+            <a:cxnLst/>
+            <a:rect l="0" t="0" r="0" b="0"/>
             <a:pathLst>
-              <a:path w="400" extrusionOk="0" h="512">
+              <a:path w="400" h="512" extrusionOk="0">
                 <a:moveTo>
-                  <a:pt y="0" x="400"/>
+                  <a:pt x="400" y="0"/>
                 </a:moveTo>
                 <a:lnTo>
-                  <a:pt y="0" x="0"/>
-                </a:lnTo>
-                <a:lnTo>
-                  <a:pt y="512" x="0"/>
-                </a:lnTo>
-                <a:lnTo>
-                  <a:pt y="512" x="2"/>
-                </a:lnTo>
-                <a:lnTo>
-                  <a:pt y="0" x="400"/>
+                  <a:pt x="0" y="0"/>
+                </a:lnTo>
+                <a:lnTo>
+                  <a:pt x="0" y="512"/>
+                </a:lnTo>
+                <a:lnTo>
+                  <a:pt x="2" y="512"/>
+                </a:lnTo>
+                <a:lnTo>
+                  <a:pt x="400" y="0"/>
                 </a:lnTo>
                 <a:close/>
               </a:path>
@@ -6084,7 +6405,7 @@
           </a:ln>
         </p:spPr>
         <p:txBody>
-          <a:bodyPr bIns="45700" rIns="91425" lIns="91425" tIns="45700" anchor="t" anchorCtr="0">
+          <a:bodyPr lIns="91425" tIns="45700" rIns="91425" bIns="45700" anchor="t" anchorCtr="0">
             <a:noAutofit/>
           </a:bodyPr>
           <a:lstStyle/>
@@ -6095,9 +6416,6 @@
               </a:spcBef>
               <a:buNone/>
             </a:pPr>
-            <a:r>
-              <a:t/>
-            </a:r>
             <a:endParaRPr/>
           </a:p>
         </p:txBody>
@@ -6110,26 +6428,31 @@
         </p:nvSpPr>
         <p:spPr>
           <a:xfrm>
-            <a:off y="3924300" x="3175"/>
-            <a:ext cy="609600" cx="635000"/>
+            <a:off x="3175" y="3924300"/>
+            <a:ext cx="635000" cy="609600"/>
           </a:xfrm>
           <a:custGeom>
+            <a:avLst/>
+            <a:gdLst/>
+            <a:ahLst/>
+            <a:cxnLst/>
+            <a:rect l="0" t="0" r="0" b="0"/>
             <a:pathLst>
-              <a:path w="400" extrusionOk="0" h="512">
+              <a:path w="400" h="512" extrusionOk="0">
                 <a:moveTo>
-                  <a:pt y="512" x="400"/>
+                  <a:pt x="400" y="512"/>
                 </a:moveTo>
                 <a:lnTo>
-                  <a:pt y="0" x="2"/>
-                </a:lnTo>
-                <a:lnTo>
-                  <a:pt y="0" x="0"/>
-                </a:lnTo>
-                <a:lnTo>
-                  <a:pt y="512" x="0"/>
-                </a:lnTo>
-                <a:lnTo>
-                  <a:pt y="512" x="400"/>
+                  <a:pt x="2" y="0"/>
+                </a:lnTo>
+                <a:lnTo>
+                  <a:pt x="0" y="0"/>
+                </a:lnTo>
+                <a:lnTo>
+                  <a:pt x="0" y="512"/>
+                </a:lnTo>
+                <a:lnTo>
+                  <a:pt x="400" y="512"/>
                 </a:lnTo>
                 <a:close/>
               </a:path>
@@ -6157,7 +6480,7 @@
           </a:ln>
         </p:spPr>
         <p:txBody>
-          <a:bodyPr bIns="45700" rIns="91425" lIns="91425" tIns="45700" anchor="t" anchorCtr="0">
+          <a:bodyPr lIns="91425" tIns="45700" rIns="91425" bIns="45700" anchor="t" anchorCtr="0">
             <a:noAutofit/>
           </a:bodyPr>
           <a:lstStyle/>
@@ -6168,9 +6491,6 @@
               </a:spcBef>
               <a:buNone/>
             </a:pPr>
-            <a:r>
-              <a:t/>
-            </a:r>
             <a:endParaRPr/>
           </a:p>
         </p:txBody>
@@ -6183,23 +6503,28 @@
         </p:nvSpPr>
         <p:spPr>
           <a:xfrm>
-            <a:off y="2017" x="8397875"/>
-            <a:ext cy="610209" cx="746125"/>
+            <a:off x="8397875" y="2017"/>
+            <a:ext cx="746125" cy="610209"/>
           </a:xfrm>
           <a:custGeom>
+            <a:avLst/>
+            <a:gdLst/>
+            <a:ahLst/>
+            <a:cxnLst/>
+            <a:rect l="0" t="0" r="0" b="0"/>
             <a:pathLst>
-              <a:path w="470" extrusionOk="0" h="605">
+              <a:path w="470" h="605" extrusionOk="0">
                 <a:moveTo>
-                  <a:pt y="0" x="470"/>
+                  <a:pt x="470" y="0"/>
                 </a:moveTo>
                 <a:lnTo>
-                  <a:pt y="605" x="0"/>
-                </a:lnTo>
-                <a:lnTo>
-                  <a:pt y="605" x="470"/>
-                </a:lnTo>
-                <a:lnTo>
-                  <a:pt y="0" x="470"/>
+                  <a:pt x="0" y="605"/>
+                </a:lnTo>
+                <a:lnTo>
+                  <a:pt x="470" y="605"/>
+                </a:lnTo>
+                <a:lnTo>
+                  <a:pt x="470" y="0"/>
                 </a:lnTo>
                 <a:close/>
               </a:path>
@@ -6227,7 +6552,7 @@
           </a:ln>
         </p:spPr>
         <p:txBody>
-          <a:bodyPr bIns="45700" rIns="91425" lIns="91425" tIns="45700" anchor="t" anchorCtr="0">
+          <a:bodyPr lIns="91425" tIns="45700" rIns="91425" bIns="45700" anchor="t" anchorCtr="0">
             <a:noAutofit/>
           </a:bodyPr>
           <a:lstStyle/>
@@ -6238,9 +6563,6 @@
               </a:spcBef>
               <a:buNone/>
             </a:pPr>
-            <a:r>
-              <a:t/>
-            </a:r>
             <a:endParaRPr/>
           </a:p>
         </p:txBody>
@@ -6253,23 +6575,28 @@
         </p:nvSpPr>
         <p:spPr>
           <a:xfrm>
-            <a:off y="612225" x="8397875"/>
-            <a:ext cy="607183" cx="746125"/>
+            <a:off x="8397875" y="612225"/>
+            <a:ext cx="746125" cy="607183"/>
           </a:xfrm>
           <a:custGeom>
+            <a:avLst/>
+            <a:gdLst/>
+            <a:ahLst/>
+            <a:cxnLst/>
+            <a:rect l="0" t="0" r="0" b="0"/>
             <a:pathLst>
-              <a:path w="470" extrusionOk="0" h="602">
+              <a:path w="470" h="602" extrusionOk="0">
                 <a:moveTo>
-                  <a:pt y="0" x="0"/>
+                  <a:pt x="0" y="0"/>
                 </a:moveTo>
                 <a:lnTo>
-                  <a:pt y="602" x="470"/>
-                </a:lnTo>
-                <a:lnTo>
-                  <a:pt y="0" x="470"/>
-                </a:lnTo>
-                <a:lnTo>
-                  <a:pt y="0" x="0"/>
+                  <a:pt x="470" y="602"/>
+                </a:lnTo>
+                <a:lnTo>
+                  <a:pt x="470" y="0"/>
+                </a:lnTo>
+                <a:lnTo>
+                  <a:pt x="0" y="0"/>
                 </a:lnTo>
                 <a:close/>
               </a:path>
@@ -6297,7 +6624,7 @@
           </a:ln>
         </p:spPr>
         <p:txBody>
-          <a:bodyPr bIns="45700" rIns="91425" lIns="91425" tIns="45700" anchor="t" anchorCtr="0">
+          <a:bodyPr lIns="91425" tIns="45700" rIns="91425" bIns="45700" anchor="t" anchorCtr="0">
             <a:noAutofit/>
           </a:bodyPr>
           <a:lstStyle/>
@@ -6308,9 +6635,6 @@
               </a:spcBef>
               <a:buNone/>
             </a:pPr>
-            <a:r>
-              <a:t/>
-            </a:r>
             <a:endParaRPr/>
           </a:p>
         </p:txBody>
@@ -6318,15 +6642,17 @@
       <p:sp>
         <p:nvSpPr>
           <p:cNvPr id="12" name="Shape 12"/>
-          <p:cNvSpPr txBox="1"/>
+          <p:cNvSpPr txBox="1">
+            <a:spLocks noGrp="1"/>
+          </p:cNvSpPr>
           <p:nvPr>
-            <p:ph idx="12" type="sldNum"/>
+            <p:ph type="sldNum" idx="12"/>
           </p:nvPr>
         </p:nvSpPr>
         <p:spPr>
           <a:xfrm>
-            <a:off y="4749850" x="8556791"/>
-            <a:ext cy="393600" cx="548699"/>
+            <a:off x="8556791" y="4749850"/>
+            <a:ext cx="548699" cy="393600"/>
           </a:xfrm>
           <a:prstGeom prst="rect">
             <a:avLst/>
@@ -6337,7 +6663,7 @@
           </a:ln>
         </p:spPr>
         <p:txBody>
-          <a:bodyPr bIns="91425" rIns="91425" lIns="91425" tIns="91425" anchor="ctr" anchorCtr="0">
+          <a:bodyPr lIns="91425" tIns="91425" rIns="91425" bIns="91425" anchor="ctr" anchorCtr="0">
             <a:noAutofit/>
           </a:bodyPr>
           <a:lstStyle>
@@ -6362,14 +6688,21 @@
             </a:pPr>
             <a:fld id="{00000000-1234-1234-1234-123412341234}" type="slidenum">
               <a:rPr lang="en-GB"/>
+              <a:pPr>
+                <a:spcBef>
+                  <a:spcPts val="0"/>
+                </a:spcBef>
+                <a:buNone/>
+              </a:pPr>
               <a:t>‹#›</a:t>
             </a:fld>
+            <a:endParaRPr lang="en-GB"/>
           </a:p>
         </p:txBody>
       </p:sp>
     </p:spTree>
   </p:cSld>
-  <p:clrMap accent2="accent2" accent3="accent3" accent4="accent4" accent5="accent5" accent6="accent6" hlink="hlink" tx2="lt2" tx1="dk1" bg2="dk2" bg1="lt1" folHlink="folHlink" accent1="accent1"/>
+  <p:clrMap bg1="lt1" tx1="dk1" bg2="dk2" tx2="lt2" accent1="accent1" accent2="accent2" accent3="accent3" accent4="accent4" accent5="accent5" accent6="accent6" hlink="hlink" folHlink="folHlink"/>
   <p:sldLayoutIdLst>
     <p:sldLayoutId id="2147483648" r:id="rId1"/>
     <p:sldLayoutId id="2147483649" r:id="rId2"/>
@@ -6378,10 +6711,10 @@
     <p:sldLayoutId id="2147483652" r:id="rId5"/>
     <p:sldLayoutId id="2147483653" r:id="rId6"/>
   </p:sldLayoutIdLst>
-  <p:hf dt="0" ftr="0" sldNum="0" hdr="0"/>
+  <p:hf sldNum="0" hdr="0" ftr="0" dt="0"/>
   <p:txStyles>
     <p:titleStyle>
-      <a:defPPr algn="l" rtl="0" marR="0">
+      <a:defPPr marR="0" algn="l" rtl="0">
         <a:lnSpc>
           <a:spcPct val="100000"/>
         </a:lnSpc>
@@ -6392,7 +6725,7 @@
           <a:spcPts val="0"/>
         </a:spcAft>
       </a:defPPr>
-      <a:lvl1pPr algn="l" rtl="0" marR="0">
+      <a:lvl1pPr marR="0" algn="l" rtl="0">
         <a:lnSpc>
           <a:spcPct val="100000"/>
         </a:lnSpc>
@@ -6403,7 +6736,7 @@
           <a:spcPts val="0"/>
         </a:spcAft>
         <a:buNone/>
-        <a:defRPr strike="noStrike" u="none" b="0" cap="none" baseline="0" sz="1400" i="0">
+        <a:defRPr sz="1400" b="0" i="0" u="none" strike="noStrike" cap="none" baseline="0">
           <a:solidFill>
             <a:srgbClr val="000000"/>
           </a:solidFill>
@@ -6411,10 +6744,9 @@
           <a:ea typeface="Arial"/>
           <a:cs typeface="Arial"/>
           <a:sym typeface="Arial"/>
-          <a:rtl val="0"/>
         </a:defRPr>
       </a:lvl1pPr>
-      <a:lvl2pPr algn="l" rtl="0" marR="0">
+      <a:lvl2pPr marR="0" algn="l" rtl="0">
         <a:lnSpc>
           <a:spcPct val="100000"/>
         </a:lnSpc>
@@ -6425,7 +6757,7 @@
           <a:spcPts val="0"/>
         </a:spcAft>
         <a:buNone/>
-        <a:defRPr strike="noStrike" u="none" b="0" cap="none" baseline="0" sz="1400" i="0">
+        <a:defRPr sz="1400" b="0" i="0" u="none" strike="noStrike" cap="none" baseline="0">
           <a:solidFill>
             <a:srgbClr val="000000"/>
           </a:solidFill>
@@ -6433,12 +6765,11 @@
           <a:ea typeface="Arial"/>
           <a:cs typeface="Arial"/>
           <a:sym typeface="Arial"/>
-          <a:rtl val="0"/>
         </a:defRPr>
       </a:lvl2pPr>
     </p:titleStyle>
     <p:bodyStyle>
-      <a:defPPr algn="l" rtl="0" marR="0">
+      <a:defPPr marR="0" algn="l" rtl="0">
         <a:lnSpc>
           <a:spcPct val="100000"/>
         </a:lnSpc>
@@ -6449,7 +6780,7 @@
           <a:spcPts val="0"/>
         </a:spcAft>
       </a:defPPr>
-      <a:lvl1pPr algn="l" rtl="0" marR="0">
+      <a:lvl1pPr marR="0" algn="l" rtl="0">
         <a:lnSpc>
           <a:spcPct val="100000"/>
         </a:lnSpc>
@@ -6460,7 +6791,7 @@
           <a:spcPts val="0"/>
         </a:spcAft>
         <a:buNone/>
-        <a:defRPr strike="noStrike" u="none" b="0" cap="none" baseline="0" sz="1400" i="0">
+        <a:defRPr sz="1400" b="0" i="0" u="none" strike="noStrike" cap="none" baseline="0">
           <a:solidFill>
             <a:srgbClr val="000000"/>
           </a:solidFill>
@@ -6468,10 +6799,9 @@
           <a:ea typeface="Arial"/>
           <a:cs typeface="Arial"/>
           <a:sym typeface="Arial"/>
-          <a:rtl val="0"/>
         </a:defRPr>
       </a:lvl1pPr>
-      <a:lvl2pPr algn="l" rtl="0" marR="0">
+      <a:lvl2pPr marR="0" algn="l" rtl="0">
         <a:lnSpc>
           <a:spcPct val="100000"/>
         </a:lnSpc>
@@ -6482,7 +6812,7 @@
           <a:spcPts val="0"/>
         </a:spcAft>
         <a:buNone/>
-        <a:defRPr strike="noStrike" u="none" b="0" cap="none" baseline="0" sz="1400" i="0">
+        <a:defRPr sz="1400" b="0" i="0" u="none" strike="noStrike" cap="none" baseline="0">
           <a:solidFill>
             <a:srgbClr val="000000"/>
           </a:solidFill>
@@ -6490,10 +6820,9 @@
           <a:ea typeface="Arial"/>
           <a:cs typeface="Arial"/>
           <a:sym typeface="Arial"/>
-          <a:rtl val="0"/>
         </a:defRPr>
       </a:lvl2pPr>
-      <a:lvl3pPr algn="l" rtl="0" marR="0">
+      <a:lvl3pPr marR="0" algn="l" rtl="0">
         <a:lnSpc>
           <a:spcPct val="100000"/>
         </a:lnSpc>
@@ -6504,7 +6833,7 @@
           <a:spcPts val="0"/>
         </a:spcAft>
         <a:buNone/>
-        <a:defRPr strike="noStrike" u="none" b="0" cap="none" baseline="0" sz="1400" i="0">
+        <a:defRPr sz="1400" b="0" i="0" u="none" strike="noStrike" cap="none" baseline="0">
           <a:solidFill>
             <a:srgbClr val="000000"/>
           </a:solidFill>
@@ -6512,10 +6841,9 @@
           <a:ea typeface="Arial"/>
           <a:cs typeface="Arial"/>
           <a:sym typeface="Arial"/>
-          <a:rtl val="0"/>
         </a:defRPr>
       </a:lvl3pPr>
-      <a:lvl4pPr algn="l" rtl="0" marR="0">
+      <a:lvl4pPr marR="0" algn="l" rtl="0">
         <a:lnSpc>
           <a:spcPct val="100000"/>
         </a:lnSpc>
@@ -6526,7 +6854,7 @@
           <a:spcPts val="0"/>
         </a:spcAft>
         <a:buNone/>
-        <a:defRPr strike="noStrike" u="none" b="0" cap="none" baseline="0" sz="1400" i="0">
+        <a:defRPr sz="1400" b="0" i="0" u="none" strike="noStrike" cap="none" baseline="0">
           <a:solidFill>
             <a:srgbClr val="000000"/>
           </a:solidFill>
@@ -6534,10 +6862,9 @@
           <a:ea typeface="Arial"/>
           <a:cs typeface="Arial"/>
           <a:sym typeface="Arial"/>
-          <a:rtl val="0"/>
         </a:defRPr>
       </a:lvl4pPr>
-      <a:lvl5pPr algn="l" rtl="0" marR="0">
+      <a:lvl5pPr marR="0" algn="l" rtl="0">
         <a:lnSpc>
           <a:spcPct val="100000"/>
         </a:lnSpc>
@@ -6548,7 +6875,7 @@
           <a:spcPts val="0"/>
         </a:spcAft>
         <a:buNone/>
-        <a:defRPr strike="noStrike" u="none" b="0" cap="none" baseline="0" sz="1400" i="0">
+        <a:defRPr sz="1400" b="0" i="0" u="none" strike="noStrike" cap="none" baseline="0">
           <a:solidFill>
             <a:srgbClr val="000000"/>
           </a:solidFill>
@@ -6556,10 +6883,9 @@
           <a:ea typeface="Arial"/>
           <a:cs typeface="Arial"/>
           <a:sym typeface="Arial"/>
-          <a:rtl val="0"/>
         </a:defRPr>
       </a:lvl5pPr>
-      <a:lvl6pPr algn="l" rtl="0" marR="0">
+      <a:lvl6pPr marR="0" algn="l" rtl="0">
         <a:lnSpc>
           <a:spcPct val="100000"/>
         </a:lnSpc>
@@ -6570,7 +6896,7 @@
           <a:spcPts val="0"/>
         </a:spcAft>
         <a:buNone/>
-        <a:defRPr strike="noStrike" u="none" b="0" cap="none" baseline="0" sz="1400" i="0">
+        <a:defRPr sz="1400" b="0" i="0" u="none" strike="noStrike" cap="none" baseline="0">
           <a:solidFill>
             <a:srgbClr val="000000"/>
           </a:solidFill>
@@ -6578,10 +6904,9 @@
           <a:ea typeface="Arial"/>
           <a:cs typeface="Arial"/>
           <a:sym typeface="Arial"/>
-          <a:rtl val="0"/>
         </a:defRPr>
       </a:lvl6pPr>
-      <a:lvl7pPr algn="l" rtl="0" marR="0">
+      <a:lvl7pPr marR="0" algn="l" rtl="0">
         <a:lnSpc>
           <a:spcPct val="100000"/>
         </a:lnSpc>
@@ -6592,7 +6917,7 @@
           <a:spcPts val="0"/>
         </a:spcAft>
         <a:buNone/>
-        <a:defRPr strike="noStrike" u="none" b="0" cap="none" baseline="0" sz="1400" i="0">
+        <a:defRPr sz="1400" b="0" i="0" u="none" strike="noStrike" cap="none" baseline="0">
           <a:solidFill>
             <a:srgbClr val="000000"/>
           </a:solidFill>
@@ -6600,10 +6925,9 @@
           <a:ea typeface="Arial"/>
           <a:cs typeface="Arial"/>
           <a:sym typeface="Arial"/>
-          <a:rtl val="0"/>
         </a:defRPr>
       </a:lvl7pPr>
-      <a:lvl8pPr algn="l" rtl="0" marR="0">
+      <a:lvl8pPr marR="0" algn="l" rtl="0">
         <a:lnSpc>
           <a:spcPct val="100000"/>
         </a:lnSpc>
@@ -6614,7 +6938,7 @@
           <a:spcPts val="0"/>
         </a:spcAft>
         <a:buNone/>
-        <a:defRPr strike="noStrike" u="none" b="0" cap="none" baseline="0" sz="1400" i="0">
+        <a:defRPr sz="1400" b="0" i="0" u="none" strike="noStrike" cap="none" baseline="0">
           <a:solidFill>
             <a:srgbClr val="000000"/>
           </a:solidFill>
@@ -6622,10 +6946,9 @@
           <a:ea typeface="Arial"/>
           <a:cs typeface="Arial"/>
           <a:sym typeface="Arial"/>
-          <a:rtl val="0"/>
         </a:defRPr>
       </a:lvl8pPr>
-      <a:lvl9pPr algn="l" rtl="0" marR="0">
+      <a:lvl9pPr marR="0" algn="l" rtl="0">
         <a:lnSpc>
           <a:spcPct val="100000"/>
         </a:lnSpc>
@@ -6636,7 +6959,7 @@
           <a:spcPts val="0"/>
         </a:spcAft>
         <a:buNone/>
-        <a:defRPr strike="noStrike" u="none" b="0" cap="none" baseline="0" sz="1400" i="0">
+        <a:defRPr sz="1400" b="0" i="0" u="none" strike="noStrike" cap="none" baseline="0">
           <a:solidFill>
             <a:srgbClr val="000000"/>
           </a:solidFill>
@@ -6644,12 +6967,11 @@
           <a:ea typeface="Arial"/>
           <a:cs typeface="Arial"/>
           <a:sym typeface="Arial"/>
-          <a:rtl val="0"/>
         </a:defRPr>
       </a:lvl9pPr>
     </p:bodyStyle>
     <p:otherStyle>
-      <a:defPPr algn="l" rtl="0" marR="0">
+      <a:defPPr marR="0" algn="l" rtl="0">
         <a:lnSpc>
           <a:spcPct val="100000"/>
         </a:lnSpc>
@@ -6660,7 +6982,7 @@
           <a:spcPts val="0"/>
         </a:spcAft>
       </a:defPPr>
-      <a:lvl1pPr algn="l" rtl="0" marR="0">
+      <a:lvl1pPr marR="0" algn="l" rtl="0">
         <a:lnSpc>
           <a:spcPct val="100000"/>
         </a:lnSpc>
@@ -6671,7 +6993,7 @@
           <a:spcPts val="0"/>
         </a:spcAft>
         <a:buNone/>
-        <a:defRPr strike="noStrike" u="none" b="0" cap="none" baseline="0" sz="1400" i="0">
+        <a:defRPr sz="1400" b="0" i="0" u="none" strike="noStrike" cap="none" baseline="0">
           <a:solidFill>
             <a:srgbClr val="000000"/>
           </a:solidFill>
@@ -6679,10 +7001,9 @@
           <a:ea typeface="Arial"/>
           <a:cs typeface="Arial"/>
           <a:sym typeface="Arial"/>
-          <a:rtl val="0"/>
         </a:defRPr>
       </a:lvl1pPr>
-      <a:lvl2pPr algn="l" rtl="0" marR="0">
+      <a:lvl2pPr marR="0" algn="l" rtl="0">
         <a:lnSpc>
           <a:spcPct val="100000"/>
         </a:lnSpc>
@@ -6693,7 +7014,7 @@
           <a:spcPts val="0"/>
         </a:spcAft>
         <a:buNone/>
-        <a:defRPr strike="noStrike" u="none" b="0" cap="none" baseline="0" sz="1400" i="0">
+        <a:defRPr sz="1400" b="0" i="0" u="none" strike="noStrike" cap="none" baseline="0">
           <a:solidFill>
             <a:srgbClr val="000000"/>
           </a:solidFill>
@@ -6701,10 +7022,9 @@
           <a:ea typeface="Arial"/>
           <a:cs typeface="Arial"/>
           <a:sym typeface="Arial"/>
-          <a:rtl val="0"/>
         </a:defRPr>
       </a:lvl2pPr>
-      <a:lvl3pPr algn="l" rtl="0" marR="0">
+      <a:lvl3pPr marR="0" algn="l" rtl="0">
         <a:lnSpc>
           <a:spcPct val="100000"/>
         </a:lnSpc>
@@ -6715,7 +7035,7 @@
           <a:spcPts val="0"/>
         </a:spcAft>
         <a:buNone/>
-        <a:defRPr strike="noStrike" u="none" b="0" cap="none" baseline="0" sz="1400" i="0">
+        <a:defRPr sz="1400" b="0" i="0" u="none" strike="noStrike" cap="none" baseline="0">
           <a:solidFill>
             <a:srgbClr val="000000"/>
           </a:solidFill>
@@ -6723,10 +7043,9 @@
           <a:ea typeface="Arial"/>
           <a:cs typeface="Arial"/>
           <a:sym typeface="Arial"/>
-          <a:rtl val="0"/>
         </a:defRPr>
       </a:lvl3pPr>
-      <a:lvl4pPr algn="l" rtl="0" marR="0">
+      <a:lvl4pPr marR="0" algn="l" rtl="0">
         <a:lnSpc>
           <a:spcPct val="100000"/>
         </a:lnSpc>
@@ -6737,7 +7056,7 @@
           <a:spcPts val="0"/>
         </a:spcAft>
         <a:buNone/>
-        <a:defRPr strike="noStrike" u="none" b="0" cap="none" baseline="0" sz="1400" i="0">
+        <a:defRPr sz="1400" b="0" i="0" u="none" strike="noStrike" cap="none" baseline="0">
           <a:solidFill>
             <a:srgbClr val="000000"/>
           </a:solidFill>
@@ -6745,10 +7064,9 @@
           <a:ea typeface="Arial"/>
           <a:cs typeface="Arial"/>
           <a:sym typeface="Arial"/>
-          <a:rtl val="0"/>
         </a:defRPr>
       </a:lvl4pPr>
-      <a:lvl5pPr algn="l" rtl="0" marR="0">
+      <a:lvl5pPr marR="0" algn="l" rtl="0">
         <a:lnSpc>
           <a:spcPct val="100000"/>
         </a:lnSpc>
@@ -6759,7 +7077,7 @@
           <a:spcPts val="0"/>
         </a:spcAft>
         <a:buNone/>
-        <a:defRPr strike="noStrike" u="none" b="0" cap="none" baseline="0" sz="1400" i="0">
+        <a:defRPr sz="1400" b="0" i="0" u="none" strike="noStrike" cap="none" baseline="0">
           <a:solidFill>
             <a:srgbClr val="000000"/>
           </a:solidFill>
@@ -6767,10 +7085,9 @@
           <a:ea typeface="Arial"/>
           <a:cs typeface="Arial"/>
           <a:sym typeface="Arial"/>
-          <a:rtl val="0"/>
         </a:defRPr>
       </a:lvl5pPr>
-      <a:lvl6pPr algn="l" rtl="0" marR="0">
+      <a:lvl6pPr marR="0" algn="l" rtl="0">
         <a:lnSpc>
           <a:spcPct val="100000"/>
         </a:lnSpc>
@@ -6781,7 +7098,7 @@
           <a:spcPts val="0"/>
         </a:spcAft>
         <a:buNone/>
-        <a:defRPr strike="noStrike" u="none" b="0" cap="none" baseline="0" sz="1400" i="0">
+        <a:defRPr sz="1400" b="0" i="0" u="none" strike="noStrike" cap="none" baseline="0">
           <a:solidFill>
             <a:srgbClr val="000000"/>
           </a:solidFill>
@@ -6789,10 +7106,9 @@
           <a:ea typeface="Arial"/>
           <a:cs typeface="Arial"/>
           <a:sym typeface="Arial"/>
-          <a:rtl val="0"/>
         </a:defRPr>
       </a:lvl6pPr>
-      <a:lvl7pPr algn="l" rtl="0" marR="0">
+      <a:lvl7pPr marR="0" algn="l" rtl="0">
         <a:lnSpc>
           <a:spcPct val="100000"/>
         </a:lnSpc>
@@ -6803,7 +7119,7 @@
           <a:spcPts val="0"/>
         </a:spcAft>
         <a:buNone/>
-        <a:defRPr strike="noStrike" u="none" b="0" cap="none" baseline="0" sz="1400" i="0">
+        <a:defRPr sz="1400" b="0" i="0" u="none" strike="noStrike" cap="none" baseline="0">
           <a:solidFill>
             <a:srgbClr val="000000"/>
           </a:solidFill>
@@ -6811,10 +7127,9 @@
           <a:ea typeface="Arial"/>
           <a:cs typeface="Arial"/>
           <a:sym typeface="Arial"/>
-          <a:rtl val="0"/>
         </a:defRPr>
       </a:lvl7pPr>
-      <a:lvl8pPr algn="l" rtl="0" marR="0">
+      <a:lvl8pPr marR="0" algn="l" rtl="0">
         <a:lnSpc>
           <a:spcPct val="100000"/>
         </a:lnSpc>
@@ -6825,7 +7140,7 @@
           <a:spcPts val="0"/>
         </a:spcAft>
         <a:buNone/>
-        <a:defRPr strike="noStrike" u="none" b="0" cap="none" baseline="0" sz="1400" i="0">
+        <a:defRPr sz="1400" b="0" i="0" u="none" strike="noStrike" cap="none" baseline="0">
           <a:solidFill>
             <a:srgbClr val="000000"/>
           </a:solidFill>
@@ -6833,10 +7148,9 @@
           <a:ea typeface="Arial"/>
           <a:cs typeface="Arial"/>
           <a:sym typeface="Arial"/>
-          <a:rtl val="0"/>
         </a:defRPr>
       </a:lvl8pPr>
-      <a:lvl9pPr algn="l" rtl="0" marR="0">
+      <a:lvl9pPr marR="0" algn="l" rtl="0">
         <a:lnSpc>
           <a:spcPct val="100000"/>
         </a:lnSpc>
@@ -6847,7 +7161,7 @@
           <a:spcPts val="0"/>
         </a:spcAft>
         <a:buNone/>
-        <a:defRPr strike="noStrike" u="none" b="0" cap="none" baseline="0" sz="1400" i="0">
+        <a:defRPr sz="1400" b="0" i="0" u="none" strike="noStrike" cap="none" baseline="0">
           <a:solidFill>
             <a:srgbClr val="000000"/>
           </a:solidFill>
@@ -6855,7 +7169,6 @@
           <a:ea typeface="Arial"/>
           <a:cs typeface="Arial"/>
           <a:sym typeface="Arial"/>
-          <a:rtl val="0"/>
         </a:defRPr>
       </a:lvl9pPr>
     </p:otherStyle>
@@ -6864,41 +7177,43 @@
 </file>
 
 <file path=ppt/slides/slide1.xml><?xml version="1.0" encoding="utf-8"?>
-<p:sld xmlns:a="http://schemas.openxmlformats.org/drawingml/2006/main" xmlns:r="http://schemas.openxmlformats.org/officeDocument/2006/relationships" xmlns:mc="http://schemas.openxmlformats.org/markup-compatibility/2006" xmlns:mv="urn:schemas-microsoft-com:mac:vml" xmlns:p="http://schemas.openxmlformats.org/presentationml/2006/main" xmlns:c="http://schemas.openxmlformats.org/drawingml/2006/chart" xmlns:dgm="http://schemas.openxmlformats.org/drawingml/2006/diagram" xmlns:o="urn:schemas-microsoft-com:office:office" xmlns:v="urn:schemas-microsoft-com:vml" xmlns:pvml="urn:schemas-microsoft-com:office:powerpoint" xmlns:com="http://schemas.openxmlformats.org/drawingml/2006/compatibility" xmlns:p14="http://schemas.microsoft.com/office/powerpoint/2010/main">
+<p:sld xmlns:a="http://schemas.openxmlformats.org/drawingml/2006/main" xmlns:r="http://schemas.openxmlformats.org/officeDocument/2006/relationships" xmlns:p="http://schemas.openxmlformats.org/presentationml/2006/main">
   <p:cSld>
     <p:spTree>
       <p:nvGrpSpPr>
-        <p:cNvPr id="85" name="Shape 85"/>
+        <p:cNvPr id="1" name="Shape 85"/>
         <p:cNvGrpSpPr/>
         <p:nvPr/>
       </p:nvGrpSpPr>
       <p:grpSpPr>
         <a:xfrm>
-          <a:off y="0" x="0"/>
-          <a:ext cy="0" cx="0"/>
-          <a:chOff y="0" x="0"/>
-          <a:chExt cy="0" cx="0"/>
+          <a:off x="0" y="0"/>
+          <a:ext cx="0" cy="0"/>
+          <a:chOff x="0" y="0"/>
+          <a:chExt cx="0" cy="0"/>
         </a:xfrm>
       </p:grpSpPr>
       <p:sp>
         <p:nvSpPr>
           <p:cNvPr id="86" name="Shape 86"/>
-          <p:cNvSpPr txBox="1"/>
+          <p:cNvSpPr txBox="1">
+            <a:spLocks noGrp="1"/>
+          </p:cNvSpPr>
           <p:nvPr>
             <p:ph type="ctrTitle"/>
           </p:nvPr>
         </p:nvSpPr>
         <p:spPr>
           <a:xfrm>
-            <a:off y="1083381" x="1884725"/>
-            <a:ext cy="1102500" cx="6400799"/>
+            <a:off x="1884725" y="1083381"/>
+            <a:ext cx="6400799" cy="1102500"/>
           </a:xfrm>
           <a:prstGeom prst="rect">
             <a:avLst/>
           </a:prstGeom>
         </p:spPr>
         <p:txBody>
-          <a:bodyPr bIns="91425" rIns="91425" lIns="91425" tIns="91425" anchor="b" anchorCtr="0">
+          <a:bodyPr lIns="91425" tIns="91425" rIns="91425" bIns="91425" anchor="b" anchorCtr="0">
             <a:noAutofit/>
           </a:bodyPr>
           <a:lstStyle/>
@@ -6919,22 +7234,24 @@
       <p:sp>
         <p:nvSpPr>
           <p:cNvPr id="87" name="Shape 87"/>
-          <p:cNvSpPr txBox="1"/>
+          <p:cNvSpPr txBox="1">
+            <a:spLocks noGrp="1"/>
+          </p:cNvSpPr>
           <p:nvPr>
-            <p:ph idx="1" type="subTitle"/>
+            <p:ph type="subTitle" idx="1"/>
           </p:nvPr>
         </p:nvSpPr>
         <p:spPr>
           <a:xfrm>
-            <a:off y="2663772" x="4106925"/>
-            <a:ext cy="1942799" cx="6400799"/>
+            <a:off x="4106925" y="2663772"/>
+            <a:ext cx="6400799" cy="1942799"/>
           </a:xfrm>
           <a:prstGeom prst="rect">
             <a:avLst/>
           </a:prstGeom>
         </p:spPr>
         <p:txBody>
-          <a:bodyPr bIns="91425" rIns="91425" lIns="91425" tIns="91425" anchor="t" anchorCtr="0">
+          <a:bodyPr lIns="91425" tIns="91425" rIns="91425" bIns="91425" anchor="t" anchorCtr="0">
             <a:noAutofit/>
           </a:bodyPr>
           <a:lstStyle/>
@@ -6946,7 +7263,7 @@
               <a:buNone/>
             </a:pPr>
             <a:r>
-              <a:rPr sz="2400" lang="en-GB"/>
+              <a:rPr lang="en-GB" sz="2400"/>
               <a:t>March 4th, 2015</a:t>
             </a:r>
           </a:p>
@@ -6958,7 +7275,7 @@
               <a:buNone/>
             </a:pPr>
             <a:r>
-              <a:rPr sz="2400" lang="en-GB"/>
+              <a:rPr lang="en-GB" sz="2400"/>
               <a:t>Telerik Software Academy</a:t>
             </a:r>
           </a:p>
@@ -6970,20 +7287,17 @@
               <a:buNone/>
             </a:pPr>
             <a:r>
-              <a:rPr sz="2400" lang="en-GB"/>
+              <a:rPr lang="en-GB" sz="2400"/>
               <a:t>C# Part 2 Team Work</a:t>
             </a:r>
           </a:p>
           <a:p>
-            <a:pPr rtl="0" lvl="0">
+            <a:pPr lvl="0" rtl="0">
               <a:spcBef>
                 <a:spcPts val="0"/>
               </a:spcBef>
               <a:buNone/>
             </a:pPr>
-            <a:r>
-              <a:t/>
-            </a:r>
             <a:endParaRPr sz="2400"/>
           </a:p>
         </p:txBody>
@@ -7000,41 +7314,43 @@
 </file>
 
 <file path=ppt/slides/slide2.xml><?xml version="1.0" encoding="utf-8"?>
-<p:sld xmlns:a="http://schemas.openxmlformats.org/drawingml/2006/main" xmlns:r="http://schemas.openxmlformats.org/officeDocument/2006/relationships" xmlns:mc="http://schemas.openxmlformats.org/markup-compatibility/2006" xmlns:mv="urn:schemas-microsoft-com:mac:vml" xmlns:p="http://schemas.openxmlformats.org/presentationml/2006/main" xmlns:c="http://schemas.openxmlformats.org/drawingml/2006/chart" xmlns:dgm="http://schemas.openxmlformats.org/drawingml/2006/diagram" xmlns:o="urn:schemas-microsoft-com:office:office" xmlns:v="urn:schemas-microsoft-com:vml" xmlns:pvml="urn:schemas-microsoft-com:office:powerpoint" xmlns:com="http://schemas.openxmlformats.org/drawingml/2006/compatibility" xmlns:p14="http://schemas.microsoft.com/office/powerpoint/2010/main">
+<p:sld xmlns:a="http://schemas.openxmlformats.org/drawingml/2006/main" xmlns:r="http://schemas.openxmlformats.org/officeDocument/2006/relationships" xmlns:p="http://schemas.openxmlformats.org/presentationml/2006/main">
   <p:cSld>
     <p:spTree>
       <p:nvGrpSpPr>
-        <p:cNvPr id="91" name="Shape 91"/>
+        <p:cNvPr id="1" name="Shape 91"/>
         <p:cNvGrpSpPr/>
         <p:nvPr/>
       </p:nvGrpSpPr>
       <p:grpSpPr>
         <a:xfrm>
-          <a:off y="0" x="0"/>
-          <a:ext cy="0" cx="0"/>
-          <a:chOff y="0" x="0"/>
-          <a:chExt cy="0" cx="0"/>
+          <a:off x="0" y="0"/>
+          <a:ext cx="0" cy="0"/>
+          <a:chOff x="0" y="0"/>
+          <a:chExt cx="0" cy="0"/>
         </a:xfrm>
       </p:grpSpPr>
       <p:sp>
         <p:nvSpPr>
           <p:cNvPr id="92" name="Shape 92"/>
-          <p:cNvSpPr txBox="1"/>
+          <p:cNvSpPr txBox="1">
+            <a:spLocks noGrp="1"/>
+          </p:cNvSpPr>
           <p:nvPr>
             <p:ph type="title"/>
           </p:nvPr>
         </p:nvSpPr>
         <p:spPr>
           <a:xfrm>
-            <a:off y="181003" x="1132200"/>
-            <a:ext cy="857400" cx="6879600"/>
+            <a:off x="1132200" y="181003"/>
+            <a:ext cx="6879600" cy="857400"/>
           </a:xfrm>
           <a:prstGeom prst="rect">
             <a:avLst/>
           </a:prstGeom>
         </p:spPr>
         <p:txBody>
-          <a:bodyPr bIns="91425" rIns="91425" lIns="91425" tIns="91425" anchor="b" anchorCtr="0">
+          <a:bodyPr lIns="91425" tIns="91425" rIns="91425" bIns="91425" anchor="b" anchorCtr="0">
             <a:noAutofit/>
           </a:bodyPr>
           <a:lstStyle/>
@@ -7055,27 +7371,29 @@
       <p:sp>
         <p:nvSpPr>
           <p:cNvPr id="93" name="Shape 93"/>
-          <p:cNvSpPr txBox="1"/>
+          <p:cNvSpPr txBox="1">
+            <a:spLocks noGrp="1"/>
+          </p:cNvSpPr>
           <p:nvPr>
-            <p:ph idx="1" type="body"/>
+            <p:ph type="body" idx="1"/>
           </p:nvPr>
         </p:nvSpPr>
         <p:spPr>
           <a:xfrm>
-            <a:off y="1200150" x="457200"/>
-            <a:ext cy="3630300" cx="8229600"/>
+            <a:off x="457200" y="1200150"/>
+            <a:ext cx="8229600" cy="3630300"/>
           </a:xfrm>
           <a:prstGeom prst="rect">
             <a:avLst/>
           </a:prstGeom>
         </p:spPr>
         <p:txBody>
-          <a:bodyPr bIns="91425" rIns="91425" lIns="91425" tIns="91425" anchor="t" anchorCtr="0">
+          <a:bodyPr lIns="91425" tIns="91425" rIns="91425" bIns="91425" anchor="t" anchorCtr="0">
             <a:noAutofit/>
           </a:bodyPr>
           <a:lstStyle/>
           <a:p>
-            <a:pPr rtl="0" lvl="0">
+            <a:pPr lvl="0" rtl="0">
               <a:spcBef>
                 <a:spcPts val="0"/>
               </a:spcBef>
@@ -7087,12 +7405,20 @@
               <a:buNone/>
             </a:pPr>
             <a:r>
-              <a:rPr sz="2400" lang="en-GB"/>
-              <a:t>Daniel Filipov      		Daniel</a:t>
+              <a:rPr lang="en-GB" sz="2400" dirty="0"/>
+              <a:t>Daniel </a:t>
             </a:r>
-          </a:p>
-          <a:p>
-            <a:pPr rtl="0" lvl="0">
+            <a:r>
+              <a:rPr lang="en-GB" sz="2400" dirty="0" err="1"/>
+              <a:t>Filipov</a:t>
+            </a:r>
+            <a:r>
+              <a:rPr lang="en-GB" sz="2400" dirty="0"/>
+              <a:t>      		Daniel</a:t>
+            </a:r>
+          </a:p>
+          <a:p>
+            <a:pPr lvl="0" rtl="0">
               <a:spcBef>
                 <a:spcPts val="0"/>
               </a:spcBef>
@@ -7104,12 +7430,29 @@
               <a:buNone/>
             </a:pPr>
             <a:r>
-              <a:rPr sz="2400" lang="en-GB"/>
-              <a:t>Mirela Napetova			mimirerelala</a:t>
+              <a:rPr lang="en-GB" sz="2400" dirty="0" err="1"/>
+              <a:t>Mirela</a:t>
             </a:r>
-          </a:p>
-          <a:p>
-            <a:pPr rtl="0" lvl="0">
+            <a:r>
+              <a:rPr lang="en-GB" sz="2400" dirty="0"/>
+              <a:t> </a:t>
+            </a:r>
+            <a:r>
+              <a:rPr lang="en-GB" sz="2400" dirty="0" err="1"/>
+              <a:t>Napetova</a:t>
+            </a:r>
+            <a:r>
+              <a:rPr lang="en-GB" sz="2400" dirty="0"/>
+              <a:t>		</a:t>
+            </a:r>
+            <a:r>
+              <a:rPr lang="en-GB" sz="2400" dirty="0" err="1" smtClean="0"/>
+              <a:t>mimirerelala</a:t>
+            </a:r>
+            <a:endParaRPr lang="en-GB" sz="2400" dirty="0"/>
+          </a:p>
+          <a:p>
+            <a:pPr lvl="0" rtl="0">
               <a:spcBef>
                 <a:spcPts val="0"/>
               </a:spcBef>
@@ -7121,12 +7464,29 @@
               <a:buNone/>
             </a:pPr>
             <a:r>
-              <a:rPr sz="2400" lang="en-GB"/>
-              <a:t>Ivaylo Arnaudov			ivaylo.aranudov</a:t>
+              <a:rPr lang="en-GB" sz="2400" dirty="0" err="1"/>
+              <a:t>Ivaylo</a:t>
             </a:r>
-          </a:p>
-          <a:p>
-            <a:pPr rtl="0" lvl="0">
+            <a:r>
+              <a:rPr lang="en-GB" sz="2400" dirty="0"/>
+              <a:t> </a:t>
+            </a:r>
+            <a:r>
+              <a:rPr lang="en-GB" sz="2400" dirty="0" err="1"/>
+              <a:t>Arnaudov</a:t>
+            </a:r>
+            <a:r>
+              <a:rPr lang="en-GB" sz="2400" dirty="0"/>
+              <a:t>		</a:t>
+            </a:r>
+            <a:r>
+              <a:rPr lang="en-GB" sz="2400" dirty="0" err="1" smtClean="0"/>
+              <a:t>ivaylo.aranudov</a:t>
+            </a:r>
+            <a:endParaRPr lang="en-GB" sz="2400" dirty="0"/>
+          </a:p>
+          <a:p>
+            <a:pPr lvl="0" rtl="0">
               <a:spcBef>
                 <a:spcPts val="0"/>
               </a:spcBef>
@@ -7138,12 +7498,29 @@
               <a:buNone/>
             </a:pPr>
             <a:r>
-              <a:rPr sz="2400" lang="en-GB"/>
-              <a:t>Kristian Kamenov		kristiqnKamenov</a:t>
+              <a:rPr lang="en-GB" sz="2400" dirty="0" err="1"/>
+              <a:t>Kristian</a:t>
             </a:r>
-          </a:p>
-          <a:p>
-            <a:pPr rtl="0" lvl="0">
+            <a:r>
+              <a:rPr lang="en-GB" sz="2400" dirty="0"/>
+              <a:t> </a:t>
+            </a:r>
+            <a:r>
+              <a:rPr lang="en-GB" sz="2400" dirty="0" err="1"/>
+              <a:t>Kamenov</a:t>
+            </a:r>
+            <a:r>
+              <a:rPr lang="en-GB" sz="2400" dirty="0"/>
+              <a:t>		</a:t>
+            </a:r>
+            <a:r>
+              <a:rPr lang="en-GB" sz="2400" dirty="0" err="1"/>
+              <a:t>kristiqnKamenov</a:t>
+            </a:r>
+            <a:endParaRPr lang="en-GB" sz="2400" dirty="0"/>
+          </a:p>
+          <a:p>
+            <a:pPr lvl="0" rtl="0">
               <a:spcBef>
                 <a:spcPts val="0"/>
               </a:spcBef>
@@ -7155,16 +7532,40 @@
               <a:buNone/>
             </a:pPr>
             <a:r>
-              <a:rPr sz="2400" lang="en-GB">
+              <a:rPr lang="en-GB" sz="2400" dirty="0" err="1">
                 <a:solidFill>
                   <a:srgbClr val="FFFF00"/>
                 </a:solidFill>
               </a:rPr>
-              <a:t>Silviya Nedelcheva		silvi6666</a:t>
+              <a:t>Silviya</a:t>
             </a:r>
-          </a:p>
-          <a:p>
-            <a:pPr rtl="0" lvl="0">
+            <a:r>
+              <a:rPr lang="en-GB" sz="2400" dirty="0">
+                <a:solidFill>
+                  <a:srgbClr val="FFFF00"/>
+                </a:solidFill>
+              </a:rPr>
+              <a:t> </a:t>
+            </a:r>
+            <a:r>
+              <a:rPr lang="en-GB" sz="2400" dirty="0" err="1">
+                <a:solidFill>
+                  <a:srgbClr val="FFFF00"/>
+                </a:solidFill>
+              </a:rPr>
+              <a:t>Nedelcheva</a:t>
+            </a:r>
+            <a:r>
+              <a:rPr lang="en-GB" sz="2400" dirty="0">
+                <a:solidFill>
+                  <a:srgbClr val="FFFF00"/>
+                </a:solidFill>
+              </a:rPr>
+              <a:t>		silvi6666</a:t>
+            </a:r>
+          </a:p>
+          <a:p>
+            <a:pPr lvl="0" rtl="0">
               <a:spcBef>
                 <a:spcPts val="0"/>
               </a:spcBef>
@@ -7176,12 +7577,25 @@
               <a:buNone/>
             </a:pPr>
             <a:r>
-              <a:rPr sz="2400" lang="en-GB"/>
-              <a:t>Nikola Russev			NikIvRu</a:t>
+              <a:rPr lang="en-GB" sz="2400" dirty="0"/>
+              <a:t>Nikola </a:t>
             </a:r>
-          </a:p>
-          <a:p>
-            <a:pPr rtl="0" lvl="0">
+            <a:r>
+              <a:rPr lang="en-GB" sz="2400" dirty="0" err="1"/>
+              <a:t>Russev</a:t>
+            </a:r>
+            <a:r>
+              <a:rPr lang="en-GB" sz="2400" dirty="0"/>
+              <a:t>		</a:t>
+            </a:r>
+            <a:r>
+              <a:rPr lang="en-GB" sz="2400" dirty="0" err="1" smtClean="0"/>
+              <a:t>NikIvRu</a:t>
+            </a:r>
+            <a:endParaRPr lang="en-GB" sz="2400" dirty="0"/>
+          </a:p>
+          <a:p>
+            <a:pPr lvl="0" rtl="0">
               <a:spcBef>
                 <a:spcPts val="0"/>
               </a:spcBef>
@@ -7193,12 +7607,29 @@
               <a:buNone/>
             </a:pPr>
             <a:r>
-              <a:rPr sz="2400" lang="en-GB"/>
-              <a:t>Branimir Georgiev		branimir.georgi</a:t>
+              <a:rPr lang="en-GB" sz="2400" dirty="0" err="1"/>
+              <a:t>Branimir</a:t>
             </a:r>
-          </a:p>
-          <a:p>
-            <a:pPr rtl="0" lvl="0">
+            <a:r>
+              <a:rPr lang="en-GB" sz="2400" dirty="0"/>
+              <a:t> </a:t>
+            </a:r>
+            <a:r>
+              <a:rPr lang="en-GB" sz="2400" dirty="0" err="1"/>
+              <a:t>Georgiev</a:t>
+            </a:r>
+            <a:r>
+              <a:rPr lang="en-GB" sz="2400" dirty="0"/>
+              <a:t>		</a:t>
+            </a:r>
+            <a:r>
+              <a:rPr lang="en-GB" sz="2400" dirty="0" err="1"/>
+              <a:t>branimir.georgi</a:t>
+            </a:r>
+            <a:endParaRPr lang="en-GB" sz="2400" dirty="0"/>
+          </a:p>
+          <a:p>
+            <a:pPr lvl="0" rtl="0">
               <a:spcBef>
                 <a:spcPts val="0"/>
               </a:spcBef>
@@ -7210,13 +7641,53 @@
               <a:buNone/>
             </a:pPr>
             <a:r>
-              <a:rPr sz="2400" lang="en-GB">
+              <a:rPr lang="en-GB" sz="2400" dirty="0" err="1">
                 <a:solidFill>
                   <a:srgbClr val="FFFF00"/>
                 </a:solidFill>
               </a:rPr>
-              <a:t>Nikolay Dimitrov 		oldboy [has not participated!]</a:t>
+              <a:t>Nikolay</a:t>
             </a:r>
+            <a:r>
+              <a:rPr lang="en-GB" sz="2400" dirty="0">
+                <a:solidFill>
+                  <a:srgbClr val="FFFF00"/>
+                </a:solidFill>
+              </a:rPr>
+              <a:t> </a:t>
+            </a:r>
+            <a:r>
+              <a:rPr lang="en-GB" sz="2400" dirty="0" err="1">
+                <a:solidFill>
+                  <a:srgbClr val="FFFF00"/>
+                </a:solidFill>
+              </a:rPr>
+              <a:t>Dimitrov</a:t>
+            </a:r>
+            <a:r>
+              <a:rPr lang="en-GB" sz="2400" dirty="0">
+                <a:solidFill>
+                  <a:srgbClr val="FFFF00"/>
+                </a:solidFill>
+              </a:rPr>
+              <a:t> 		</a:t>
+            </a:r>
+            <a:r>
+              <a:rPr lang="en-GB" sz="2400" dirty="0" err="1">
+                <a:solidFill>
+                  <a:srgbClr val="FFFF00"/>
+                </a:solidFill>
+              </a:rPr>
+              <a:t>oldboy</a:t>
+            </a:r>
+            <a:r>
+              <a:rPr lang="en-GB" sz="2400" dirty="0">
+                <a:solidFill>
+                  <a:srgbClr val="FFFF00"/>
+                </a:solidFill>
+              </a:rPr>
+              <a:t> [has not participated!]</a:t>
+            </a:r>
           </a:p>
           <a:p>
             <a:pPr>
@@ -7225,9 +7696,6 @@
               </a:spcBef>
               <a:buNone/>
             </a:pPr>
-            <a:r>
-              <a:t/>
-            </a:r>
             <a:endParaRPr sz="2400"/>
           </a:p>
         </p:txBody>
@@ -7244,41 +7712,43 @@
 </file>
 
 <file path=ppt/slides/slide3.xml><?xml version="1.0" encoding="utf-8"?>
-<p:sld xmlns:a="http://schemas.openxmlformats.org/drawingml/2006/main" xmlns:r="http://schemas.openxmlformats.org/officeDocument/2006/relationships" xmlns:mc="http://schemas.openxmlformats.org/markup-compatibility/2006" xmlns:mv="urn:schemas-microsoft-com:mac:vml" xmlns:p="http://schemas.openxmlformats.org/presentationml/2006/main" xmlns:c="http://schemas.openxmlformats.org/drawingml/2006/chart" xmlns:dgm="http://schemas.openxmlformats.org/drawingml/2006/diagram" xmlns:o="urn:schemas-microsoft-com:office:office" xmlns:v="urn:schemas-microsoft-com:vml" xmlns:pvml="urn:schemas-microsoft-com:office:powerpoint" xmlns:com="http://schemas.openxmlformats.org/drawingml/2006/compatibility" xmlns:p14="http://schemas.microsoft.com/office/powerpoint/2010/main">
+<p:sld xmlns:a="http://schemas.openxmlformats.org/drawingml/2006/main" xmlns:r="http://schemas.openxmlformats.org/officeDocument/2006/relationships" xmlns:p="http://schemas.openxmlformats.org/presentationml/2006/main">
   <p:cSld>
     <p:spTree>
       <p:nvGrpSpPr>
-        <p:cNvPr id="97" name="Shape 97"/>
+        <p:cNvPr id="1" name="Shape 97"/>
         <p:cNvGrpSpPr/>
         <p:nvPr/>
       </p:nvGrpSpPr>
       <p:grpSpPr>
         <a:xfrm>
-          <a:off y="0" x="0"/>
-          <a:ext cy="0" cx="0"/>
-          <a:chOff y="0" x="0"/>
-          <a:chExt cy="0" cx="0"/>
+          <a:off x="0" y="0"/>
+          <a:ext cx="0" cy="0"/>
+          <a:chOff x="0" y="0"/>
+          <a:chExt cx="0" cy="0"/>
         </a:xfrm>
       </p:grpSpPr>
       <p:sp>
         <p:nvSpPr>
           <p:cNvPr id="98" name="Shape 98"/>
-          <p:cNvSpPr txBox="1"/>
+          <p:cNvSpPr txBox="1">
+            <a:spLocks noGrp="1"/>
+          </p:cNvSpPr>
           <p:nvPr>
             <p:ph type="title"/>
           </p:nvPr>
         </p:nvSpPr>
         <p:spPr>
           <a:xfrm>
-            <a:off y="205978" x="457200"/>
-            <a:ext cy="857400" cx="6879600"/>
+            <a:off x="457200" y="205978"/>
+            <a:ext cx="6879600" cy="857400"/>
           </a:xfrm>
           <a:prstGeom prst="rect">
             <a:avLst/>
           </a:prstGeom>
         </p:spPr>
         <p:txBody>
-          <a:bodyPr bIns="91425" rIns="91425" lIns="91425" tIns="91425" anchor="b" anchorCtr="0">
+          <a:bodyPr lIns="91425" tIns="91425" rIns="91425" bIns="91425" anchor="b" anchorCtr="0">
             <a:noAutofit/>
           </a:bodyPr>
           <a:lstStyle/>
@@ -7299,22 +7769,24 @@
       <p:sp>
         <p:nvSpPr>
           <p:cNvPr id="99" name="Shape 99"/>
-          <p:cNvSpPr txBox="1"/>
+          <p:cNvSpPr txBox="1">
+            <a:spLocks noGrp="1"/>
+          </p:cNvSpPr>
           <p:nvPr>
-            <p:ph idx="1" type="body"/>
+            <p:ph type="body" idx="1"/>
           </p:nvPr>
         </p:nvSpPr>
         <p:spPr>
           <a:xfrm>
-            <a:off y="1187675" x="407250"/>
-            <a:ext cy="3630300" cx="8229600"/>
+            <a:off x="407250" y="1187675"/>
+            <a:ext cx="8229600" cy="3630300"/>
           </a:xfrm>
           <a:prstGeom prst="rect">
             <a:avLst/>
           </a:prstGeom>
         </p:spPr>
         <p:txBody>
-          <a:bodyPr bIns="91425" rIns="91425" lIns="91425" tIns="91425" anchor="t" anchorCtr="0">
+          <a:bodyPr lIns="91425" tIns="91425" rIns="91425" bIns="91425" anchor="t" anchorCtr="0">
             <a:noAutofit/>
           </a:bodyPr>
           <a:lstStyle/>
@@ -7325,9 +7797,6 @@
               </a:spcBef>
               <a:buNone/>
             </a:pPr>
-            <a:r>
-              <a:t/>
-            </a:r>
             <a:endParaRPr/>
           </a:p>
         </p:txBody>
@@ -7348,8 +7817,8 @@
         </p:blipFill>
         <p:spPr>
           <a:xfrm>
-            <a:off y="1138750" x="557325"/>
-            <a:ext cy="3630300" cx="6970788"/>
+            <a:off x="557325" y="1138750"/>
+            <a:ext cx="6970788" cy="3630300"/>
           </a:xfrm>
           <a:prstGeom prst="rect">
             <a:avLst/>
@@ -7372,41 +7841,43 @@
 </file>
 
 <file path=ppt/slides/slide4.xml><?xml version="1.0" encoding="utf-8"?>
-<p:sld xmlns:a="http://schemas.openxmlformats.org/drawingml/2006/main" xmlns:r="http://schemas.openxmlformats.org/officeDocument/2006/relationships" xmlns:mc="http://schemas.openxmlformats.org/markup-compatibility/2006" xmlns:mv="urn:schemas-microsoft-com:mac:vml" xmlns:p="http://schemas.openxmlformats.org/presentationml/2006/main" xmlns:c="http://schemas.openxmlformats.org/drawingml/2006/chart" xmlns:dgm="http://schemas.openxmlformats.org/drawingml/2006/diagram" xmlns:o="urn:schemas-microsoft-com:office:office" xmlns:v="urn:schemas-microsoft-com:vml" xmlns:pvml="urn:schemas-microsoft-com:office:powerpoint" xmlns:com="http://schemas.openxmlformats.org/drawingml/2006/compatibility" xmlns:p14="http://schemas.microsoft.com/office/powerpoint/2010/main">
+<p:sld xmlns:a="http://schemas.openxmlformats.org/drawingml/2006/main" xmlns:r="http://schemas.openxmlformats.org/officeDocument/2006/relationships" xmlns:p="http://schemas.openxmlformats.org/presentationml/2006/main">
   <p:cSld>
     <p:spTree>
       <p:nvGrpSpPr>
-        <p:cNvPr id="104" name="Shape 104"/>
+        <p:cNvPr id="1" name="Shape 104"/>
         <p:cNvGrpSpPr/>
         <p:nvPr/>
       </p:nvGrpSpPr>
       <p:grpSpPr>
         <a:xfrm>
-          <a:off y="0" x="0"/>
-          <a:ext cy="0" cx="0"/>
-          <a:chOff y="0" x="0"/>
-          <a:chExt cy="0" cx="0"/>
+          <a:off x="0" y="0"/>
+          <a:ext cx="0" cy="0"/>
+          <a:chOff x="0" y="0"/>
+          <a:chExt cx="0" cy="0"/>
         </a:xfrm>
       </p:grpSpPr>
       <p:sp>
         <p:nvSpPr>
           <p:cNvPr id="105" name="Shape 105"/>
-          <p:cNvSpPr txBox="1"/>
+          <p:cNvSpPr txBox="1">
+            <a:spLocks noGrp="1"/>
+          </p:cNvSpPr>
           <p:nvPr>
             <p:ph type="title"/>
           </p:nvPr>
         </p:nvSpPr>
         <p:spPr>
           <a:xfrm>
-            <a:off y="2143050" x="2841700"/>
-            <a:ext cy="857400" cx="3138300"/>
+            <a:off x="2841700" y="2143050"/>
+            <a:ext cx="3138300" cy="857400"/>
           </a:xfrm>
           <a:prstGeom prst="rect">
             <a:avLst/>
           </a:prstGeom>
         </p:spPr>
         <p:txBody>
-          <a:bodyPr bIns="91425" rIns="91425" lIns="91425" tIns="91425" anchor="b" anchorCtr="0">
+          <a:bodyPr lIns="91425" tIns="91425" rIns="91425" bIns="91425" anchor="b" anchorCtr="0">
             <a:noAutofit/>
           </a:bodyPr>
           <a:lstStyle/>
@@ -7436,9 +7907,9 @@
 </file>
 
 <file path=ppt/theme/theme1.xml><?xml version="1.0" encoding="utf-8"?>
-<a:theme xmlns:a="http://schemas.openxmlformats.org/drawingml/2006/main" xmlns:r="http://schemas.openxmlformats.org/officeDocument/2006/relationships" name="Custom Theme">
+<a:theme xmlns:a="http://schemas.openxmlformats.org/drawingml/2006/main" name="steps">
   <a:themeElements>
-    <a:clrScheme name="Default">
+    <a:clrScheme name="Custom 462">
       <a:dk1>
         <a:srgbClr val="000000"/>
       </a:dk1>
@@ -7446,34 +7917,34 @@
         <a:srgbClr val="FFFFFF"/>
       </a:lt1>
       <a:dk2>
-        <a:srgbClr val="158158"/>
+        <a:srgbClr val="1F497D"/>
       </a:dk2>
       <a:lt2>
-        <a:srgbClr val="F3F3F3"/>
+        <a:srgbClr val="EEECE1"/>
       </a:lt2>
       <a:accent1>
-        <a:srgbClr val="058DC7"/>
+        <a:srgbClr val="FFD80C"/>
       </a:accent1>
       <a:accent2>
-        <a:srgbClr val="50B432"/>
+        <a:srgbClr val="CD108C"/>
       </a:accent2>
       <a:accent3>
-        <a:srgbClr val="ED561B"/>
+        <a:srgbClr val="0990DB"/>
       </a:accent3>
       <a:accent4>
-        <a:srgbClr val="EDEF00"/>
+        <a:srgbClr val="AAAAAA"/>
       </a:accent4>
       <a:accent5>
-        <a:srgbClr val="24CBE5"/>
+        <a:srgbClr val="C3F180"/>
       </a:accent5>
       <a:accent6>
-        <a:srgbClr val="64E572"/>
+        <a:srgbClr val="FF986D"/>
       </a:accent6>
       <a:hlink>
-        <a:srgbClr val="2200CC"/>
+        <a:srgbClr val="ABABAB"/>
       </a:hlink>
       <a:folHlink>
-        <a:srgbClr val="551A8B"/>
+        <a:srgbClr val="666666"/>
       </a:folHlink>
     </a:clrScheme>
     <a:fontScheme name="Office">
@@ -7481,69 +7952,69 @@
         <a:latin typeface="Arial"/>
         <a:ea typeface=""/>
         <a:cs typeface=""/>
-        <a:font typeface="ＭＳ Ｐゴシック" script="Jpan"/>
-        <a:font typeface="맑은 고딕" script="Hang"/>
-        <a:font typeface="宋体" script="Hans"/>
-        <a:font typeface="新細明體" script="Hant"/>
-        <a:font typeface="Times New Roman" script="Arab"/>
-        <a:font typeface="Times New Roman" script="Hebr"/>
-        <a:font typeface="Angsana New" script="Thai"/>
-        <a:font typeface="Nyala" script="Ethi"/>
-        <a:font typeface="Vrinda" script="Beng"/>
-        <a:font typeface="Shruti" script="Gujr"/>
-        <a:font typeface="MoolBoran" script="Khmr"/>
-        <a:font typeface="Tunga" script="Knda"/>
-        <a:font typeface="Raavi" script="Guru"/>
-        <a:font typeface="Euphemia" script="Cans"/>
-        <a:font typeface="Plantagenet Cherokee" script="Cher"/>
-        <a:font typeface="Microsoft Yi Baiti" script="Yiii"/>
-        <a:font typeface="Microsoft Himalaya" script="Tibt"/>
-        <a:font typeface="MV Boli" script="Thaa"/>
-        <a:font typeface="Mangal" script="Deva"/>
-        <a:font typeface="Gautami" script="Telu"/>
-        <a:font typeface="Latha" script="Taml"/>
-        <a:font typeface="Estrangelo Edessa" script="Syrc"/>
-        <a:font typeface="Kalinga" script="Orya"/>
-        <a:font typeface="Kartika" script="Mlym"/>
-        <a:font typeface="DokChampa" script="Laoo"/>
-        <a:font typeface="Iskoola Pota" script="Sinh"/>
-        <a:font typeface="Mongolian Baiti" script="Mong"/>
-        <a:font typeface="Times New Roman" script="Viet"/>
-        <a:font typeface="Microsoft Uighur" script="Uigh"/>
+        <a:font script="Jpan" typeface="ＭＳ Ｐゴシック"/>
+        <a:font script="Hang" typeface="맑은 고딕"/>
+        <a:font script="Hans" typeface="宋体"/>
+        <a:font script="Hant" typeface="新細明體"/>
+        <a:font script="Arab" typeface="Times New Roman"/>
+        <a:font script="Hebr" typeface="Times New Roman"/>
+        <a:font script="Thai" typeface="Angsana New"/>
+        <a:font script="Ethi" typeface="Nyala"/>
+        <a:font script="Beng" typeface="Vrinda"/>
+        <a:font script="Gujr" typeface="Shruti"/>
+        <a:font script="Khmr" typeface="MoolBoran"/>
+        <a:font script="Knda" typeface="Tunga"/>
+        <a:font script="Guru" typeface="Raavi"/>
+        <a:font script="Cans" typeface="Euphemia"/>
+        <a:font script="Cher" typeface="Plantagenet Cherokee"/>
+        <a:font script="Yiii" typeface="Microsoft Yi Baiti"/>
+        <a:font script="Tibt" typeface="Microsoft Himalaya"/>
+        <a:font script="Thaa" typeface="MV Boli"/>
+        <a:font script="Deva" typeface="Mangal"/>
+        <a:font script="Telu" typeface="Gautami"/>
+        <a:font script="Taml" typeface="Latha"/>
+        <a:font script="Syrc" typeface="Estrangelo Edessa"/>
+        <a:font script="Orya" typeface="Kalinga"/>
+        <a:font script="Mlym" typeface="Kartika"/>
+        <a:font script="Laoo" typeface="DokChampa"/>
+        <a:font script="Sinh" typeface="Iskoola Pota"/>
+        <a:font script="Mong" typeface="Mongolian Baiti"/>
+        <a:font script="Viet" typeface="Times New Roman"/>
+        <a:font script="Uigh" typeface="Microsoft Uighur"/>
       </a:majorFont>
       <a:minorFont>
         <a:latin typeface="Arial"/>
         <a:ea typeface=""/>
         <a:cs typeface=""/>
-        <a:font typeface="ＭＳ Ｐゴシック" script="Jpan"/>
-        <a:font typeface="맑은 고딕" script="Hang"/>
-        <a:font typeface="宋体" script="Hans"/>
-        <a:font typeface="新細明體" script="Hant"/>
-        <a:font typeface="Times New Roman" script="Arab"/>
-        <a:font typeface="Times New Roman" script="Hebr"/>
-        <a:font typeface="Angsana New" script="Thai"/>
-        <a:font typeface="Nyala" script="Ethi"/>
-        <a:font typeface="Vrinda" script="Beng"/>
-        <a:font typeface="Shruti" script="Gujr"/>
-        <a:font typeface="MoolBoran" script="Khmr"/>
-        <a:font typeface="Tunga" script="Knda"/>
-        <a:font typeface="Raavi" script="Guru"/>
-        <a:font typeface="Euphemia" script="Cans"/>
-        <a:font typeface="Plantagenet Cherokee" script="Cher"/>
-        <a:font typeface="Microsoft Yi Baiti" script="Yiii"/>
-        <a:font typeface="Microsoft Himalaya" script="Tibt"/>
-        <a:font typeface="MV Boli" script="Thaa"/>
-        <a:font typeface="Mangal" script="Deva"/>
-        <a:font typeface="Gautami" script="Telu"/>
-        <a:font typeface="Latha" script="Taml"/>
-        <a:font typeface="Estrangelo Edessa" script="Syrc"/>
-        <a:font typeface="Kalinga" script="Orya"/>
-        <a:font typeface="Kartika" script="Mlym"/>
-        <a:font typeface="DokChampa" script="Laoo"/>
-        <a:font typeface="Iskoola Pota" script="Sinh"/>
-        <a:font typeface="Mongolian Baiti" script="Mong"/>
-        <a:font typeface="Times New Roman" script="Viet"/>
-        <a:font typeface="Microsoft Uighur" script="Uigh"/>
+        <a:font script="Jpan" typeface="ＭＳ Ｐゴシック"/>
+        <a:font script="Hang" typeface="맑은 고딕"/>
+        <a:font script="Hans" typeface="宋体"/>
+        <a:font script="Hant" typeface="新細明體"/>
+        <a:font script="Arab" typeface="Times New Roman"/>
+        <a:font script="Hebr" typeface="Times New Roman"/>
+        <a:font script="Thai" typeface="Angsana New"/>
+        <a:font script="Ethi" typeface="Nyala"/>
+        <a:font script="Beng" typeface="Vrinda"/>
+        <a:font script="Gujr" typeface="Shruti"/>
+        <a:font script="Khmr" typeface="MoolBoran"/>
+        <a:font script="Knda" typeface="Tunga"/>
+        <a:font script="Guru" typeface="Raavi"/>
+        <a:font script="Cans" typeface="Euphemia"/>
+        <a:font script="Cher" typeface="Plantagenet Cherokee"/>
+        <a:font script="Yiii" typeface="Microsoft Yi Baiti"/>
+        <a:font script="Tibt" typeface="Microsoft Himalaya"/>
+        <a:font script="Thaa" typeface="MV Boli"/>
+        <a:font script="Deva" typeface="Mangal"/>
+        <a:font script="Telu" typeface="Gautami"/>
+        <a:font script="Taml" typeface="Latha"/>
+        <a:font script="Syrc" typeface="Estrangelo Edessa"/>
+        <a:font script="Orya" typeface="Kalinga"/>
+        <a:font script="Mlym" typeface="Kartika"/>
+        <a:font script="Laoo" typeface="DokChampa"/>
+        <a:font script="Sinh" typeface="Iskoola Pota"/>
+        <a:font script="Mong" typeface="Mongolian Baiti"/>
+        <a:font script="Viet" typeface="Times New Roman"/>
+        <a:font script="Uigh" typeface="Microsoft Uighur"/>
       </a:minorFont>
     </a:fontScheme>
     <a:fmtScheme name="Office">
@@ -7595,7 +8066,7 @@
         </a:gradFill>
       </a:fillStyleLst>
       <a:lnStyleLst>
-        <a:ln w="9525" algn="ctr" cap="flat" cmpd="sng">
+        <a:ln w="9525" cap="flat" cmpd="sng" algn="ctr">
           <a:solidFill>
             <a:schemeClr val="phClr">
               <a:shade val="95000"/>
@@ -7604,13 +8075,13 @@
           </a:solidFill>
           <a:prstDash val="solid"/>
         </a:ln>
-        <a:ln w="25400" algn="ctr" cap="flat" cmpd="sng">
+        <a:ln w="25400" cap="flat" cmpd="sng" algn="ctr">
           <a:solidFill>
             <a:schemeClr val="phClr"/>
           </a:solidFill>
           <a:prstDash val="solid"/>
         </a:ln>
-        <a:ln w="38100" algn="ctr" cap="flat" cmpd="sng">
+        <a:ln w="38100" cap="flat" cmpd="sng" algn="ctr">
           <a:solidFill>
             <a:schemeClr val="phClr"/>
           </a:solidFill>
@@ -7620,7 +8091,7 @@
       <a:effectStyleLst>
         <a:effectStyle>
           <a:effectLst>
-            <a:outerShdw rotWithShape="0" dir="5400000" blurRad="40000" dist="20000">
+            <a:outerShdw blurRad="40000" dist="20000" dir="5400000" rotWithShape="0">
               <a:srgbClr val="000000">
                 <a:alpha val="38000"/>
               </a:srgbClr>
@@ -7629,7 +8100,7 @@
         </a:effectStyle>
         <a:effectStyle>
           <a:effectLst>
-            <a:outerShdw rotWithShape="0" dir="5400000" blurRad="40000" dist="23000">
+            <a:outerShdw blurRad="40000" dist="23000" dir="5400000" rotWithShape="0">
               <a:srgbClr val="000000">
                 <a:alpha val="35000"/>
               </a:srgbClr>
@@ -7638,7 +8109,7 @@
         </a:effectStyle>
         <a:effectStyle>
           <a:effectLst>
-            <a:outerShdw rotWithShape="0" dir="5400000" blurRad="40000" dist="23000">
+            <a:outerShdw blurRad="40000" dist="23000" dir="5400000" rotWithShape="0">
               <a:srgbClr val="000000">
                 <a:alpha val="35000"/>
               </a:srgbClr>
@@ -7646,10 +8117,10 @@
           </a:effectLst>
           <a:scene3d>
             <a:camera prst="orthographicFront">
-              <a:rot rev="0" lon="0" lat="0"/>
+              <a:rot lat="0" lon="0" rev="0"/>
             </a:camera>
-            <a:lightRig dir="t" rig="threePt">
-              <a:rot rev="1200000" lon="0" lat="0"/>
+            <a:lightRig rig="threePt" dir="t">
+              <a:rot lat="0" lon="0" rev="1200000"/>
             </a:lightRig>
           </a:scene3d>
           <a:sp3d>
@@ -7684,7 +8155,7 @@
             </a:gs>
           </a:gsLst>
           <a:path path="circle">
-            <a:fillToRect t="-80000" b="180000" r="50000" l="50000"/>
+            <a:fillToRect l="50000" t="-80000" r="50000" b="180000"/>
           </a:path>
         </a:gradFill>
         <a:gradFill rotWithShape="1">
@@ -7703,19 +8174,21 @@
             </a:gs>
           </a:gsLst>
           <a:path path="circle">
-            <a:fillToRect t="50000" b="50000" r="50000" l="50000"/>
+            <a:fillToRect l="50000" t="50000" r="50000" b="50000"/>
           </a:path>
         </a:gradFill>
       </a:bgFillStyleLst>
     </a:fmtScheme>
   </a:themeElements>
+  <a:objectDefaults/>
+  <a:extraClrSchemeLst/>
 </a:theme>
 </file>
 
 <file path=ppt/theme/theme2.xml><?xml version="1.0" encoding="utf-8"?>
-<a:theme xmlns:a="http://schemas.openxmlformats.org/drawingml/2006/main" xmlns:r="http://schemas.openxmlformats.org/officeDocument/2006/relationships" name="steps">
+<a:theme xmlns:a="http://schemas.openxmlformats.org/drawingml/2006/main" name="Custom Theme">
   <a:themeElements>
-    <a:clrScheme name="Custom 462">
+    <a:clrScheme name="Default">
       <a:dk1>
         <a:srgbClr val="000000"/>
       </a:dk1>
@@ -7723,34 +8196,34 @@
         <a:srgbClr val="FFFFFF"/>
       </a:lt1>
       <a:dk2>
-        <a:srgbClr val="1F497D"/>
+        <a:srgbClr val="158158"/>
       </a:dk2>
       <a:lt2>
-        <a:srgbClr val="EEECE1"/>
+        <a:srgbClr val="F3F3F3"/>
       </a:lt2>
       <a:accent1>
-        <a:srgbClr val="FFD80C"/>
+        <a:srgbClr val="058DC7"/>
       </a:accent1>
       <a:accent2>
-        <a:srgbClr val="CD108C"/>
+        <a:srgbClr val="50B432"/>
       </a:accent2>
       <a:accent3>
-        <a:srgbClr val="0990DB"/>
+        <a:srgbClr val="ED561B"/>
       </a:accent3>
       <a:accent4>
-        <a:srgbClr val="AAAAAA"/>
+        <a:srgbClr val="EDEF00"/>
       </a:accent4>
       <a:accent5>
-        <a:srgbClr val="C3F180"/>
+        <a:srgbClr val="24CBE5"/>
       </a:accent5>
       <a:accent6>
-        <a:srgbClr val="FF986D"/>
+        <a:srgbClr val="64E572"/>
       </a:accent6>
       <a:hlink>
-        <a:srgbClr val="ABABAB"/>
+        <a:srgbClr val="2200CC"/>
       </a:hlink>
       <a:folHlink>
-        <a:srgbClr val="666666"/>
+        <a:srgbClr val="551A8B"/>
       </a:folHlink>
     </a:clrScheme>
     <a:fontScheme name="Office">
@@ -7758,69 +8231,69 @@
         <a:latin typeface="Arial"/>
         <a:ea typeface=""/>
         <a:cs typeface=""/>
-        <a:font typeface="ＭＳ Ｐゴシック" script="Jpan"/>
-        <a:font typeface="맑은 고딕" script="Hang"/>
-        <a:font typeface="宋体" script="Hans"/>
-        <a:font typeface="新細明體" script="Hant"/>
-        <a:font typeface="Times New Roman" script="Arab"/>
-        <a:font typeface="Times New Roman" script="Hebr"/>
-        <a:font typeface="Angsana New" script="Thai"/>
-        <a:font typeface="Nyala" script="Ethi"/>
-        <a:font typeface="Vrinda" script="Beng"/>
-        <a:font typeface="Shruti" script="Gujr"/>
-        <a:font typeface="MoolBoran" script="Khmr"/>
-        <a:font typeface="Tunga" script="Knda"/>
-        <a:font typeface="Raavi" script="Guru"/>
-        <a:font typeface="Euphemia" script="Cans"/>
-        <a:font typeface="Plantagenet Cherokee" script="Cher"/>
-        <a:font typeface="Microsoft Yi Baiti" script="Yiii"/>
-        <a:font typeface="Microsoft Himalaya" script="Tibt"/>
-        <a:font typeface="MV Boli" script="Thaa"/>
-        <a:font typeface="Mangal" script="Deva"/>
-        <a:font typeface="Gautami" script="Telu"/>
-        <a:font typeface="Latha" script="Taml"/>
-        <a:font typeface="Estrangelo Edessa" script="Syrc"/>
-        <a:font typeface="Kalinga" script="Orya"/>
-        <a:font typeface="Kartika" script="Mlym"/>
-        <a:font typeface="DokChampa" script="Laoo"/>
-        <a:font typeface="Iskoola Pota" script="Sinh"/>
-        <a:font typeface="Mongolian Baiti" script="Mong"/>
-        <a:font typeface="Times New Roman" script="Viet"/>
-        <a:font typeface="Microsoft Uighur" script="Uigh"/>
+        <a:font script="Jpan" typeface="ＭＳ Ｐゴシック"/>
+        <a:font script="Hang" typeface="맑은 고딕"/>
+        <a:font script="Hans" typeface="宋体"/>
+        <a:font script="Hant" typeface="新細明體"/>
+        <a:font script="Arab" typeface="Times New Roman"/>
+        <a:font script="Hebr" typeface="Times New Roman"/>
+        <a:font script="Thai" typeface="Angsana New"/>
+        <a:font script="Ethi" typeface="Nyala"/>
+        <a:font script="Beng" typeface="Vrinda"/>
+        <a:font script="Gujr" typeface="Shruti"/>
+        <a:font script="Khmr" typeface="MoolBoran"/>
+        <a:font script="Knda" typeface="Tunga"/>
+        <a:font script="Guru" typeface="Raavi"/>
+        <a:font script="Cans" typeface="Euphemia"/>
+        <a:font script="Cher" typeface="Plantagenet Cherokee"/>
+        <a:font script="Yiii" typeface="Microsoft Yi Baiti"/>
+        <a:font script="Tibt" typeface="Microsoft Himalaya"/>
+        <a:font script="Thaa" typeface="MV Boli"/>
+        <a:font script="Deva" typeface="Mangal"/>
+        <a:font script="Telu" typeface="Gautami"/>
+        <a:font script="Taml" typeface="Latha"/>
+        <a:font script="Syrc" typeface="Estrangelo Edessa"/>
+        <a:font script="Orya" typeface="Kalinga"/>
+        <a:font script="Mlym" typeface="Kartika"/>
+        <a:font script="Laoo" typeface="DokChampa"/>
+        <a:font script="Sinh" typeface="Iskoola Pota"/>
+        <a:font script="Mong" typeface="Mongolian Baiti"/>
+        <a:font script="Viet" typeface="Times New Roman"/>
+        <a:font script="Uigh" typeface="Microsoft Uighur"/>
       </a:majorFont>
       <a:minorFont>
         <a:latin typeface="Arial"/>
         <a:ea typeface=""/>
         <a:cs typeface=""/>
-        <a:font typeface="ＭＳ Ｐゴシック" script="Jpan"/>
-        <a:font typeface="맑은 고딕" script="Hang"/>
-        <a:font typeface="宋体" script="Hans"/>
-        <a:font typeface="新細明體" script="Hant"/>
-        <a:font typeface="Times New Roman" script="Arab"/>
-        <a:font typeface="Times New Roman" script="Hebr"/>
-        <a:font typeface="Angsana New" script="Thai"/>
-        <a:font typeface="Nyala" script="Ethi"/>
-        <a:font typeface="Vrinda" script="Beng"/>
-        <a:font typeface="Shruti" script="Gujr"/>
-        <a:font typeface="MoolBoran" script="Khmr"/>
-        <a:font typeface="Tunga" script="Knda"/>
-        <a:font typeface="Raavi" script="Guru"/>
-        <a:font typeface="Euphemia" script="Cans"/>
-        <a:font typeface="Plantagenet Cherokee" script="Cher"/>
-        <a:font typeface="Microsoft Yi Baiti" script="Yiii"/>
-        <a:font typeface="Microsoft Himalaya" script="Tibt"/>
-        <a:font typeface="MV Boli" script="Thaa"/>
-        <a:font typeface="Mangal" script="Deva"/>
-        <a:font typeface="Gautami" script="Telu"/>
-        <a:font typeface="Latha" script="Taml"/>
-        <a:font typeface="Estrangelo Edessa" script="Syrc"/>
-        <a:font typeface="Kalinga" script="Orya"/>
-        <a:font typeface="Kartika" script="Mlym"/>
-        <a:font typeface="DokChampa" script="Laoo"/>
-        <a:font typeface="Iskoola Pota" script="Sinh"/>
-        <a:font typeface="Mongolian Baiti" script="Mong"/>
-        <a:font typeface="Times New Roman" script="Viet"/>
-        <a:font typeface="Microsoft Uighur" script="Uigh"/>
+        <a:font script="Jpan" typeface="ＭＳ Ｐゴシック"/>
+        <a:font script="Hang" typeface="맑은 고딕"/>
+        <a:font script="Hans" typeface="宋体"/>
+        <a:font script="Hant" typeface="新細明體"/>
+        <a:font script="Arab" typeface="Times New Roman"/>
+        <a:font script="Hebr" typeface="Times New Roman"/>
+        <a:font script="Thai" typeface="Angsana New"/>
+        <a:font script="Ethi" typeface="Nyala"/>
+        <a:font script="Beng" typeface="Vrinda"/>
+        <a:font script="Gujr" typeface="Shruti"/>
+        <a:font script="Khmr" typeface="MoolBoran"/>
+        <a:font script="Knda" typeface="Tunga"/>
+        <a:font script="Guru" typeface="Raavi"/>
+        <a:font script="Cans" typeface="Euphemia"/>
+        <a:font script="Cher" typeface="Plantagenet Cherokee"/>
+        <a:font script="Yiii" typeface="Microsoft Yi Baiti"/>
+        <a:font script="Tibt" typeface="Microsoft Himalaya"/>
+        <a:font script="Thaa" typeface="MV Boli"/>
+        <a:font script="Deva" typeface="Mangal"/>
+        <a:font script="Telu" typeface="Gautami"/>
+        <a:font script="Taml" typeface="Latha"/>
+        <a:font script="Syrc" typeface="Estrangelo Edessa"/>
+        <a:font script="Orya" typeface="Kalinga"/>
+        <a:font script="Mlym" typeface="Kartika"/>
+        <a:font script="Laoo" typeface="DokChampa"/>
+        <a:font script="Sinh" typeface="Iskoola Pota"/>
+        <a:font script="Mong" typeface="Mongolian Baiti"/>
+        <a:font script="Viet" typeface="Times New Roman"/>
+        <a:font script="Uigh" typeface="Microsoft Uighur"/>
       </a:minorFont>
     </a:fontScheme>
     <a:fmtScheme name="Office">
@@ -7872,7 +8345,7 @@
         </a:gradFill>
       </a:fillStyleLst>
       <a:lnStyleLst>
-        <a:ln w="9525" algn="ctr" cap="flat" cmpd="sng">
+        <a:ln w="9525" cap="flat" cmpd="sng" algn="ctr">
           <a:solidFill>
             <a:schemeClr val="phClr">
               <a:shade val="95000"/>
@@ -7881,13 +8354,13 @@
           </a:solidFill>
           <a:prstDash val="solid"/>
         </a:ln>
-        <a:ln w="25400" algn="ctr" cap="flat" cmpd="sng">
+        <a:ln w="25400" cap="flat" cmpd="sng" algn="ctr">
           <a:solidFill>
             <a:schemeClr val="phClr"/>
           </a:solidFill>
           <a:prstDash val="solid"/>
         </a:ln>
-        <a:ln w="38100" algn="ctr" cap="flat" cmpd="sng">
+        <a:ln w="38100" cap="flat" cmpd="sng" algn="ctr">
           <a:solidFill>
             <a:schemeClr val="phClr"/>
           </a:solidFill>
@@ -7897,7 +8370,7 @@
       <a:effectStyleLst>
         <a:effectStyle>
           <a:effectLst>
-            <a:outerShdw rotWithShape="0" dir="5400000" blurRad="40000" dist="20000">
+            <a:outerShdw blurRad="40000" dist="20000" dir="5400000" rotWithShape="0">
               <a:srgbClr val="000000">
                 <a:alpha val="38000"/>
               </a:srgbClr>
@@ -7906,7 +8379,7 @@
         </a:effectStyle>
         <a:effectStyle>
           <a:effectLst>
-            <a:outerShdw rotWithShape="0" dir="5400000" blurRad="40000" dist="23000">
+            <a:outerShdw blurRad="40000" dist="23000" dir="5400000" rotWithShape="0">
               <a:srgbClr val="000000">
                 <a:alpha val="35000"/>
               </a:srgbClr>
@@ -7915,7 +8388,7 @@
         </a:effectStyle>
         <a:effectStyle>
           <a:effectLst>
-            <a:outerShdw rotWithShape="0" dir="5400000" blurRad="40000" dist="23000">
+            <a:outerShdw blurRad="40000" dist="23000" dir="5400000" rotWithShape="0">
               <a:srgbClr val="000000">
                 <a:alpha val="35000"/>
               </a:srgbClr>
@@ -7923,10 +8396,10 @@
           </a:effectLst>
           <a:scene3d>
             <a:camera prst="orthographicFront">
-              <a:rot rev="0" lon="0" lat="0"/>
+              <a:rot lat="0" lon="0" rev="0"/>
             </a:camera>
-            <a:lightRig dir="t" rig="threePt">
-              <a:rot rev="1200000" lon="0" lat="0"/>
+            <a:lightRig rig="threePt" dir="t">
+              <a:rot lat="0" lon="0" rev="1200000"/>
             </a:lightRig>
           </a:scene3d>
           <a:sp3d>
@@ -7961,7 +8434,7 @@
             </a:gs>
           </a:gsLst>
           <a:path path="circle">
-            <a:fillToRect t="-80000" b="180000" r="50000" l="50000"/>
+            <a:fillToRect l="50000" t="-80000" r="50000" b="180000"/>
           </a:path>
         </a:gradFill>
         <a:gradFill rotWithShape="1">
@@ -7980,328 +8453,13 @@
             </a:gs>
           </a:gsLst>
           <a:path path="circle">
-            <a:fillToRect t="50000" b="50000" r="50000" l="50000"/>
+            <a:fillToRect l="50000" t="50000" r="50000" b="50000"/>
           </a:path>
         </a:gradFill>
       </a:bgFillStyleLst>
     </a:fmtScheme>
   </a:themeElements>
-</a:theme>
-</file>
-
-<file path=ppt/theme/theme3.xml><?xml version="1.0" encoding="utf-8"?>
-<a:theme xmlns:a="http://schemas.openxmlformats.org/drawingml/2006/main" xmlns:r="http://schemas.openxmlformats.org/officeDocument/2006/relationships" name="Office Theme">
-  <a:themeElements>
-    <a:clrScheme name="Office">
-      <a:dk1>
-        <a:sysClr val="windowText" lastClr="000000"/>
-      </a:dk1>
-      <a:lt1>
-        <a:sysClr val="window" lastClr="FFFFFF"/>
-      </a:lt1>
-      <a:dk2>
-        <a:srgbClr val="1F497D"/>
-      </a:dk2>
-      <a:lt2>
-        <a:srgbClr val="EEECE1"/>
-      </a:lt2>
-      <a:accent1>
-        <a:srgbClr val="4F81BD"/>
-      </a:accent1>
-      <a:accent2>
-        <a:srgbClr val="C0504D"/>
-      </a:accent2>
-      <a:accent3>
-        <a:srgbClr val="9BBB59"/>
-      </a:accent3>
-      <a:accent4>
-        <a:srgbClr val="8064A2"/>
-      </a:accent4>
-      <a:accent5>
-        <a:srgbClr val="4BACC6"/>
-      </a:accent5>
-      <a:accent6>
-        <a:srgbClr val="F79646"/>
-      </a:accent6>
-      <a:hlink>
-        <a:srgbClr val="0000FF"/>
-      </a:hlink>
-      <a:folHlink>
-        <a:srgbClr val="800080"/>
-      </a:folHlink>
-    </a:clrScheme>
-    <a:fontScheme name="Office">
-      <a:majorFont>
-        <a:latin typeface="Arial"/>
-        <a:ea typeface=""/>
-        <a:cs typeface=""/>
-        <a:font typeface="ＭＳ Ｐゴシック" script="Jpan"/>
-        <a:font typeface="맑은 고딕" script="Hang"/>
-        <a:font typeface="宋体" script="Hans"/>
-        <a:font typeface="新細明體" script="Hant"/>
-        <a:font typeface="Times New Roman" script="Arab"/>
-        <a:font typeface="Times New Roman" script="Hebr"/>
-        <a:font typeface="Angsana New" script="Thai"/>
-        <a:font typeface="Nyala" script="Ethi"/>
-        <a:font typeface="Vrinda" script="Beng"/>
-        <a:font typeface="Shruti" script="Gujr"/>
-        <a:font typeface="MoolBoran" script="Khmr"/>
-        <a:font typeface="Tunga" script="Knda"/>
-        <a:font typeface="Raavi" script="Guru"/>
-        <a:font typeface="Euphemia" script="Cans"/>
-        <a:font typeface="Plantagenet Cherokee" script="Cher"/>
-        <a:font typeface="Microsoft Yi Baiti" script="Yiii"/>
-        <a:font typeface="Microsoft Himalaya" script="Tibt"/>
-        <a:font typeface="MV Boli" script="Thaa"/>
-        <a:font typeface="Mangal" script="Deva"/>
-        <a:font typeface="Gautami" script="Telu"/>
-        <a:font typeface="Latha" script="Taml"/>
-        <a:font typeface="Estrangelo Edessa" script="Syrc"/>
-        <a:font typeface="Kalinga" script="Orya"/>
-        <a:font typeface="Kartika" script="Mlym"/>
-        <a:font typeface="DokChampa" script="Laoo"/>
-        <a:font typeface="Iskoola Pota" script="Sinh"/>
-        <a:font typeface="Mongolian Baiti" script="Mong"/>
-        <a:font typeface="Times New Roman" script="Viet"/>
-        <a:font typeface="Microsoft Uighur" script="Uigh"/>
-      </a:majorFont>
-      <a:minorFont>
-        <a:latin typeface="Arial"/>
-        <a:ea typeface=""/>
-        <a:cs typeface=""/>
-        <a:font typeface="ＭＳ Ｐゴシック" script="Jpan"/>
-        <a:font typeface="맑은 고딕" script="Hang"/>
-        <a:font typeface="宋体" script="Hans"/>
-        <a:font typeface="新細明體" script="Hant"/>
-        <a:font typeface="Times New Roman" script="Arab"/>
-        <a:font typeface="Times New Roman" script="Hebr"/>
-        <a:font typeface="Angsana New" script="Thai"/>
-        <a:font typeface="Nyala" script="Ethi"/>
-        <a:font typeface="Vrinda" script="Beng"/>
-        <a:font typeface="Shruti" script="Gujr"/>
-        <a:font typeface="MoolBoran" script="Khmr"/>
-        <a:font typeface="Tunga" script="Knda"/>
-        <a:font typeface="Raavi" script="Guru"/>
-        <a:font typeface="Euphemia" script="Cans"/>
-        <a:font typeface="Plantagenet Cherokee" script="Cher"/>
-        <a:font typeface="Microsoft Yi Baiti" script="Yiii"/>
-        <a:font typeface="Microsoft Himalaya" script="Tibt"/>
-        <a:font typeface="MV Boli" script="Thaa"/>
-        <a:font typeface="Mangal" script="Deva"/>
-        <a:font typeface="Gautami" script="Telu"/>
-        <a:font typeface="Latha" script="Taml"/>
-        <a:font typeface="Estrangelo Edessa" script="Syrc"/>
-        <a:font typeface="Kalinga" script="Orya"/>
-        <a:font typeface="Kartika" script="Mlym"/>
-        <a:font typeface="DokChampa" script="Laoo"/>
-        <a:font typeface="Iskoola Pota" script="Sinh"/>
-        <a:font typeface="Mongolian Baiti" script="Mong"/>
-        <a:font typeface="Times New Roman" script="Viet"/>
-        <a:font typeface="Microsoft Uighur" script="Uigh"/>
-      </a:minorFont>
-    </a:fontScheme>
-    <a:fmtScheme name="Office">
-      <a:fillStyleLst>
-        <a:solidFill>
-          <a:schemeClr val="phClr"/>
-        </a:solidFill>
-        <a:gradFill rotWithShape="1">
-          <a:gsLst>
-            <a:gs pos="0">
-              <a:schemeClr val="phClr">
-                <a:tint val="50000"/>
-                <a:satMod val="300000"/>
-              </a:schemeClr>
-            </a:gs>
-            <a:gs pos="35000">
-              <a:schemeClr val="phClr">
-                <a:tint val="37000"/>
-                <a:satMod val="300000"/>
-              </a:schemeClr>
-            </a:gs>
-            <a:gs pos="100000">
-              <a:schemeClr val="phClr">
-                <a:tint val="15000"/>
-                <a:satMod val="350000"/>
-              </a:schemeClr>
-            </a:gs>
-          </a:gsLst>
-          <a:lin ang="16200000" scaled="1"/>
-        </a:gradFill>
-        <a:gradFill rotWithShape="1">
-          <a:gsLst>
-            <a:gs pos="0">
-              <a:schemeClr val="phClr">
-                <a:tint val="100000"/>
-                <a:shade val="100000"/>
-                <a:satMod val="130000"/>
-              </a:schemeClr>
-            </a:gs>
-            <a:gs pos="100000">
-              <a:schemeClr val="phClr">
-                <a:tint val="50000"/>
-                <a:shade val="100000"/>
-                <a:satMod val="350000"/>
-              </a:schemeClr>
-            </a:gs>
-          </a:gsLst>
-          <a:lin ang="16200000" scaled="0"/>
-        </a:gradFill>
-      </a:fillStyleLst>
-      <a:lnStyleLst>
-        <a:ln w="9525" algn="ctr" cap="flat" cmpd="sng">
-          <a:solidFill>
-            <a:schemeClr val="phClr">
-              <a:shade val="95000"/>
-              <a:satMod val="105000"/>
-            </a:schemeClr>
-          </a:solidFill>
-          <a:prstDash val="solid"/>
-        </a:ln>
-        <a:ln w="25400" algn="ctr" cap="flat" cmpd="sng">
-          <a:solidFill>
-            <a:schemeClr val="phClr"/>
-          </a:solidFill>
-          <a:prstDash val="solid"/>
-        </a:ln>
-        <a:ln w="38100" algn="ctr" cap="flat" cmpd="sng">
-          <a:solidFill>
-            <a:schemeClr val="phClr"/>
-          </a:solidFill>
-          <a:prstDash val="solid"/>
-        </a:ln>
-      </a:lnStyleLst>
-      <a:effectStyleLst>
-        <a:effectStyle>
-          <a:effectLst>
-            <a:outerShdw rotWithShape="0" dir="5400000" blurRad="40000" dist="20000">
-              <a:srgbClr val="000000">
-                <a:alpha val="38000"/>
-              </a:srgbClr>
-            </a:outerShdw>
-          </a:effectLst>
-        </a:effectStyle>
-        <a:effectStyle>
-          <a:effectLst>
-            <a:outerShdw rotWithShape="0" dir="5400000" blurRad="40000" dist="23000">
-              <a:srgbClr val="000000">
-                <a:alpha val="35000"/>
-              </a:srgbClr>
-            </a:outerShdw>
-          </a:effectLst>
-        </a:effectStyle>
-        <a:effectStyle>
-          <a:effectLst>
-            <a:outerShdw rotWithShape="0" dir="5400000" blurRad="40000" dist="23000">
-              <a:srgbClr val="000000">
-                <a:alpha val="35000"/>
-              </a:srgbClr>
-            </a:outerShdw>
-          </a:effectLst>
-          <a:scene3d>
-            <a:camera prst="orthographicFront">
-              <a:rot rev="0" lon="0" lat="0"/>
-            </a:camera>
-            <a:lightRig dir="t" rig="threePt">
-              <a:rot rev="1200000" lon="0" lat="0"/>
-            </a:lightRig>
-          </a:scene3d>
-          <a:sp3d>
-            <a:bevelT w="63500" h="25400"/>
-          </a:sp3d>
-        </a:effectStyle>
-      </a:effectStyleLst>
-      <a:bgFillStyleLst>
-        <a:solidFill>
-          <a:schemeClr val="phClr"/>
-        </a:solidFill>
-        <a:gradFill rotWithShape="1">
-          <a:gsLst>
-            <a:gs pos="0">
-              <a:schemeClr val="phClr">
-                <a:tint val="40000"/>
-                <a:satMod val="350000"/>
-              </a:schemeClr>
-            </a:gs>
-            <a:gs pos="40000">
-              <a:schemeClr val="phClr">
-                <a:tint val="45000"/>
-                <a:shade val="99000"/>
-                <a:satMod val="350000"/>
-              </a:schemeClr>
-            </a:gs>
-            <a:gs pos="100000">
-              <a:schemeClr val="phClr">
-                <a:shade val="20000"/>
-                <a:satMod val="255000"/>
-              </a:schemeClr>
-            </a:gs>
-          </a:gsLst>
-          <a:path path="circle">
-            <a:fillToRect t="-80000" b="180000" r="50000" l="50000"/>
-          </a:path>
-        </a:gradFill>
-        <a:gradFill rotWithShape="1">
-          <a:gsLst>
-            <a:gs pos="0">
-              <a:schemeClr val="phClr">
-                <a:tint val="80000"/>
-                <a:satMod val="300000"/>
-              </a:schemeClr>
-            </a:gs>
-            <a:gs pos="100000">
-              <a:schemeClr val="phClr">
-                <a:shade val="30000"/>
-                <a:satMod val="200000"/>
-              </a:schemeClr>
-            </a:gs>
-          </a:gsLst>
-          <a:path path="circle">
-            <a:fillToRect t="50000" b="50000" r="50000" l="50000"/>
-          </a:path>
-        </a:gradFill>
-      </a:bgFillStyleLst>
-    </a:fmtScheme>
-  </a:themeElements>
-  <a:objectDefaults>
-    <a:spDef>
-      <a:spPr/>
-      <a:bodyPr/>
-      <a:lstStyle/>
-      <a:style>
-        <a:lnRef idx="1">
-          <a:schemeClr val="accent1"/>
-        </a:lnRef>
-        <a:fillRef idx="3">
-          <a:schemeClr val="accent1"/>
-        </a:fillRef>
-        <a:effectRef idx="2">
-          <a:schemeClr val="accent1"/>
-        </a:effectRef>
-        <a:fontRef idx="minor">
-          <a:schemeClr val="lt1"/>
-        </a:fontRef>
-      </a:style>
-    </a:spDef>
-    <a:lnDef>
-      <a:spPr/>
-      <a:bodyPr/>
-      <a:lstStyle/>
-      <a:style>
-        <a:lnRef idx="2">
-          <a:schemeClr val="accent1"/>
-        </a:lnRef>
-        <a:fillRef idx="0">
-          <a:schemeClr val="accent1"/>
-        </a:fillRef>
-        <a:effectRef idx="1">
-          <a:schemeClr val="accent1"/>
-        </a:effectRef>
-        <a:fontRef idx="minor">
-          <a:schemeClr val="tx1"/>
-        </a:fontRef>
-      </a:style>
-    </a:lnDef>
-  </a:objectDefaults>
+  <a:objectDefaults/>
+  <a:extraClrSchemeLst/>
 </a:theme>
 </file>